--- a/Documentation/Отчет по проекту.pptx
+++ b/Documentation/Отчет по проекту.pptx
@@ -5,7 +5,7 @@
     <p:sldMasterId id="2147483659" r:id="rId1"/>
   </p:sldMasterIdLst>
   <p:notesMasterIdLst>
-    <p:notesMasterId r:id="rId28"/>
+    <p:notesMasterId r:id="rId42"/>
   </p:notesMasterIdLst>
   <p:sldIdLst>
     <p:sldId id="256" r:id="rId2"/>
@@ -31,26 +31,40 @@
     <p:sldId id="276" r:id="rId22"/>
     <p:sldId id="277" r:id="rId23"/>
     <p:sldId id="278" r:id="rId24"/>
-    <p:sldId id="279" r:id="rId25"/>
-    <p:sldId id="280" r:id="rId26"/>
-    <p:sldId id="281" r:id="rId27"/>
+    <p:sldId id="283" r:id="rId25"/>
+    <p:sldId id="279" r:id="rId26"/>
+    <p:sldId id="280" r:id="rId27"/>
+    <p:sldId id="281" r:id="rId28"/>
+    <p:sldId id="284" r:id="rId29"/>
+    <p:sldId id="292" r:id="rId30"/>
+    <p:sldId id="291" r:id="rId31"/>
+    <p:sldId id="282" r:id="rId32"/>
+    <p:sldId id="290" r:id="rId33"/>
+    <p:sldId id="289" r:id="rId34"/>
+    <p:sldId id="293" r:id="rId35"/>
+    <p:sldId id="295" r:id="rId36"/>
+    <p:sldId id="296" r:id="rId37"/>
+    <p:sldId id="297" r:id="rId38"/>
+    <p:sldId id="298" r:id="rId39"/>
+    <p:sldId id="299" r:id="rId40"/>
+    <p:sldId id="300" r:id="rId41"/>
   </p:sldIdLst>
   <p:sldSz cx="9144000" cy="5143500" type="screen16x9"/>
   <p:notesSz cx="6858000" cy="9144000"/>
   <p:embeddedFontLst>
     <p:embeddedFont>
-      <p:font typeface="PT Sans" panose="020B0604020202020204" charset="-52"/>
-      <p:regular r:id="rId29"/>
-      <p:bold r:id="rId30"/>
-      <p:italic r:id="rId31"/>
-      <p:boldItalic r:id="rId32"/>
+      <p:font typeface="Roboto" panose="020B0604020202020204" charset="0"/>
+      <p:regular r:id="rId43"/>
+      <p:bold r:id="rId44"/>
+      <p:italic r:id="rId45"/>
+      <p:boldItalic r:id="rId46"/>
     </p:embeddedFont>
     <p:embeddedFont>
-      <p:font typeface="Roboto" panose="020B0604020202020204" charset="0"/>
-      <p:regular r:id="rId33"/>
-      <p:bold r:id="rId34"/>
-      <p:italic r:id="rId35"/>
-      <p:boldItalic r:id="rId36"/>
+      <p:font typeface="PT Sans" panose="020B0604020202020204" charset="-52"/>
+      <p:regular r:id="rId47"/>
+      <p:bold r:id="rId48"/>
+      <p:italic r:id="rId49"/>
+      <p:boldItalic r:id="rId50"/>
     </p:embeddedFont>
   </p:embeddedFontLst>
   <p:defaultTextStyle>
@@ -283,6 +297,54 @@
     </a:lvl9pPr>
   </p:defaultTextStyle>
   <p:extLst>
+    <p:ext uri="{521415D9-36F7-43E2-AB2F-B90AF26B5E84}">
+      <p14:sectionLst xmlns:p14="http://schemas.microsoft.com/office/powerpoint/2010/main">
+        <p14:section name="Раздел по умолчанию" id="{F71D4AEF-F63E-42CD-85D3-DEB1FACC0FF8}">
+          <p14:sldIdLst>
+            <p14:sldId id="256"/>
+            <p14:sldId id="257"/>
+            <p14:sldId id="258"/>
+            <p14:sldId id="259"/>
+            <p14:sldId id="260"/>
+            <p14:sldId id="261"/>
+            <p14:sldId id="262"/>
+            <p14:sldId id="263"/>
+            <p14:sldId id="264"/>
+            <p14:sldId id="265"/>
+            <p14:sldId id="266"/>
+            <p14:sldId id="267"/>
+            <p14:sldId id="268"/>
+            <p14:sldId id="269"/>
+            <p14:sldId id="270"/>
+            <p14:sldId id="271"/>
+            <p14:sldId id="272"/>
+            <p14:sldId id="273"/>
+            <p14:sldId id="274"/>
+            <p14:sldId id="275"/>
+            <p14:sldId id="276"/>
+            <p14:sldId id="277"/>
+            <p14:sldId id="278"/>
+            <p14:sldId id="283"/>
+            <p14:sldId id="279"/>
+            <p14:sldId id="280"/>
+            <p14:sldId id="281"/>
+            <p14:sldId id="284"/>
+            <p14:sldId id="292"/>
+            <p14:sldId id="291"/>
+            <p14:sldId id="282"/>
+            <p14:sldId id="290"/>
+            <p14:sldId id="289"/>
+            <p14:sldId id="293"/>
+            <p14:sldId id="295"/>
+            <p14:sldId id="296"/>
+            <p14:sldId id="297"/>
+            <p14:sldId id="298"/>
+            <p14:sldId id="299"/>
+            <p14:sldId id="300"/>
+          </p14:sldIdLst>
+        </p14:section>
+      </p14:sectionLst>
+    </p:ext>
     <p:ext uri="{EFAFB233-063F-42B5-8137-9DF3F51BA10A}">
       <p15:sldGuideLst xmlns:p15="http://schemas.microsoft.com/office/powerpoint/2012/main">
         <p15:guide id="1" orient="horz" pos="1620">
@@ -771,8 +833,8 @@
         </p:nvSpPr>
         <p:spPr>
           <a:xfrm>
-            <a:off x="381300" y="685800"/>
-            <a:ext cx="6096075" cy="3429000"/>
+            <a:off x="381000" y="685800"/>
+            <a:ext cx="6096000" cy="3429000"/>
           </a:xfrm>
           <a:custGeom>
             <a:avLst/>
@@ -1291,7 +1353,7 @@
         </p:nvSpPr>
         <p:spPr>
           <a:xfrm>
-            <a:off x="381300" y="685800"/>
+            <a:off x="381000" y="685800"/>
             <a:ext cx="6096000" cy="3429000"/>
           </a:xfrm>
           <a:custGeom>
@@ -2123,7 +2185,7 @@
         </p:nvSpPr>
         <p:spPr>
           <a:xfrm>
-            <a:off x="381300" y="685800"/>
+            <a:off x="381000" y="685800"/>
             <a:ext cx="6096000" cy="3429000"/>
           </a:xfrm>
           <a:custGeom>
@@ -2227,7 +2289,7 @@
         </p:nvSpPr>
         <p:spPr>
           <a:xfrm>
-            <a:off x="381300" y="685800"/>
+            <a:off x="381000" y="685800"/>
             <a:ext cx="6096000" cy="3429000"/>
           </a:xfrm>
           <a:custGeom>
@@ -2331,7 +2393,7 @@
         </p:nvSpPr>
         <p:spPr>
           <a:xfrm>
-            <a:off x="381300" y="685800"/>
+            <a:off x="381000" y="685800"/>
             <a:ext cx="6096000" cy="3429000"/>
           </a:xfrm>
           <a:custGeom>
@@ -2539,7 +2601,7 @@
         </p:nvSpPr>
         <p:spPr>
           <a:xfrm>
-            <a:off x="381300" y="685800"/>
+            <a:off x="381000" y="685800"/>
             <a:ext cx="6096000" cy="3429000"/>
           </a:xfrm>
           <a:custGeom>
@@ -2851,7 +2913,7 @@
         </p:nvSpPr>
         <p:spPr>
           <a:xfrm>
-            <a:off x="381300" y="685800"/>
+            <a:off x="381000" y="685800"/>
             <a:ext cx="6096000" cy="3429000"/>
           </a:xfrm>
           <a:custGeom>
@@ -3059,7 +3121,7 @@
         </p:nvSpPr>
         <p:spPr>
           <a:xfrm>
-            <a:off x="381300" y="685800"/>
+            <a:off x="381000" y="685800"/>
             <a:ext cx="6096000" cy="3429000"/>
           </a:xfrm>
           <a:custGeom>
@@ -8143,10 +8205,18 @@
               <a:buNone/>
             </a:pPr>
             <a:r>
-              <a:rPr lang="en" sz="4200"/>
-              <a:t>Отчет по групповой работе</a:t>
-            </a:r>
-            <a:endParaRPr sz="4200"/>
+              <a:rPr lang="en" sz="4200" dirty="0"/>
+              <a:t>Отчет </a:t>
+            </a:r>
+            <a:r>
+              <a:rPr lang="en" sz="4200" dirty="0" smtClean="0"/>
+              <a:t>по</a:t>
+            </a:r>
+            <a:r>
+              <a:rPr lang="ru-RU" sz="4200" dirty="0" smtClean="0"/>
+              <a:t> проекту</a:t>
+            </a:r>
+            <a:endParaRPr sz="4200" dirty="0"/>
           </a:p>
         </p:txBody>
       </p:sp>
@@ -8197,6 +8267,13 @@
   <p:clrMapOvr>
     <a:masterClrMapping/>
   </p:clrMapOvr>
+  <p:timing>
+    <p:tnLst>
+      <p:par>
+        <p:cTn id="1" dur="indefinite" restart="never" nodeType="tmRoot"/>
+      </p:par>
+    </p:tnLst>
+  </p:timing>
 </p:sld>
 </file>
 
@@ -8567,6 +8644,13 @@
   <p:clrMapOvr>
     <a:masterClrMapping/>
   </p:clrMapOvr>
+  <p:timing>
+    <p:tnLst>
+      <p:par>
+        <p:cTn id="1" dur="indefinite" restart="never" nodeType="tmRoot"/>
+      </p:par>
+    </p:tnLst>
+  </p:timing>
 </p:sld>
 </file>
 
@@ -8728,6 +8812,13 @@
   <p:clrMapOvr>
     <a:masterClrMapping/>
   </p:clrMapOvr>
+  <p:timing>
+    <p:tnLst>
+      <p:par>
+        <p:cTn id="1" dur="indefinite" restart="never" nodeType="tmRoot"/>
+      </p:par>
+    </p:tnLst>
+  </p:timing>
 </p:sld>
 </file>
 
@@ -8861,6 +8952,13 @@
   <p:clrMapOvr>
     <a:masterClrMapping/>
   </p:clrMapOvr>
+  <p:timing>
+    <p:tnLst>
+      <p:par>
+        <p:cTn id="1" dur="indefinite" restart="never" nodeType="tmRoot"/>
+      </p:par>
+    </p:tnLst>
+  </p:timing>
 </p:sld>
 </file>
 
@@ -8956,6 +9054,13 @@
   <p:clrMapOvr>
     <a:masterClrMapping/>
   </p:clrMapOvr>
+  <p:timing>
+    <p:tnLst>
+      <p:par>
+        <p:cTn id="1" dur="indefinite" restart="never" nodeType="tmRoot"/>
+      </p:par>
+    </p:tnLst>
+  </p:timing>
 </p:sld>
 </file>
 
@@ -9030,7 +9135,7 @@
         </p:nvSpPr>
         <p:spPr>
           <a:xfrm>
-            <a:off x="311700" y="1152475"/>
+            <a:off x="0" y="957403"/>
             <a:ext cx="8520600" cy="3416400"/>
           </a:xfrm>
           <a:prstGeom prst="rect">
@@ -9053,10 +9158,10 @@
               <a:buNone/>
             </a:pPr>
             <a:r>
-              <a:rPr lang="en"/>
+              <a:rPr lang="en" dirty="0"/>
               <a:t>Изобразила прототип интерфейса.</a:t>
             </a:r>
-            <a:endParaRPr/>
+            <a:endParaRPr dirty="0"/>
           </a:p>
         </p:txBody>
       </p:sp>
@@ -9076,8 +9181,8 @@
         </p:blipFill>
         <p:spPr>
           <a:xfrm>
-            <a:off x="4418708" y="445025"/>
-            <a:ext cx="4147643" cy="2151074"/>
+            <a:off x="4005127" y="304493"/>
+            <a:ext cx="5138873" cy="2987347"/>
           </a:xfrm>
           <a:prstGeom prst="rect">
             <a:avLst/>
@@ -9104,7 +9209,7 @@
         </p:blipFill>
         <p:spPr>
           <a:xfrm>
-            <a:off x="311700" y="2006325"/>
+            <a:off x="150129" y="1701525"/>
             <a:ext cx="3543298" cy="2151074"/>
           </a:xfrm>
           <a:prstGeom prst="rect">
@@ -9132,8 +9237,8 @@
         </p:blipFill>
         <p:spPr>
           <a:xfrm>
-            <a:off x="4418700" y="2732724"/>
-            <a:ext cx="4147650" cy="2151080"/>
+            <a:off x="2033611" y="2630005"/>
+            <a:ext cx="4426395" cy="2256176"/>
           </a:xfrm>
           <a:prstGeom prst="rect">
             <a:avLst/>
@@ -9149,6 +9254,13 @@
   <p:clrMapOvr>
     <a:masterClrMapping/>
   </p:clrMapOvr>
+  <p:timing>
+    <p:tnLst>
+      <p:par>
+        <p:cTn id="1" dur="indefinite" restart="never" nodeType="tmRoot"/>
+      </p:par>
+    </p:tnLst>
+  </p:timing>
 </p:sld>
 </file>
 
@@ -9344,6 +9456,13 @@
   <p:clrMapOvr>
     <a:masterClrMapping/>
   </p:clrMapOvr>
+  <p:timing>
+    <p:tnLst>
+      <p:par>
+        <p:cTn id="1" dur="indefinite" restart="never" nodeType="tmRoot"/>
+      </p:par>
+    </p:tnLst>
+  </p:timing>
 </p:sld>
 </file>
 
@@ -9573,6 +9692,13 @@
   <p:clrMapOvr>
     <a:masterClrMapping/>
   </p:clrMapOvr>
+  <p:timing>
+    <p:tnLst>
+      <p:par>
+        <p:cTn id="1" dur="indefinite" restart="never" nodeType="tmRoot"/>
+      </p:par>
+    </p:tnLst>
+  </p:timing>
 </p:sld>
 </file>
 
@@ -9735,6 +9861,13 @@
   <p:clrMapOvr>
     <a:masterClrMapping/>
   </p:clrMapOvr>
+  <p:timing>
+    <p:tnLst>
+      <p:par>
+        <p:cTn id="1" dur="indefinite" restart="never" nodeType="tmRoot"/>
+      </p:par>
+    </p:tnLst>
+  </p:timing>
 </p:sld>
 </file>
 
@@ -9940,6 +10073,13 @@
   <p:clrMapOvr>
     <a:masterClrMapping/>
   </p:clrMapOvr>
+  <p:timing>
+    <p:tnLst>
+      <p:par>
+        <p:cTn id="1" dur="indefinite" restart="never" nodeType="tmRoot"/>
+      </p:par>
+    </p:tnLst>
+  </p:timing>
 </p:sld>
 </file>
 
@@ -10073,6 +10213,13 @@
   <p:clrMapOvr>
     <a:masterClrMapping/>
   </p:clrMapOvr>
+  <p:timing>
+    <p:tnLst>
+      <p:par>
+        <p:cTn id="1" dur="indefinite" restart="never" nodeType="tmRoot"/>
+      </p:par>
+    </p:tnLst>
+  </p:timing>
 </p:sld>
 </file>
 
@@ -10128,10 +10275,10 @@
               <a:buNone/>
             </a:pPr>
             <a:r>
-              <a:rPr lang="en" sz="2564" b="1"/>
+              <a:rPr lang="en" sz="1600" b="1" dirty="0"/>
               <a:t>Тема проекта:</a:t>
             </a:r>
-            <a:endParaRPr sz="2564" b="1"/>
+            <a:endParaRPr sz="1600" b="1" dirty="0"/>
           </a:p>
           <a:p>
             <a:pPr marL="0" lvl="0" indent="0" algn="l" rtl="0">
@@ -10144,10 +10291,10 @@
               <a:buNone/>
             </a:pPr>
             <a:r>
-              <a:rPr lang="en" sz="2150"/>
+              <a:rPr lang="en" sz="1400" dirty="0"/>
               <a:t>Проектирование и создание системы автоматизации документообразования</a:t>
             </a:r>
-            <a:endParaRPr sz="2150"/>
+            <a:endParaRPr sz="1400" dirty="0"/>
           </a:p>
           <a:p>
             <a:pPr marL="0" lvl="0" indent="0" algn="l" rtl="0">
@@ -10159,7 +10306,7 @@
               </a:spcAft>
               <a:buNone/>
             </a:pPr>
-            <a:endParaRPr sz="2150"/>
+            <a:endParaRPr sz="1400" dirty="0"/>
           </a:p>
           <a:p>
             <a:pPr marL="0" lvl="0" indent="0" algn="l" rtl="0">
@@ -10172,10 +10319,10 @@
               <a:buNone/>
             </a:pPr>
             <a:r>
-              <a:rPr lang="en" sz="2385" b="1"/>
+              <a:rPr lang="en" sz="1400" b="1" dirty="0"/>
               <a:t>Методология:</a:t>
             </a:r>
-            <a:endParaRPr sz="2385" b="1"/>
+            <a:endParaRPr sz="1400" b="1" dirty="0"/>
           </a:p>
           <a:p>
             <a:pPr marL="0" lvl="0" indent="0" algn="l" rtl="0">
@@ -10188,10 +10335,10 @@
               <a:buNone/>
             </a:pPr>
             <a:r>
-              <a:rPr lang="en" sz="2150"/>
+              <a:rPr lang="en" sz="1400" dirty="0"/>
               <a:t>Процесс разработки проекта ведется по методологии Скрам</a:t>
             </a:r>
-            <a:endParaRPr sz="2150"/>
+            <a:endParaRPr sz="1400" dirty="0"/>
           </a:p>
           <a:p>
             <a:pPr marL="0" lvl="0" indent="0" algn="l" rtl="0">
@@ -10203,7 +10350,7 @@
               </a:spcAft>
               <a:buNone/>
             </a:pPr>
-            <a:endParaRPr sz="2150"/>
+            <a:endParaRPr sz="1400" dirty="0"/>
           </a:p>
           <a:p>
             <a:pPr marL="0" lvl="0" indent="0" algn="l" rtl="0">
@@ -10216,10 +10363,18 @@
               <a:buNone/>
             </a:pPr>
             <a:r>
-              <a:rPr lang="en" sz="2150" b="1"/>
-              <a:t>Даты спринтов:</a:t>
-            </a:r>
-            <a:endParaRPr sz="2150" b="1"/>
+              <a:rPr lang="en" sz="1400" b="1" dirty="0"/>
+              <a:t>Даты спринтов</a:t>
+            </a:r>
+            <a:r>
+              <a:rPr lang="en" sz="1400" b="1" dirty="0" smtClean="0"/>
+              <a:t>:</a:t>
+            </a:r>
+            <a:r>
+              <a:rPr lang="ru-RU" sz="1400" b="1" dirty="0" smtClean="0"/>
+              <a:t>  </a:t>
+            </a:r>
+            <a:endParaRPr sz="1400" b="1" dirty="0"/>
           </a:p>
           <a:p>
             <a:pPr marL="0" lvl="0" indent="0" algn="l" rtl="0">
@@ -10232,10 +10387,10 @@
               <a:buNone/>
             </a:pPr>
             <a:r>
-              <a:rPr lang="en" sz="2150"/>
+              <a:rPr lang="en" sz="1400" dirty="0"/>
               <a:t>Спринт 1: 02.06-08.06</a:t>
             </a:r>
-            <a:endParaRPr sz="2150"/>
+            <a:endParaRPr sz="1400" dirty="0"/>
           </a:p>
           <a:p>
             <a:pPr marL="0" lvl="0" indent="0" algn="l" rtl="0">
@@ -10248,10 +10403,10 @@
               <a:buNone/>
             </a:pPr>
             <a:r>
-              <a:rPr lang="en" sz="2150"/>
+              <a:rPr lang="en" sz="1400" dirty="0"/>
               <a:t>Спринт 2: 09.06-15.06</a:t>
             </a:r>
-            <a:endParaRPr sz="2150"/>
+            <a:endParaRPr sz="1400" dirty="0"/>
           </a:p>
           <a:p>
             <a:pPr marL="0" lvl="0" indent="0" algn="l" rtl="0">
@@ -10264,10 +10419,13 @@
               <a:buNone/>
             </a:pPr>
             <a:r>
-              <a:rPr lang="en" sz="2150"/>
-              <a:t>Спринт 3: 16.06-22.06</a:t>
-            </a:r>
-            <a:endParaRPr sz="2150"/>
+              <a:rPr lang="en" sz="1400" dirty="0"/>
+              <a:t>Спринт 3: </a:t>
+            </a:r>
+            <a:r>
+              <a:rPr lang="en" sz="1400" dirty="0" smtClean="0"/>
+              <a:t>16.06-22.06</a:t>
+            </a:r>
           </a:p>
           <a:p>
             <a:pPr marL="0" lvl="0" indent="0" algn="l" rtl="0">
@@ -10279,7 +10437,39 @@
               </a:spcAft>
               <a:buNone/>
             </a:pPr>
-            <a:endParaRPr sz="2150"/>
+            <a:r>
+              <a:rPr lang="en" sz="1400" dirty="0" smtClean="0"/>
+              <a:t>C</a:t>
+            </a:r>
+            <a:r>
+              <a:rPr lang="ru-RU" sz="1400" dirty="0" err="1" smtClean="0"/>
+              <a:t>принт</a:t>
+            </a:r>
+            <a:r>
+              <a:rPr lang="ru-RU" sz="1400" dirty="0" smtClean="0"/>
+              <a:t> 4</a:t>
+            </a:r>
+            <a:r>
+              <a:rPr lang="en-US" sz="1400" dirty="0" smtClean="0"/>
+              <a:t>: </a:t>
+            </a:r>
+            <a:r>
+              <a:rPr lang="ru-RU" sz="1400" dirty="0" smtClean="0"/>
+              <a:t>23.06-29.06</a:t>
+            </a:r>
+            <a:endParaRPr sz="1400" dirty="0"/>
+          </a:p>
+          <a:p>
+            <a:pPr marL="0" lvl="0" indent="0" algn="l" rtl="0">
+              <a:spcBef>
+                <a:spcPts val="0"/>
+              </a:spcBef>
+              <a:spcAft>
+                <a:spcPts val="0"/>
+              </a:spcAft>
+              <a:buNone/>
+            </a:pPr>
+            <a:endParaRPr sz="2150" dirty="0"/>
           </a:p>
           <a:p>
             <a:pPr marL="0" lvl="0" indent="0" algn="l" rtl="0">
@@ -10294,7 +10484,7 @@
               </a:spcAft>
               <a:buNone/>
             </a:pPr>
-            <a:endParaRPr sz="1100">
+            <a:endParaRPr sz="1100" dirty="0">
               <a:solidFill>
                 <a:srgbClr val="000000"/>
               </a:solidFill>
@@ -10314,7 +10504,7 @@
               </a:spcAft>
               <a:buNone/>
             </a:pPr>
-            <a:endParaRPr sz="2150"/>
+            <a:endParaRPr sz="2150" dirty="0"/>
           </a:p>
           <a:p>
             <a:pPr marL="0" lvl="0" indent="0" algn="l" rtl="0">
@@ -10326,7 +10516,7 @@
               </a:spcAft>
               <a:buNone/>
             </a:pPr>
-            <a:endParaRPr sz="2400"/>
+            <a:endParaRPr sz="2400" dirty="0"/>
           </a:p>
           <a:p>
             <a:pPr marL="0" lvl="0" indent="0" algn="l" rtl="0">
@@ -10338,7 +10528,7 @@
               </a:spcAft>
               <a:buNone/>
             </a:pPr>
-            <a:endParaRPr sz="2400"/>
+            <a:endParaRPr sz="2400" dirty="0"/>
           </a:p>
           <a:p>
             <a:pPr marL="0" lvl="0" indent="0" algn="l" rtl="0">
@@ -10350,7 +10540,7 @@
               </a:spcAft>
               <a:buNone/>
             </a:pPr>
-            <a:endParaRPr sz="2400"/>
+            <a:endParaRPr sz="2400" dirty="0"/>
           </a:p>
           <a:p>
             <a:pPr marL="0" lvl="0" indent="0" algn="l" rtl="0">
@@ -10362,7 +10552,7 @@
               </a:spcAft>
               <a:buNone/>
             </a:pPr>
-            <a:endParaRPr sz="2400"/>
+            <a:endParaRPr sz="2400" dirty="0"/>
           </a:p>
         </p:txBody>
       </p:sp>
@@ -10372,18 +10562,17 @@
           <p:cNvPicPr preferRelativeResize="0"/>
           <p:nvPr/>
         </p:nvPicPr>
-        <p:blipFill>
+        <p:blipFill rotWithShape="1">
           <a:blip r:embed="rId3">
             <a:alphaModFix/>
           </a:blip>
-          <a:stretch>
-            <a:fillRect/>
-          </a:stretch>
+          <a:srcRect r="50084"/>
+          <a:stretch/>
         </p:blipFill>
         <p:spPr>
           <a:xfrm>
-            <a:off x="476775" y="2608825"/>
-            <a:ext cx="7772400" cy="2114550"/>
+            <a:off x="2614147" y="2815561"/>
+            <a:ext cx="3437998" cy="1983199"/>
           </a:xfrm>
           <a:prstGeom prst="rect">
             <a:avLst/>
@@ -10399,6 +10588,13 @@
   <p:clrMapOvr>
     <a:masterClrMapping/>
   </p:clrMapOvr>
+  <p:timing>
+    <p:tnLst>
+      <p:par>
+        <p:cTn id="1" dur="indefinite" restart="never" nodeType="tmRoot"/>
+      </p:par>
+    </p:tnLst>
+  </p:timing>
 </p:sld>
 </file>
 
@@ -10496,10 +10692,10 @@
               <a:buNone/>
             </a:pPr>
             <a:r>
-              <a:rPr lang="en"/>
+              <a:rPr lang="en" dirty="0"/>
               <a:t>Что было положительного?</a:t>
             </a:r>
-            <a:endParaRPr/>
+            <a:endParaRPr dirty="0"/>
           </a:p>
           <a:p>
             <a:pPr marL="457200" lvl="0" indent="-308610" algn="l" rtl="0">
@@ -10513,10 +10709,10 @@
               <a:buChar char="-"/>
             </a:pPr>
             <a:r>
-              <a:rPr lang="en"/>
+              <a:rPr lang="en" dirty="0"/>
               <a:t>Хорошая коммуникация в команде</a:t>
             </a:r>
-            <a:endParaRPr/>
+            <a:endParaRPr dirty="0"/>
           </a:p>
           <a:p>
             <a:pPr marL="457200" lvl="0" indent="-308610" algn="l" rtl="0">
@@ -10530,10 +10726,10 @@
               <a:buChar char="-"/>
             </a:pPr>
             <a:r>
-              <a:rPr lang="en"/>
+              <a:rPr lang="en" dirty="0"/>
               <a:t>Понятные задачи и сроки выполнения</a:t>
             </a:r>
-            <a:endParaRPr/>
+            <a:endParaRPr dirty="0"/>
           </a:p>
           <a:p>
             <a:pPr marL="457200" lvl="0" indent="-308610" algn="l" rtl="0">
@@ -10547,10 +10743,10 @@
               <a:buChar char="-"/>
             </a:pPr>
             <a:r>
-              <a:rPr lang="en"/>
+              <a:rPr lang="en" dirty="0"/>
               <a:t>Дружный коллектив</a:t>
             </a:r>
-            <a:endParaRPr/>
+            <a:endParaRPr dirty="0"/>
           </a:p>
           <a:p>
             <a:pPr marL="457200" lvl="0" indent="-308610" algn="l" rtl="0">
@@ -10564,10 +10760,10 @@
               <a:buChar char="-"/>
             </a:pPr>
             <a:r>
-              <a:rPr lang="en"/>
+              <a:rPr lang="en" dirty="0"/>
               <a:t>Все заняты своими задачами, каждый привносит вклад в разработку проекта</a:t>
             </a:r>
-            <a:endParaRPr/>
+            <a:endParaRPr dirty="0"/>
           </a:p>
           <a:p>
             <a:pPr marL="0" lvl="0" indent="0" algn="l" rtl="0">
@@ -10580,10 +10776,10 @@
               <a:buNone/>
             </a:pPr>
             <a:r>
-              <a:rPr lang="en"/>
+              <a:rPr lang="en" dirty="0"/>
               <a:t>Что было отрицательного?</a:t>
             </a:r>
-            <a:endParaRPr/>
+            <a:endParaRPr dirty="0"/>
           </a:p>
           <a:p>
             <a:pPr marL="457200" lvl="0" indent="-308610" algn="l" rtl="0">
@@ -10597,10 +10793,10 @@
               <a:buChar char="-"/>
             </a:pPr>
             <a:r>
-              <a:rPr lang="en"/>
+              <a:rPr lang="en" dirty="0"/>
               <a:t>Ежедневные 15-минутные совещания затягиваются по времени</a:t>
             </a:r>
-            <a:endParaRPr/>
+            <a:endParaRPr dirty="0"/>
           </a:p>
           <a:p>
             <a:pPr marL="457200" lvl="0" indent="-308610" algn="l" rtl="0">
@@ -10614,10 +10810,10 @@
               <a:buChar char="-"/>
             </a:pPr>
             <a:r>
-              <a:rPr lang="en"/>
+              <a:rPr lang="en" dirty="0"/>
               <a:t>Недостаточное уделение времени проекту</a:t>
             </a:r>
-            <a:endParaRPr/>
+            <a:endParaRPr dirty="0"/>
           </a:p>
           <a:p>
             <a:pPr marL="457200" lvl="0" indent="-308610" algn="l" rtl="0">
@@ -10631,10 +10827,10 @@
               <a:buChar char="-"/>
             </a:pPr>
             <a:r>
-              <a:rPr lang="en"/>
+              <a:rPr lang="en" dirty="0"/>
               <a:t>Разброс идей и предложений, нет целостности понимая как будет работать</a:t>
             </a:r>
-            <a:endParaRPr/>
+            <a:endParaRPr dirty="0"/>
           </a:p>
           <a:p>
             <a:pPr marL="457200" lvl="0" indent="-308610" algn="l" rtl="0">
@@ -10648,10 +10844,10 @@
               <a:buChar char="-"/>
             </a:pPr>
             <a:r>
-              <a:rPr lang="en"/>
+              <a:rPr lang="en" dirty="0"/>
               <a:t>Изначально не было разбиения задач на более мелкие</a:t>
             </a:r>
-            <a:endParaRPr/>
+            <a:endParaRPr dirty="0"/>
           </a:p>
           <a:p>
             <a:pPr marL="0" lvl="0" indent="0" algn="l" rtl="0">
@@ -10664,10 +10860,10 @@
               <a:buNone/>
             </a:pPr>
             <a:r>
-              <a:rPr lang="en"/>
+              <a:rPr lang="en" dirty="0"/>
               <a:t>Как исправить?</a:t>
             </a:r>
-            <a:endParaRPr/>
+            <a:endParaRPr dirty="0"/>
           </a:p>
           <a:p>
             <a:pPr marL="457200" lvl="0" indent="-308610" algn="l" rtl="0">
@@ -10681,10 +10877,10 @@
               <a:buChar char="-"/>
             </a:pPr>
             <a:r>
-              <a:rPr lang="en"/>
+              <a:rPr lang="en" dirty="0"/>
               <a:t>Проводить отдельно технические совещания и встречи</a:t>
             </a:r>
-            <a:endParaRPr/>
+            <a:endParaRPr dirty="0"/>
           </a:p>
           <a:p>
             <a:pPr marL="457200" lvl="0" indent="-308610" algn="l" rtl="0">
@@ -10698,10 +10894,10 @@
               <a:buChar char="-"/>
             </a:pPr>
             <a:r>
-              <a:rPr lang="en"/>
+              <a:rPr lang="en" dirty="0"/>
               <a:t>Начать рабочий день раньше</a:t>
             </a:r>
-            <a:endParaRPr/>
+            <a:endParaRPr dirty="0"/>
           </a:p>
           <a:p>
             <a:pPr marL="457200" lvl="0" indent="-308610" algn="l" rtl="0">
@@ -10715,10 +10911,10 @@
               <a:buChar char="-"/>
             </a:pPr>
             <a:r>
-              <a:rPr lang="en"/>
+              <a:rPr lang="en" dirty="0"/>
               <a:t>Завести матрицу идей</a:t>
             </a:r>
-            <a:endParaRPr/>
+            <a:endParaRPr dirty="0"/>
           </a:p>
           <a:p>
             <a:pPr marL="457200" lvl="0" indent="-308610" algn="l" rtl="0">
@@ -10732,10 +10928,10 @@
               <a:buChar char="-"/>
             </a:pPr>
             <a:r>
-              <a:rPr lang="en"/>
+              <a:rPr lang="en" dirty="0"/>
               <a:t>Декомпозиция задачи</a:t>
             </a:r>
-            <a:endParaRPr/>
+            <a:endParaRPr dirty="0"/>
           </a:p>
         </p:txBody>
       </p:sp>
@@ -10744,6 +10940,13 @@
   <p:clrMapOvr>
     <a:masterClrMapping/>
   </p:clrMapOvr>
+  <p:timing>
+    <p:tnLst>
+      <p:par>
+        <p:cTn id="1" dur="indefinite" restart="never" nodeType="tmRoot"/>
+      </p:par>
+    </p:tnLst>
+  </p:timing>
 </p:sld>
 </file>
 
@@ -10809,30 +11012,26 @@
       </p:sp>
       <p:pic>
         <p:nvPicPr>
-          <p:cNvPr id="182" name="Google Shape;182;p33"/>
-          <p:cNvPicPr preferRelativeResize="0"/>
+          <p:cNvPr id="2" name="Рисунок 1"/>
+          <p:cNvPicPr>
+            <a:picLocks noChangeAspect="1"/>
+          </p:cNvPicPr>
           <p:nvPr/>
         </p:nvPicPr>
         <p:blipFill>
-          <a:blip r:embed="rId3">
-            <a:alphaModFix/>
-          </a:blip>
+          <a:blip r:embed="rId3"/>
           <a:stretch>
             <a:fillRect/>
           </a:stretch>
         </p:blipFill>
         <p:spPr>
           <a:xfrm>
-            <a:off x="365475" y="665575"/>
-            <a:ext cx="8505731" cy="4173124"/>
+            <a:off x="237575" y="665575"/>
+            <a:ext cx="8723625" cy="4130091"/>
           </a:xfrm>
           <a:prstGeom prst="rect">
             <a:avLst/>
           </a:prstGeom>
-          <a:noFill/>
-          <a:ln>
-            <a:noFill/>
-          </a:ln>
         </p:spPr>
       </p:pic>
     </p:spTree>
@@ -10840,6 +11039,13 @@
   <p:clrMapOvr>
     <a:masterClrMapping/>
   </p:clrMapOvr>
+  <p:timing>
+    <p:tnLst>
+      <p:par>
+        <p:cTn id="1" dur="indefinite" restart="never" nodeType="tmRoot"/>
+      </p:par>
+    </p:tnLst>
+  </p:timing>
 </p:sld>
 </file>
 
@@ -10900,30 +11106,26 @@
       </p:sp>
       <p:pic>
         <p:nvPicPr>
-          <p:cNvPr id="188" name="Google Shape;188;p34"/>
-          <p:cNvPicPr preferRelativeResize="0"/>
+          <p:cNvPr id="2" name="Рисунок 1"/>
+          <p:cNvPicPr>
+            <a:picLocks noChangeAspect="1"/>
+          </p:cNvPicPr>
           <p:nvPr/>
         </p:nvPicPr>
         <p:blipFill>
-          <a:blip r:embed="rId3">
-            <a:alphaModFix/>
-          </a:blip>
+          <a:blip r:embed="rId3"/>
           <a:stretch>
             <a:fillRect/>
           </a:stretch>
         </p:blipFill>
         <p:spPr>
           <a:xfrm>
-            <a:off x="270299" y="262450"/>
-            <a:ext cx="8433424" cy="4618600"/>
+            <a:off x="292433" y="882758"/>
+            <a:ext cx="8539867" cy="3309199"/>
           </a:xfrm>
           <a:prstGeom prst="rect">
             <a:avLst/>
           </a:prstGeom>
-          <a:noFill/>
-          <a:ln>
-            <a:noFill/>
-          </a:ln>
         </p:spPr>
       </p:pic>
     </p:spTree>
@@ -10931,6 +11133,13 @@
   <p:clrMapOvr>
     <a:masterClrMapping/>
   </p:clrMapOvr>
+  <p:timing>
+    <p:tnLst>
+      <p:par>
+        <p:cTn id="1" dur="indefinite" restart="never" nodeType="tmRoot"/>
+      </p:par>
+    </p:tnLst>
+  </p:timing>
 </p:sld>
 </file>
 
@@ -10951,48 +11160,30 @@
           <a:chExt cx="0" cy="0"/>
         </a:xfrm>
       </p:grpSpPr>
-      <p:sp>
-        <p:nvSpPr>
-          <p:cNvPr id="193" name="Google Shape;193;p35"/>
-          <p:cNvSpPr txBox="1">
-            <a:spLocks noGrp="1"/>
-          </p:cNvSpPr>
-          <p:nvPr>
-            <p:ph type="body" idx="1"/>
-          </p:nvPr>
-        </p:nvSpPr>
+      <p:pic>
+        <p:nvPicPr>
+          <p:cNvPr id="2" name="Рисунок 1"/>
+          <p:cNvPicPr>
+            <a:picLocks noChangeAspect="1"/>
+          </p:cNvPicPr>
+          <p:nvPr/>
+        </p:nvPicPr>
+        <p:blipFill>
+          <a:blip r:embed="rId3"/>
+          <a:stretch>
+            <a:fillRect/>
+          </a:stretch>
+        </p:blipFill>
         <p:spPr>
           <a:xfrm>
-            <a:off x="228900" y="376275"/>
-            <a:ext cx="8520600" cy="3416400"/>
+            <a:off x="302741" y="710470"/>
+            <a:ext cx="8692873" cy="2098514"/>
           </a:xfrm>
           <a:prstGeom prst="rect">
             <a:avLst/>
           </a:prstGeom>
         </p:spPr>
-        <p:txBody>
-          <a:bodyPr spcFirstLastPara="1" wrap="square" lIns="91425" tIns="91425" rIns="91425" bIns="91425" anchor="t" anchorCtr="0">
-            <a:normAutofit/>
-          </a:bodyPr>
-          <a:lstStyle/>
-          <a:p>
-            <a:pPr marL="0" lvl="0" indent="0" algn="l" rtl="0">
-              <a:spcBef>
-                <a:spcPts val="0"/>
-              </a:spcBef>
-              <a:spcAft>
-                <a:spcPts val="1200"/>
-              </a:spcAft>
-              <a:buNone/>
-            </a:pPr>
-            <a:r>
-              <a:rPr lang="en"/>
-              <a:t>Внешние риски</a:t>
-            </a:r>
-            <a:endParaRPr/>
-          </a:p>
-        </p:txBody>
-      </p:sp>
+      </p:pic>
       <p:pic>
         <p:nvPicPr>
           <p:cNvPr id="194" name="Google Shape;194;p35"/>
@@ -11000,7 +11191,7 @@
           <p:nvPr/>
         </p:nvPicPr>
         <p:blipFill>
-          <a:blip r:embed="rId3">
+          <a:blip r:embed="rId4">
             <a:alphaModFix/>
           </a:blip>
           <a:stretch>
@@ -11009,8 +11200,8 @@
         </p:blipFill>
         <p:spPr>
           <a:xfrm>
-            <a:off x="228900" y="1016275"/>
-            <a:ext cx="8839200" cy="1022033"/>
+            <a:off x="304800" y="2808983"/>
+            <a:ext cx="8690814" cy="1032814"/>
           </a:xfrm>
           <a:prstGeom prst="rect">
             <a:avLst/>
@@ -11026,10 +11217,237 @@
   <p:clrMapOvr>
     <a:masterClrMapping/>
   </p:clrMapOvr>
+  <p:timing>
+    <p:tnLst>
+      <p:par>
+        <p:cTn id="1" dur="indefinite" restart="never" nodeType="tmRoot"/>
+      </p:par>
+    </p:tnLst>
+  </p:timing>
 </p:sld>
 </file>
 
 <file path=ppt/slides/slide24.xml><?xml version="1.0" encoding="utf-8"?>
+<p:sld xmlns:a="http://schemas.openxmlformats.org/drawingml/2006/main" xmlns:r="http://schemas.openxmlformats.org/officeDocument/2006/relationships" xmlns:p="http://schemas.openxmlformats.org/presentationml/2006/main">
+  <p:cSld>
+    <p:spTree>
+      <p:nvGrpSpPr>
+        <p:cNvPr id="1" name=""/>
+        <p:cNvGrpSpPr/>
+        <p:nvPr/>
+      </p:nvGrpSpPr>
+      <p:grpSpPr>
+        <a:xfrm>
+          <a:off x="0" y="0"/>
+          <a:ext cx="0" cy="0"/>
+          <a:chOff x="0" y="0"/>
+          <a:chExt cx="0" cy="0"/>
+        </a:xfrm>
+      </p:grpSpPr>
+      <p:sp>
+        <p:nvSpPr>
+          <p:cNvPr id="2" name="Заголовок 1"/>
+          <p:cNvSpPr>
+            <a:spLocks noGrp="1"/>
+          </p:cNvSpPr>
+          <p:nvPr>
+            <p:ph type="title"/>
+          </p:nvPr>
+        </p:nvSpPr>
+        <p:spPr/>
+        <p:txBody>
+          <a:bodyPr>
+            <a:normAutofit fontScale="90000"/>
+          </a:bodyPr>
+          <a:lstStyle/>
+          <a:p>
+            <a:r>
+              <a:rPr lang="ru-RU" dirty="0" smtClean="0"/>
+              <a:t>Спринт </a:t>
+            </a:r>
+            <a:r>
+              <a:rPr lang="ru-RU" dirty="0" smtClean="0"/>
+              <a:t>2</a:t>
+            </a:r>
+            <a:r>
+              <a:rPr lang="en-US" dirty="0" smtClean="0"/>
+              <a:t> (</a:t>
+            </a:r>
+            <a:r>
+              <a:rPr lang="ru-RU" dirty="0" smtClean="0"/>
+              <a:t>09.06-15.06)</a:t>
+            </a:r>
+            <a:endParaRPr lang="ru-RU" dirty="0"/>
+          </a:p>
+        </p:txBody>
+      </p:sp>
+      <p:sp>
+        <p:nvSpPr>
+          <p:cNvPr id="3" name="Текст 2"/>
+          <p:cNvSpPr>
+            <a:spLocks noGrp="1"/>
+          </p:cNvSpPr>
+          <p:nvPr>
+            <p:ph type="body" idx="1"/>
+          </p:nvPr>
+        </p:nvSpPr>
+        <p:spPr>
+          <a:xfrm>
+            <a:off x="311700" y="1080112"/>
+            <a:ext cx="8520600" cy="3416400"/>
+          </a:xfrm>
+        </p:spPr>
+        <p:txBody>
+          <a:bodyPr>
+            <a:normAutofit/>
+          </a:bodyPr>
+          <a:lstStyle/>
+          <a:p>
+            <a:pPr marL="114300" indent="0">
+              <a:buNone/>
+            </a:pPr>
+            <a:r>
+              <a:rPr lang="ru-RU" sz="1400" dirty="0" smtClean="0"/>
+              <a:t>Цель спринта</a:t>
+            </a:r>
+            <a:r>
+              <a:rPr lang="en-US" sz="1400" dirty="0" smtClean="0"/>
+              <a:t>:</a:t>
+            </a:r>
+          </a:p>
+          <a:p>
+            <a:pPr marL="114300" indent="0">
+              <a:buNone/>
+            </a:pPr>
+            <a:r>
+              <a:rPr lang="ru-RU" sz="1400" dirty="0" smtClean="0"/>
+              <a:t>-Зафиксировать </a:t>
+            </a:r>
+            <a:r>
+              <a:rPr lang="ru-RU" sz="1400" dirty="0"/>
+              <a:t>стандартный набор описаний полей шаблонов в словаре </a:t>
+            </a:r>
+          </a:p>
+          <a:p>
+            <a:pPr marL="114300" indent="0">
+              <a:buNone/>
+            </a:pPr>
+            <a:r>
+              <a:rPr lang="ru-RU" sz="1400" dirty="0"/>
+              <a:t>-Сделать анализ интерфейсов существующих аналогов</a:t>
+            </a:r>
+          </a:p>
+          <a:p>
+            <a:pPr marL="114300" indent="0">
+              <a:buNone/>
+            </a:pPr>
+            <a:r>
+              <a:rPr lang="ru-RU" sz="1400" dirty="0"/>
+              <a:t>-Разработать первоначальный графический интерфейс</a:t>
+            </a:r>
+          </a:p>
+          <a:p>
+            <a:pPr marL="114300" indent="0">
+              <a:buNone/>
+            </a:pPr>
+            <a:r>
+              <a:rPr lang="ru-RU" sz="1400" dirty="0"/>
+              <a:t>-Связать </a:t>
+            </a:r>
+            <a:r>
+              <a:rPr lang="ru-RU" sz="1400" dirty="0" err="1"/>
+              <a:t>бэкенд</a:t>
+            </a:r>
+            <a:r>
+              <a:rPr lang="ru-RU" sz="1400" dirty="0"/>
+              <a:t> и </a:t>
+            </a:r>
+            <a:r>
+              <a:rPr lang="ru-RU" sz="1400" dirty="0" err="1" smtClean="0"/>
+              <a:t>фронтенд</a:t>
+            </a:r>
+            <a:endParaRPr lang="en-US" sz="1400" dirty="0" smtClean="0"/>
+          </a:p>
+          <a:p>
+            <a:pPr marL="114300" indent="0">
+              <a:buNone/>
+            </a:pPr>
+            <a:r>
+              <a:rPr lang="ru-RU" sz="1400" dirty="0" smtClean="0"/>
+              <a:t>-Создание БД для хранения шаблонов и данных </a:t>
+            </a:r>
+            <a:r>
+              <a:rPr lang="ru-RU" sz="1400" dirty="0" smtClean="0"/>
+              <a:t>пользователей</a:t>
+            </a:r>
+            <a:endParaRPr lang="en-US" sz="1400" dirty="0" smtClean="0"/>
+          </a:p>
+          <a:p>
+            <a:pPr marL="114300" indent="0">
+              <a:buNone/>
+            </a:pPr>
+            <a:endParaRPr lang="en-US" sz="1400" dirty="0" smtClean="0"/>
+          </a:p>
+          <a:p>
+            <a:pPr marL="114300" indent="0">
+              <a:buNone/>
+            </a:pPr>
+            <a:r>
+              <a:rPr lang="ru-RU" sz="1600" dirty="0" smtClean="0"/>
+              <a:t>Роли</a:t>
+            </a:r>
+            <a:r>
+              <a:rPr lang="en-US" sz="1600" dirty="0" smtClean="0"/>
+              <a:t>:</a:t>
+            </a:r>
+            <a:endParaRPr lang="en-US" sz="1600" dirty="0"/>
+          </a:p>
+        </p:txBody>
+      </p:sp>
+      <p:pic>
+        <p:nvPicPr>
+          <p:cNvPr id="4" name="Рисунок 3"/>
+          <p:cNvPicPr>
+            <a:picLocks noChangeAspect="1"/>
+          </p:cNvPicPr>
+          <p:nvPr/>
+        </p:nvPicPr>
+        <p:blipFill rotWithShape="1">
+          <a:blip r:embed="rId2"/>
+          <a:srcRect l="1" t="17272" r="2358"/>
+          <a:stretch/>
+        </p:blipFill>
+        <p:spPr>
+          <a:xfrm>
+            <a:off x="469356" y="3141642"/>
+            <a:ext cx="3964498" cy="1354870"/>
+          </a:xfrm>
+          <a:prstGeom prst="rect">
+            <a:avLst/>
+          </a:prstGeom>
+        </p:spPr>
+      </p:pic>
+    </p:spTree>
+    <p:extLst>
+      <p:ext uri="{BB962C8B-B14F-4D97-AF65-F5344CB8AC3E}">
+        <p14:creationId xmlns:p14="http://schemas.microsoft.com/office/powerpoint/2010/main" val="1424358933"/>
+      </p:ext>
+    </p:extLst>
+  </p:cSld>
+  <p:clrMapOvr>
+    <a:masterClrMapping/>
+  </p:clrMapOvr>
+  <p:timing>
+    <p:tnLst>
+      <p:par>
+        <p:cTn id="1" dur="indefinite" restart="never" nodeType="tmRoot"/>
+      </p:par>
+    </p:tnLst>
+  </p:timing>
+</p:sld>
+</file>
+
+<file path=ppt/slides/slide25.xml><?xml version="1.0" encoding="utf-8"?>
 <p:sld xmlns:a="http://schemas.openxmlformats.org/drawingml/2006/main" xmlns:r="http://schemas.openxmlformats.org/officeDocument/2006/relationships" xmlns:p="http://schemas.openxmlformats.org/presentationml/2006/main">
   <p:cSld>
     <p:spTree>
@@ -11058,7 +11476,7 @@
         </p:nvSpPr>
         <p:spPr>
           <a:xfrm>
-            <a:off x="353100" y="0"/>
+            <a:off x="359679" y="124990"/>
             <a:ext cx="8520600" cy="572700"/>
           </a:xfrm>
           <a:prstGeom prst="rect">
@@ -11067,7 +11485,7 @@
         </p:spPr>
         <p:txBody>
           <a:bodyPr spcFirstLastPara="1" wrap="square" lIns="91425" tIns="91425" rIns="91425" bIns="91425" anchor="t" anchorCtr="0">
-            <a:normAutofit fontScale="90000"/>
+            <a:normAutofit/>
           </a:bodyPr>
           <a:lstStyle/>
           <a:p>
@@ -11081,10 +11499,10 @@
               <a:buNone/>
             </a:pPr>
             <a:r>
-              <a:rPr lang="en"/>
+              <a:rPr lang="en" sz="2000" dirty="0"/>
               <a:t>Задачи Спринт 2:</a:t>
             </a:r>
-            <a:endParaRPr/>
+            <a:endParaRPr sz="2000" dirty="0"/>
           </a:p>
         </p:txBody>
       </p:sp>
@@ -11096,8 +11514,8 @@
         </p:nvSpPr>
         <p:spPr>
           <a:xfrm>
-            <a:off x="415175" y="572700"/>
-            <a:ext cx="9233400" cy="4290375"/>
+            <a:off x="448067" y="697690"/>
+            <a:ext cx="5900106" cy="4007221"/>
           </a:xfrm>
           <a:prstGeom prst="rect">
             <a:avLst/>
@@ -11130,14 +11548,14 @@
               <a:buChar char="-"/>
             </a:pPr>
             <a:r>
-              <a:rPr lang="en" sz="800" dirty="0">
+              <a:rPr lang="en" sz="900" dirty="0">
                 <a:solidFill>
                   <a:srgbClr val="FF0000"/>
                 </a:solidFill>
               </a:rPr>
               <a:t>Оформить анализ потребителей как  Value proposition</a:t>
             </a:r>
-            <a:endParaRPr sz="800" dirty="0">
+            <a:endParaRPr sz="900" dirty="0">
               <a:solidFill>
                 <a:srgbClr val="FF0000"/>
               </a:solidFill>
@@ -11161,14 +11579,14 @@
               <a:buChar char="-"/>
             </a:pPr>
             <a:r>
-              <a:rPr lang="en" sz="800" dirty="0">
+              <a:rPr lang="en" sz="900" dirty="0">
                 <a:solidFill>
                   <a:srgbClr val="FF0000"/>
                 </a:solidFill>
               </a:rPr>
               <a:t>Диаграмма Ганта</a:t>
             </a:r>
-            <a:endParaRPr sz="800" dirty="0">
+            <a:endParaRPr sz="900" dirty="0">
               <a:solidFill>
                 <a:srgbClr val="FF0000"/>
               </a:solidFill>
@@ -11192,14 +11610,14 @@
               <a:buChar char="-"/>
             </a:pPr>
             <a:r>
-              <a:rPr lang="en" sz="800" dirty="0">
+              <a:rPr lang="en" sz="900" dirty="0">
                 <a:solidFill>
                   <a:srgbClr val="FF0000"/>
                 </a:solidFill>
               </a:rPr>
               <a:t>Бэклог Спринта 2</a:t>
             </a:r>
-            <a:endParaRPr sz="800" dirty="0">
+            <a:endParaRPr sz="900" dirty="0">
               <a:solidFill>
                 <a:srgbClr val="FF0000"/>
               </a:solidFill>
@@ -11223,14 +11641,14 @@
               <a:buChar char="-"/>
             </a:pPr>
             <a:r>
-              <a:rPr lang="en" sz="800" dirty="0">
+              <a:rPr lang="en" sz="900" dirty="0">
                 <a:solidFill>
                   <a:srgbClr val="FF0000"/>
                 </a:solidFill>
               </a:rPr>
               <a:t>Архитектектура системы</a:t>
             </a:r>
-            <a:endParaRPr sz="800" dirty="0">
+            <a:endParaRPr sz="900" dirty="0">
               <a:solidFill>
                 <a:srgbClr val="FF0000"/>
               </a:solidFill>
@@ -11247,13 +11665,61 @@
               <a:buSzPts val="800"/>
             </a:pPr>
             <a:r>
-              <a:rPr lang="ru-RU" sz="800" dirty="0" smtClean="0">
+              <a:rPr lang="ru-RU" sz="900" dirty="0" smtClean="0">
                 <a:solidFill>
                   <a:srgbClr val="0000FF"/>
                 </a:solidFill>
               </a:rPr>
-              <a:t>	Проектирование БД</a:t>
-            </a:r>
+              <a:t>- 	Проектирование БД</a:t>
+            </a:r>
+          </a:p>
+          <a:p>
+            <a:pPr marL="635000" lvl="2">
+              <a:lnSpc>
+                <a:spcPct val="115000"/>
+              </a:lnSpc>
+              <a:buClr>
+                <a:schemeClr val="accent1"/>
+              </a:buClr>
+              <a:buSzPts val="800"/>
+            </a:pPr>
+            <a:r>
+              <a:rPr lang="ru-RU" sz="900" dirty="0" smtClean="0">
+                <a:solidFill>
+                  <a:srgbClr val="0000FF"/>
+                </a:solidFill>
+              </a:rPr>
+              <a:t>-	Связать разработанный </a:t>
+            </a:r>
+            <a:r>
+              <a:rPr lang="ru-RU" sz="900" dirty="0" err="1" smtClean="0">
+                <a:solidFill>
+                  <a:srgbClr val="0000FF"/>
+                </a:solidFill>
+              </a:rPr>
+              <a:t>бэкенд</a:t>
+            </a:r>
+            <a:r>
+              <a:rPr lang="ru-RU" sz="900" dirty="0" smtClean="0">
+                <a:solidFill>
+                  <a:srgbClr val="0000FF"/>
+                </a:solidFill>
+              </a:rPr>
+              <a:t> и </a:t>
+            </a:r>
+            <a:r>
+              <a:rPr lang="ru-RU" sz="900" dirty="0" err="1" smtClean="0">
+                <a:solidFill>
+                  <a:srgbClr val="0000FF"/>
+                </a:solidFill>
+              </a:rPr>
+              <a:t>фронтенд</a:t>
+            </a:r>
+            <a:endParaRPr lang="ru-RU" sz="900" dirty="0" smtClean="0">
+              <a:solidFill>
+                <a:srgbClr val="0000FF"/>
+              </a:solidFill>
+            </a:endParaRPr>
           </a:p>
           <a:p>
             <a:pPr marL="457200" lvl="0" indent="-279400" algn="l" rtl="0">
@@ -11273,7 +11739,7 @@
               <a:buChar char="-"/>
             </a:pPr>
             <a:r>
-              <a:rPr lang="en" sz="800" dirty="0" smtClean="0">
+              <a:rPr lang="en" sz="900" dirty="0" smtClean="0">
                 <a:solidFill>
                   <a:srgbClr val="FF0000"/>
                 </a:solidFill>
@@ -11281,14 +11747,14 @@
               <a:t>Разработка </a:t>
             </a:r>
             <a:r>
-              <a:rPr lang="en" sz="800" dirty="0">
+              <a:rPr lang="en" sz="900" dirty="0">
                 <a:solidFill>
                   <a:srgbClr val="FF0000"/>
                 </a:solidFill>
               </a:rPr>
               <a:t>функциональных модулей системы:</a:t>
             </a:r>
-            <a:endParaRPr sz="800" dirty="0">
+            <a:endParaRPr sz="900" dirty="0">
               <a:solidFill>
                 <a:srgbClr val="FF0000"/>
               </a:solidFill>
@@ -11312,7 +11778,7 @@
               <a:buChar char="-"/>
             </a:pPr>
             <a:r>
-              <a:rPr lang="en" sz="800" dirty="0" smtClean="0">
+              <a:rPr lang="en" sz="900" dirty="0" smtClean="0">
                 <a:solidFill>
                   <a:srgbClr val="0000FF"/>
                 </a:solidFill>
@@ -11320,14 +11786,14 @@
               <a:t>Разработка </a:t>
             </a:r>
             <a:r>
-              <a:rPr lang="en" sz="800" dirty="0">
+              <a:rPr lang="en" sz="900" dirty="0">
                 <a:solidFill>
                   <a:srgbClr val="0000FF"/>
                 </a:solidFill>
               </a:rPr>
               <a:t>функции выбора шаблона из БД</a:t>
             </a:r>
-            <a:endParaRPr sz="800" dirty="0">
+            <a:endParaRPr sz="900" dirty="0">
               <a:solidFill>
                 <a:srgbClr val="0000FF"/>
               </a:solidFill>
@@ -11351,14 +11817,14 @@
               <a:buChar char="-"/>
             </a:pPr>
             <a:r>
-              <a:rPr lang="en" sz="800" dirty="0">
+              <a:rPr lang="en" sz="900" dirty="0">
                 <a:solidFill>
                   <a:srgbClr val="6AA84F"/>
                 </a:solidFill>
               </a:rPr>
               <a:t>Тестирование функции выбора шаблона из БД</a:t>
             </a:r>
-            <a:endParaRPr sz="800" dirty="0">
+            <a:endParaRPr sz="900" dirty="0">
               <a:solidFill>
                 <a:srgbClr val="FF0000"/>
               </a:solidFill>
@@ -11382,14 +11848,97 @@
               <a:buChar char="-"/>
             </a:pPr>
             <a:r>
-              <a:rPr lang="en" sz="800" dirty="0">
+              <a:rPr lang="en" sz="900" dirty="0">
                 <a:solidFill>
                   <a:srgbClr val="0000FF"/>
                 </a:solidFill>
               </a:rPr>
-              <a:t>Разработка функции вывода готовых документов в различных форматах</a:t>
-            </a:r>
-            <a:endParaRPr sz="800" dirty="0">
+              <a:t>Разработка функции </a:t>
+            </a:r>
+            <a:r>
+              <a:rPr lang="ru-RU" sz="900" dirty="0" smtClean="0">
+                <a:solidFill>
+                  <a:srgbClr val="0000FF"/>
+                </a:solidFill>
+              </a:rPr>
+              <a:t>проверки ввода названия файла </a:t>
+            </a:r>
+          </a:p>
+          <a:p>
+            <a:pPr marL="914400" lvl="3" indent="-279400">
+              <a:lnSpc>
+                <a:spcPct val="115000"/>
+              </a:lnSpc>
+              <a:buClr>
+                <a:schemeClr val="accent1"/>
+              </a:buClr>
+              <a:buSzPts val="800"/>
+              <a:buChar char="-"/>
+            </a:pPr>
+            <a:r>
+              <a:rPr lang="ru-RU" sz="900" dirty="0">
+                <a:solidFill>
+                  <a:srgbClr val="0000FF"/>
+                </a:solidFill>
+              </a:rPr>
+              <a:t> </a:t>
+            </a:r>
+            <a:r>
+              <a:rPr lang="ru-RU" sz="900" dirty="0" smtClean="0">
+                <a:solidFill>
+                  <a:srgbClr val="0000FF"/>
+                </a:solidFill>
+              </a:rPr>
+              <a:t>               </a:t>
+            </a:r>
+            <a:r>
+              <a:rPr lang="en" sz="900" dirty="0" smtClean="0">
+                <a:solidFill>
+                  <a:srgbClr val="6AA84F"/>
+                </a:solidFill>
+              </a:rPr>
+              <a:t>Тестирование функции </a:t>
+            </a:r>
+            <a:endParaRPr sz="900" dirty="0" smtClean="0">
+              <a:solidFill>
+                <a:srgbClr val="0000FF"/>
+              </a:solidFill>
+            </a:endParaRPr>
+          </a:p>
+          <a:p>
+            <a:pPr marL="914400" lvl="1" indent="-279400" algn="l" rtl="0">
+              <a:lnSpc>
+                <a:spcPct val="115000"/>
+              </a:lnSpc>
+              <a:spcBef>
+                <a:spcPts val="0"/>
+              </a:spcBef>
+              <a:spcAft>
+                <a:spcPts val="0"/>
+              </a:spcAft>
+              <a:buClr>
+                <a:schemeClr val="accent1"/>
+              </a:buClr>
+              <a:buSzPts val="800"/>
+              <a:buChar char="-"/>
+            </a:pPr>
+            <a:r>
+              <a:rPr lang="en" sz="900" dirty="0" smtClean="0">
+                <a:solidFill>
+                  <a:srgbClr val="0000FF"/>
+                </a:solidFill>
+              </a:rPr>
+              <a:t>Разработка </a:t>
+            </a:r>
+            <a:r>
+              <a:rPr lang="en" sz="900" dirty="0">
+                <a:solidFill>
+                  <a:srgbClr val="0000FF"/>
+                </a:solidFill>
+              </a:rPr>
+              <a:t>функции формирования таблицы на основе подготовленного шаблона</a:t>
+            </a:r>
+            <a:endParaRPr sz="900" dirty="0">
               <a:solidFill>
                 <a:srgbClr val="0000FF"/>
               </a:solidFill>
@@ -11413,14 +11962,14 @@
               <a:buChar char="-"/>
             </a:pPr>
             <a:r>
-              <a:rPr lang="en" sz="800" dirty="0">
+              <a:rPr lang="en" sz="900" dirty="0">
                 <a:solidFill>
                   <a:srgbClr val="6AA84F"/>
                 </a:solidFill>
               </a:rPr>
               <a:t>Тестирование функции </a:t>
             </a:r>
-            <a:endParaRPr sz="800" dirty="0">
+            <a:endParaRPr sz="900" dirty="0">
               <a:solidFill>
                 <a:srgbClr val="0000FF"/>
               </a:solidFill>
@@ -11438,22 +11987,22 @@
                 <a:spcPts val="0"/>
               </a:spcAft>
               <a:buClr>
-                <a:schemeClr val="accent1"/>
+                <a:srgbClr val="0000FF"/>
               </a:buClr>
               <a:buSzPts val="800"/>
               <a:buChar char="-"/>
             </a:pPr>
             <a:r>
-              <a:rPr lang="en" sz="800" dirty="0">
+              <a:rPr lang="en" sz="900" dirty="0">
                 <a:solidFill>
                   <a:srgbClr val="0000FF"/>
                 </a:solidFill>
               </a:rPr>
-              <a:t>Разработка функции загрузки пользовательских шаблонов в БД</a:t>
-            </a:r>
-            <a:endParaRPr sz="800" dirty="0">
+              <a:t>Разработка функции преобразования формата</a:t>
+            </a:r>
+            <a:endParaRPr sz="900" dirty="0">
               <a:solidFill>
-                <a:srgbClr val="6AA84F"/>
+                <a:srgbClr val="0000FF"/>
               </a:solidFill>
             </a:endParaRPr>
           </a:p>
@@ -11475,52 +12024,21 @@
               <a:buChar char="-"/>
             </a:pPr>
             <a:r>
-              <a:rPr lang="en" sz="800" dirty="0">
+              <a:rPr lang="en" sz="900" dirty="0">
                 <a:solidFill>
                   <a:srgbClr val="6AA84F"/>
                 </a:solidFill>
               </a:rPr>
-              <a:t>Тестирование функции </a:t>
-            </a:r>
-            <a:endParaRPr sz="800" dirty="0">
-              <a:solidFill>
-                <a:srgbClr val="6AA84F"/>
-              </a:solidFill>
-            </a:endParaRPr>
-          </a:p>
-          <a:p>
-            <a:pPr marL="914400" lvl="1" indent="-279400" algn="l" rtl="0">
-              <a:lnSpc>
-                <a:spcPct val="115000"/>
-              </a:lnSpc>
-              <a:spcBef>
-                <a:spcPts val="0"/>
-              </a:spcBef>
-              <a:spcAft>
-                <a:spcPts val="0"/>
-              </a:spcAft>
-              <a:buClr>
-                <a:schemeClr val="accent1"/>
-              </a:buClr>
-              <a:buSzPts val="800"/>
-              <a:buChar char="-"/>
-            </a:pPr>
-            <a:r>
-              <a:rPr lang="en" sz="800" dirty="0">
-                <a:solidFill>
-                  <a:srgbClr val="0000FF"/>
-                </a:solidFill>
-              </a:rPr>
-              <a:t>Разработка функции формирования таблицы на основе подготовленного шаблона</a:t>
-            </a:r>
-            <a:endParaRPr sz="800" dirty="0">
+              <a:t>Тестирование функции преобразования формата</a:t>
+            </a:r>
+            <a:endParaRPr sz="900" dirty="0">
               <a:solidFill>
                 <a:srgbClr val="0000FF"/>
               </a:solidFill>
             </a:endParaRPr>
           </a:p>
           <a:p>
-            <a:pPr marL="1371600" lvl="2" indent="-279400" algn="l" rtl="0">
+            <a:pPr marL="457200" lvl="0" indent="-279400" algn="l" rtl="0">
               <a:lnSpc>
                 <a:spcPct val="115000"/>
               </a:lnSpc>
@@ -11531,20 +12049,28 @@
                 <a:spcPts val="0"/>
               </a:spcAft>
               <a:buClr>
-                <a:srgbClr val="6AA84F"/>
+                <a:srgbClr val="FF0000"/>
               </a:buClr>
               <a:buSzPts val="800"/>
               <a:buChar char="-"/>
             </a:pPr>
             <a:r>
-              <a:rPr lang="en" sz="800" dirty="0">
+              <a:rPr lang="en" sz="900" dirty="0" smtClean="0">
                 <a:solidFill>
-                  <a:srgbClr val="6AA84F"/>
+                  <a:srgbClr val="FF0000"/>
                 </a:solidFill>
               </a:rPr>
-              <a:t>Тестирование функции </a:t>
-            </a:r>
-            <a:endParaRPr sz="800" dirty="0">
+              <a:t>Прототип </a:t>
+            </a:r>
+            <a:r>
+              <a:rPr lang="en" sz="900" dirty="0">
+                <a:solidFill>
+                  <a:srgbClr val="FF0000"/>
+                </a:solidFill>
+              </a:rPr>
+              <a:t>интерфейса:</a:t>
+            </a:r>
+            <a:endParaRPr sz="900" dirty="0">
               <a:solidFill>
                 <a:srgbClr val="0000FF"/>
               </a:solidFill>
@@ -11568,21 +12094,21 @@
               <a:buChar char="-"/>
             </a:pPr>
             <a:r>
-              <a:rPr lang="en" sz="800" dirty="0">
+              <a:rPr lang="en" sz="900" dirty="0">
                 <a:solidFill>
                   <a:srgbClr val="0000FF"/>
                 </a:solidFill>
               </a:rPr>
-              <a:t>Разработка функции преобразования формата</a:t>
-            </a:r>
-            <a:endParaRPr sz="800" dirty="0">
+              <a:t>Просмотр документа в прототипе</a:t>
+            </a:r>
+            <a:endParaRPr sz="900" dirty="0">
               <a:solidFill>
                 <a:srgbClr val="0000FF"/>
               </a:solidFill>
             </a:endParaRPr>
           </a:p>
           <a:p>
-            <a:pPr marL="1371600" lvl="2" indent="-279400" algn="l" rtl="0">
+            <a:pPr marL="457200" lvl="0" indent="-279400" algn="l" rtl="0">
               <a:lnSpc>
                 <a:spcPct val="115000"/>
               </a:lnSpc>
@@ -11593,22 +12119,22 @@
                 <a:spcPts val="0"/>
               </a:spcAft>
               <a:buClr>
-                <a:srgbClr val="6AA84F"/>
+                <a:srgbClr val="FF0000"/>
               </a:buClr>
               <a:buSzPts val="800"/>
               <a:buChar char="-"/>
             </a:pPr>
             <a:r>
-              <a:rPr lang="en" sz="800" dirty="0">
+              <a:rPr lang="en" sz="900" dirty="0">
                 <a:solidFill>
-                  <a:srgbClr val="6AA84F"/>
+                  <a:srgbClr val="FF0000"/>
                 </a:solidFill>
               </a:rPr>
-              <a:t>Тестирование функции преобразования формата</a:t>
-            </a:r>
-            <a:endParaRPr sz="800" dirty="0">
+              <a:t>Графический интерфейс:</a:t>
+            </a:r>
+            <a:endParaRPr sz="900" dirty="0">
               <a:solidFill>
-                <a:srgbClr val="0000FF"/>
+                <a:srgbClr val="FF0000"/>
               </a:solidFill>
             </a:endParaRPr>
           </a:p>
@@ -11630,21 +12156,21 @@
               <a:buChar char="-"/>
             </a:pPr>
             <a:r>
-              <a:rPr lang="en" sz="800" dirty="0">
+              <a:rPr lang="en" sz="900" dirty="0">
                 <a:solidFill>
                   <a:srgbClr val="0000FF"/>
                 </a:solidFill>
               </a:rPr>
-              <a:t>Разработка функции создания документа по заданному шаблону</a:t>
-            </a:r>
-            <a:endParaRPr sz="800" dirty="0">
+              <a:t>Разработка выбора шаблона по категориям</a:t>
+            </a:r>
+            <a:endParaRPr sz="900" dirty="0">
               <a:solidFill>
                 <a:srgbClr val="0000FF"/>
               </a:solidFill>
             </a:endParaRPr>
           </a:p>
           <a:p>
-            <a:pPr marL="1371600" lvl="2" indent="-279400" algn="l" rtl="0">
+            <a:pPr marL="914400" lvl="1" indent="-279400" algn="l" rtl="0">
               <a:lnSpc>
                 <a:spcPct val="115000"/>
               </a:lnSpc>
@@ -11661,14 +12187,52 @@
               <a:buChar char="-"/>
             </a:pPr>
             <a:r>
-              <a:rPr lang="en" sz="800" dirty="0">
+              <a:rPr lang="en" sz="900" dirty="0">
                 <a:solidFill>
-                  <a:srgbClr val="6AA84F"/>
+                  <a:srgbClr val="0000FF"/>
                 </a:solidFill>
               </a:rPr>
-              <a:t>Тестирование функции создания документа по заданному шаблону</a:t>
-            </a:r>
-            <a:endParaRPr sz="800" dirty="0">
+              <a:t>Разработка экрана заполнения </a:t>
+            </a:r>
+            <a:r>
+              <a:rPr lang="en" sz="900" dirty="0" smtClean="0">
+                <a:solidFill>
+                  <a:srgbClr val="0000FF"/>
+                </a:solidFill>
+              </a:rPr>
+              <a:t>шаблонов</a:t>
+            </a:r>
+            <a:endParaRPr lang="ru-RU" sz="900" dirty="0" smtClean="0">
+              <a:solidFill>
+                <a:srgbClr val="0000FF"/>
+              </a:solidFill>
+            </a:endParaRPr>
+          </a:p>
+          <a:p>
+            <a:pPr marL="635000" lvl="1" algn="l" rtl="0">
+              <a:lnSpc>
+                <a:spcPct val="115000"/>
+              </a:lnSpc>
+              <a:spcBef>
+                <a:spcPts val="0"/>
+              </a:spcBef>
+              <a:spcAft>
+                <a:spcPts val="0"/>
+              </a:spcAft>
+              <a:buClr>
+                <a:srgbClr val="0000FF"/>
+              </a:buClr>
+              <a:buSzPts val="800"/>
+            </a:pPr>
+            <a:r>
+              <a:rPr lang="ru-RU" sz="900" dirty="0" smtClean="0">
+                <a:solidFill>
+                  <a:srgbClr val="0000FF"/>
+                </a:solidFill>
+              </a:rPr>
+              <a:t>- 	Разработка формы отображения полей</a:t>
+            </a:r>
+            <a:endParaRPr sz="900" dirty="0">
               <a:solidFill>
                 <a:srgbClr val="0000FF"/>
               </a:solidFill>
@@ -11692,49 +12256,21 @@
               <a:buChar char="-"/>
             </a:pPr>
             <a:r>
-              <a:rPr lang="en" sz="800" dirty="0">
+              <a:rPr lang="en" sz="900" dirty="0">
                 <a:solidFill>
                   <a:srgbClr val="FF0000"/>
                 </a:solidFill>
               </a:rPr>
-              <a:t>Прототип интерфейса:</a:t>
-            </a:r>
-            <a:endParaRPr sz="800" dirty="0">
-              <a:solidFill>
-                <a:srgbClr val="0000FF"/>
-              </a:solidFill>
-            </a:endParaRPr>
-          </a:p>
-          <a:p>
-            <a:pPr marL="914400" lvl="1" indent="-279400" algn="l" rtl="0">
-              <a:lnSpc>
-                <a:spcPct val="115000"/>
-              </a:lnSpc>
-              <a:spcBef>
-                <a:spcPts val="0"/>
-              </a:spcBef>
-              <a:spcAft>
-                <a:spcPts val="0"/>
-              </a:spcAft>
-              <a:buClr>
-                <a:srgbClr val="0000FF"/>
-              </a:buClr>
-              <a:buSzPts val="800"/>
-              <a:buChar char="-"/>
-            </a:pPr>
-            <a:r>
-              <a:rPr lang="en" sz="800" dirty="0">
+              <a:t>Анализ </a:t>
+            </a:r>
+            <a:r>
+              <a:rPr lang="ru-RU" sz="900" dirty="0" smtClean="0">
                 <a:solidFill>
-                  <a:srgbClr val="0000FF"/>
+                  <a:srgbClr val="FF0000"/>
                 </a:solidFill>
               </a:rPr>
-              <a:t>Просмотр документа в прототипе</a:t>
-            </a:r>
-            <a:endParaRPr sz="800" dirty="0">
-              <a:solidFill>
-                <a:srgbClr val="0000FF"/>
-              </a:solidFill>
-            </a:endParaRPr>
+              <a:t>интерфейсов существующих систем</a:t>
+            </a:r>
           </a:p>
           <a:p>
             <a:pPr marL="457200" lvl="0" indent="-279400" algn="l" rtl="0">
@@ -11754,80 +12290,13 @@
               <a:buChar char="-"/>
             </a:pPr>
             <a:r>
-              <a:rPr lang="en" sz="800" dirty="0">
+              <a:rPr lang="ru-RU" sz="900" dirty="0" smtClean="0">
                 <a:solidFill>
                   <a:srgbClr val="FF0000"/>
                 </a:solidFill>
               </a:rPr>
-              <a:t>Графический интерфейс:</a:t>
-            </a:r>
-            <a:endParaRPr sz="800" dirty="0">
-              <a:solidFill>
-                <a:srgbClr val="FF0000"/>
-              </a:solidFill>
-            </a:endParaRPr>
-          </a:p>
-          <a:p>
-            <a:pPr marL="914400" lvl="1" indent="-279400" algn="l" rtl="0">
-              <a:lnSpc>
-                <a:spcPct val="115000"/>
-              </a:lnSpc>
-              <a:spcBef>
-                <a:spcPts val="0"/>
-              </a:spcBef>
-              <a:spcAft>
-                <a:spcPts val="0"/>
-              </a:spcAft>
-              <a:buClr>
-                <a:srgbClr val="0000FF"/>
-              </a:buClr>
-              <a:buSzPts val="800"/>
-              <a:buChar char="-"/>
-            </a:pPr>
-            <a:r>
-              <a:rPr lang="en" sz="800" dirty="0">
-                <a:solidFill>
-                  <a:srgbClr val="0000FF"/>
-                </a:solidFill>
-              </a:rPr>
-              <a:t>Разработка выбора шаблона по категориям</a:t>
-            </a:r>
-            <a:endParaRPr sz="800" dirty="0">
-              <a:solidFill>
-                <a:srgbClr val="0000FF"/>
-              </a:solidFill>
-            </a:endParaRPr>
-          </a:p>
-          <a:p>
-            <a:pPr marL="914400" lvl="1" indent="-279400" algn="l" rtl="0">
-              <a:lnSpc>
-                <a:spcPct val="115000"/>
-              </a:lnSpc>
-              <a:spcBef>
-                <a:spcPts val="0"/>
-              </a:spcBef>
-              <a:spcAft>
-                <a:spcPts val="0"/>
-              </a:spcAft>
-              <a:buClr>
-                <a:srgbClr val="0000FF"/>
-              </a:buClr>
-              <a:buSzPts val="800"/>
-              <a:buChar char="-"/>
-            </a:pPr>
-            <a:r>
-              <a:rPr lang="en" sz="800" dirty="0">
-                <a:solidFill>
-                  <a:srgbClr val="0000FF"/>
-                </a:solidFill>
-              </a:rPr>
-              <a:t>Разработка экрана заполнения шаблонов</a:t>
-            </a:r>
-            <a:endParaRPr sz="800" dirty="0">
-              <a:solidFill>
-                <a:srgbClr val="0000FF"/>
-              </a:solidFill>
-            </a:endParaRPr>
+              <a:t>Словарь тегов</a:t>
+            </a:r>
           </a:p>
           <a:p>
             <a:pPr marL="457200" lvl="0" indent="-279400" algn="l" rtl="0">
@@ -11847,169 +12316,22 @@
               <a:buChar char="-"/>
             </a:pPr>
             <a:r>
-              <a:rPr lang="en" sz="800" dirty="0">
+              <a:rPr lang="en" sz="900" dirty="0" smtClean="0">
                 <a:solidFill>
                   <a:srgbClr val="FF0000"/>
                 </a:solidFill>
               </a:rPr>
-              <a:t>Анализ предметной области документообразования</a:t>
-            </a:r>
-            <a:endParaRPr sz="800" dirty="0">
-              <a:solidFill>
-                <a:srgbClr val="FF0000"/>
-              </a:solidFill>
-            </a:endParaRPr>
-          </a:p>
-          <a:p>
-            <a:pPr marL="914400" lvl="1" indent="-279400" algn="l" rtl="0">
-              <a:lnSpc>
-                <a:spcPct val="115000"/>
-              </a:lnSpc>
-              <a:spcBef>
-                <a:spcPts val="0"/>
-              </a:spcBef>
-              <a:spcAft>
-                <a:spcPts val="0"/>
-              </a:spcAft>
-              <a:buClr>
-                <a:srgbClr val="0000FF"/>
-              </a:buClr>
-              <a:buSzPts val="800"/>
-              <a:buChar char="-"/>
-            </a:pPr>
-            <a:r>
-              <a:rPr lang="en" sz="800" dirty="0">
-                <a:solidFill>
-                  <a:srgbClr val="0000FF"/>
-                </a:solidFill>
-              </a:rPr>
-              <a:t>Анализ часто используемых документов</a:t>
-            </a:r>
-            <a:endParaRPr sz="800" dirty="0">
-              <a:solidFill>
-                <a:srgbClr val="0000FF"/>
-              </a:solidFill>
-            </a:endParaRPr>
-          </a:p>
-          <a:p>
-            <a:pPr marL="914400" lvl="1" indent="-279400" algn="l" rtl="0">
-              <a:lnSpc>
-                <a:spcPct val="115000"/>
-              </a:lnSpc>
-              <a:spcBef>
-                <a:spcPts val="0"/>
-              </a:spcBef>
-              <a:spcAft>
-                <a:spcPts val="0"/>
-              </a:spcAft>
-              <a:buClr>
-                <a:srgbClr val="0000FF"/>
-              </a:buClr>
-              <a:buSzPts val="800"/>
-              <a:buChar char="-"/>
-            </a:pPr>
-            <a:r>
-              <a:rPr lang="en" sz="800" dirty="0">
-                <a:solidFill>
-                  <a:srgbClr val="0000FF"/>
-                </a:solidFill>
-              </a:rPr>
-              <a:t>Пополнение базы шаблонов в системе</a:t>
-            </a:r>
-            <a:endParaRPr sz="800" dirty="0">
-              <a:solidFill>
-                <a:srgbClr val="0000FF"/>
-              </a:solidFill>
-            </a:endParaRPr>
-          </a:p>
-          <a:p>
-            <a:pPr marL="1371600" lvl="2" indent="-279400" algn="l" rtl="0">
-              <a:lnSpc>
-                <a:spcPct val="115000"/>
-              </a:lnSpc>
-              <a:spcBef>
-                <a:spcPts val="0"/>
-              </a:spcBef>
-              <a:spcAft>
-                <a:spcPts val="0"/>
-              </a:spcAft>
-              <a:buClr>
-                <a:srgbClr val="6AA84F"/>
-              </a:buClr>
-              <a:buSzPts val="800"/>
-              <a:buChar char="-"/>
-            </a:pPr>
-            <a:r>
-              <a:rPr lang="en" sz="800" dirty="0">
-                <a:solidFill>
-                  <a:srgbClr val="6AA84F"/>
-                </a:solidFill>
-              </a:rPr>
-              <a:t>Поиск шаблонов документов</a:t>
-            </a:r>
-            <a:endParaRPr sz="800" dirty="0">
-              <a:solidFill>
-                <a:srgbClr val="6AA84F"/>
-              </a:solidFill>
-            </a:endParaRPr>
-          </a:p>
-          <a:p>
-            <a:pPr marL="1371600" lvl="2" indent="-279400" algn="l" rtl="0">
-              <a:lnSpc>
-                <a:spcPct val="115000"/>
-              </a:lnSpc>
-              <a:spcBef>
-                <a:spcPts val="0"/>
-              </a:spcBef>
-              <a:spcAft>
-                <a:spcPts val="0"/>
-              </a:spcAft>
-              <a:buClr>
-                <a:srgbClr val="6AA84F"/>
-              </a:buClr>
-              <a:buSzPts val="800"/>
-              <a:buChar char="-"/>
-            </a:pPr>
-            <a:r>
-              <a:rPr lang="en" sz="800" dirty="0">
-                <a:solidFill>
-                  <a:srgbClr val="6AA84F"/>
-                </a:solidFill>
-              </a:rPr>
-              <a:t>Формирование структуры шаблонов</a:t>
-            </a:r>
-            <a:endParaRPr sz="800" dirty="0">
-              <a:solidFill>
-                <a:srgbClr val="6AA84F"/>
-              </a:solidFill>
-            </a:endParaRPr>
-          </a:p>
-          <a:p>
-            <a:pPr marL="457200" lvl="0" indent="-279400" algn="l" rtl="0">
-              <a:lnSpc>
-                <a:spcPct val="115000"/>
-              </a:lnSpc>
-              <a:spcBef>
-                <a:spcPts val="0"/>
-              </a:spcBef>
-              <a:spcAft>
-                <a:spcPts val="0"/>
-              </a:spcAft>
-              <a:buClr>
-                <a:srgbClr val="FF0000"/>
-              </a:buClr>
-              <a:buSzPts val="800"/>
-              <a:buChar char="-"/>
-            </a:pPr>
-            <a:r>
-              <a:rPr lang="en" sz="800" dirty="0">
+              <a:t>Ретроспектива </a:t>
+            </a:r>
+            <a:r>
+              <a:rPr lang="en" sz="900" dirty="0">
                 <a:solidFill>
                   <a:srgbClr val="FF0000"/>
                 </a:solidFill>
               </a:rPr>
-              <a:t>Ретроспектива спринта</a:t>
-            </a:r>
-            <a:endParaRPr sz="800" dirty="0">
+              <a:t>спринта</a:t>
+            </a:r>
+            <a:endParaRPr sz="900" dirty="0">
               <a:solidFill>
                 <a:srgbClr val="FF0000"/>
               </a:solidFill>
@@ -12022,10 +12344,17 @@
   <p:clrMapOvr>
     <a:masterClrMapping/>
   </p:clrMapOvr>
+  <p:timing>
+    <p:tnLst>
+      <p:par>
+        <p:cTn id="1" dur="indefinite" restart="never" nodeType="tmRoot"/>
+      </p:par>
+    </p:tnLst>
+  </p:timing>
 </p:sld>
 </file>
 
-<file path=ppt/slides/slide25.xml><?xml version="1.0" encoding="utf-8"?>
+<file path=ppt/slides/slide26.xml><?xml version="1.0" encoding="utf-8"?>
 <p:sld xmlns:a="http://schemas.openxmlformats.org/drawingml/2006/main" xmlns:r="http://schemas.openxmlformats.org/officeDocument/2006/relationships" xmlns:p="http://schemas.openxmlformats.org/presentationml/2006/main">
   <p:cSld>
     <p:spTree>
@@ -12125,30 +12454,26 @@
       </p:sp>
       <p:pic>
         <p:nvPicPr>
-          <p:cNvPr id="207" name="Google Shape;207;p37"/>
-          <p:cNvPicPr preferRelativeResize="0"/>
+          <p:cNvPr id="3" name="Рисунок 2"/>
+          <p:cNvPicPr>
+            <a:picLocks noChangeAspect="1"/>
+          </p:cNvPicPr>
           <p:nvPr/>
         </p:nvPicPr>
         <p:blipFill>
-          <a:blip r:embed="rId3">
-            <a:alphaModFix/>
-          </a:blip>
+          <a:blip r:embed="rId3"/>
           <a:stretch>
             <a:fillRect/>
           </a:stretch>
         </p:blipFill>
         <p:spPr>
           <a:xfrm>
-            <a:off x="152400" y="940400"/>
-            <a:ext cx="8863723" cy="3684001"/>
+            <a:off x="311699" y="704426"/>
+            <a:ext cx="8590787" cy="3864449"/>
           </a:xfrm>
           <a:prstGeom prst="rect">
             <a:avLst/>
           </a:prstGeom>
-          <a:noFill/>
-          <a:ln>
-            <a:noFill/>
-          </a:ln>
         </p:spPr>
       </p:pic>
     </p:spTree>
@@ -12156,10 +12481,17 @@
   <p:clrMapOvr>
     <a:masterClrMapping/>
   </p:clrMapOvr>
+  <p:timing>
+    <p:tnLst>
+      <p:par>
+        <p:cTn id="1" dur="indefinite" restart="never" nodeType="tmRoot"/>
+      </p:par>
+    </p:tnLst>
+  </p:timing>
 </p:sld>
 </file>
 
-<file path=ppt/slides/slide26.xml><?xml version="1.0" encoding="utf-8"?>
+<file path=ppt/slides/slide27.xml><?xml version="1.0" encoding="utf-8"?>
 <p:sld xmlns:a="http://schemas.openxmlformats.org/drawingml/2006/main" xmlns:r="http://schemas.openxmlformats.org/officeDocument/2006/relationships" xmlns:p="http://schemas.openxmlformats.org/presentationml/2006/main">
   <p:cSld>
     <p:spTree>
@@ -12203,25 +12535,6 @@
               <a:t>Проектирование БД</a:t>
             </a:r>
             <a:endParaRPr lang="ru-RU" sz="2000" dirty="0"/>
-          </a:p>
-        </p:txBody>
-      </p:sp>
-      <p:sp>
-        <p:nvSpPr>
-          <p:cNvPr id="3" name="Текст 2"/>
-          <p:cNvSpPr>
-            <a:spLocks noGrp="1"/>
-          </p:cNvSpPr>
-          <p:nvPr>
-            <p:ph type="body" idx="1"/>
-          </p:nvPr>
-        </p:nvSpPr>
-        <p:spPr/>
-        <p:txBody>
-          <a:bodyPr/>
-          <a:lstStyle/>
-          <a:p>
-            <a:endParaRPr lang="ru-RU" dirty="0"/>
           </a:p>
         </p:txBody>
       </p:sp>
@@ -12265,6 +12578,381 @@
   <p:clrMapOvr>
     <a:masterClrMapping/>
   </p:clrMapOvr>
+  <p:timing>
+    <p:tnLst>
+      <p:par>
+        <p:cTn id="1" dur="indefinite" restart="never" nodeType="tmRoot"/>
+      </p:par>
+    </p:tnLst>
+  </p:timing>
+</p:sld>
+</file>
+
+<file path=ppt/slides/slide28.xml><?xml version="1.0" encoding="utf-8"?>
+<p:sld xmlns:a="http://schemas.openxmlformats.org/drawingml/2006/main" xmlns:r="http://schemas.openxmlformats.org/officeDocument/2006/relationships" xmlns:p="http://schemas.openxmlformats.org/presentationml/2006/main">
+  <p:cSld>
+    <p:spTree>
+      <p:nvGrpSpPr>
+        <p:cNvPr id="1" name=""/>
+        <p:cNvGrpSpPr/>
+        <p:nvPr/>
+      </p:nvGrpSpPr>
+      <p:grpSpPr>
+        <a:xfrm>
+          <a:off x="0" y="0"/>
+          <a:ext cx="0" cy="0"/>
+          <a:chOff x="0" y="0"/>
+          <a:chExt cx="0" cy="0"/>
+        </a:xfrm>
+      </p:grpSpPr>
+      <p:sp>
+        <p:nvSpPr>
+          <p:cNvPr id="2" name="Заголовок 1"/>
+          <p:cNvSpPr>
+            <a:spLocks noGrp="1"/>
+          </p:cNvSpPr>
+          <p:nvPr>
+            <p:ph type="title"/>
+          </p:nvPr>
+        </p:nvSpPr>
+        <p:spPr>
+          <a:xfrm>
+            <a:off x="311700" y="122683"/>
+            <a:ext cx="8520600" cy="489110"/>
+          </a:xfrm>
+        </p:spPr>
+        <p:txBody>
+          <a:bodyPr>
+            <a:noAutofit/>
+          </a:bodyPr>
+          <a:lstStyle/>
+          <a:p>
+            <a:r>
+              <a:rPr lang="ru-RU" sz="2000" dirty="0" smtClean="0"/>
+              <a:t>Анализ интерфейсов существующих аналогов</a:t>
+            </a:r>
+            <a:endParaRPr lang="ru-RU" sz="2000" dirty="0"/>
+          </a:p>
+        </p:txBody>
+      </p:sp>
+      <p:sp>
+        <p:nvSpPr>
+          <p:cNvPr id="4" name="Прямоугольник 3"/>
+          <p:cNvSpPr/>
+          <p:nvPr/>
+        </p:nvSpPr>
+        <p:spPr>
+          <a:xfrm>
+            <a:off x="2174366" y="978858"/>
+            <a:ext cx="1269899" cy="307777"/>
+          </a:xfrm>
+          <a:prstGeom prst="rect">
+            <a:avLst/>
+          </a:prstGeom>
+        </p:spPr>
+        <p:txBody>
+          <a:bodyPr wrap="none">
+            <a:spAutoFit/>
+          </a:bodyPr>
+          <a:lstStyle/>
+          <a:p>
+            <a:r>
+              <a:rPr lang="en-US" dirty="0" err="1"/>
+              <a:t>Docassemble</a:t>
+            </a:r>
+            <a:endParaRPr lang="ru-RU" dirty="0"/>
+          </a:p>
+        </p:txBody>
+      </p:sp>
+      <p:pic>
+        <p:nvPicPr>
+          <p:cNvPr id="5" name="Content Placeholder 4">
+            <a:extLst>
+              <a:ext uri="{FF2B5EF4-FFF2-40B4-BE49-F238E27FC236}">
+                <a16:creationId xmlns:a16="http://schemas.microsoft.com/office/drawing/2014/main" id="{4D9A4417-A251-A7B1-6F99-C064826AA262}"/>
+              </a:ext>
+            </a:extLst>
+          </p:cNvPr>
+          <p:cNvPicPr>
+            <a:picLocks noGrp="1" noChangeAspect="1"/>
+          </p:cNvPicPr>
+          <p:nvPr/>
+        </p:nvPicPr>
+        <p:blipFill rotWithShape="1">
+          <a:blip r:embed="rId2">
+            <a:extLst>
+              <a:ext uri="{28A0092B-C50C-407E-A947-70E740481C1C}">
+                <a14:useLocalDpi xmlns:a14="http://schemas.microsoft.com/office/drawing/2010/main" val="0"/>
+              </a:ext>
+            </a:extLst>
+          </a:blip>
+          <a:srcRect l="15353" t="227" r="12550" b="33216"/>
+          <a:stretch/>
+        </p:blipFill>
+        <p:spPr>
+          <a:xfrm>
+            <a:off x="386333" y="1341120"/>
+            <a:ext cx="5034936" cy="2614506"/>
+          </a:xfrm>
+          <a:prstGeom prst="rect">
+            <a:avLst/>
+          </a:prstGeom>
+        </p:spPr>
+      </p:pic>
+      <p:pic>
+        <p:nvPicPr>
+          <p:cNvPr id="6" name="Content Placeholder 3">
+            <a:extLst>
+              <a:ext uri="{FF2B5EF4-FFF2-40B4-BE49-F238E27FC236}">
+                <a16:creationId xmlns:a16="http://schemas.microsoft.com/office/drawing/2014/main" id="{18924AE3-D917-3DDC-83D7-6389F363ADA8}"/>
+              </a:ext>
+            </a:extLst>
+          </p:cNvPr>
+          <p:cNvPicPr>
+            <a:picLocks noGrp="1" noChangeAspect="1"/>
+          </p:cNvPicPr>
+          <p:nvPr/>
+        </p:nvPicPr>
+        <p:blipFill rotWithShape="1">
+          <a:blip r:embed="rId3">
+            <a:extLst>
+              <a:ext uri="{28A0092B-C50C-407E-A947-70E740481C1C}">
+                <a14:useLocalDpi xmlns:a14="http://schemas.microsoft.com/office/drawing/2010/main" val="0"/>
+              </a:ext>
+            </a:extLst>
+          </a:blip>
+          <a:srcRect l="33078" t="-45" r="28826" b="1115"/>
+          <a:stretch/>
+        </p:blipFill>
+        <p:spPr>
+          <a:xfrm>
+            <a:off x="5554134" y="728245"/>
+            <a:ext cx="3481492" cy="4179552"/>
+          </a:xfrm>
+          <a:prstGeom prst="rect">
+            <a:avLst/>
+          </a:prstGeom>
+        </p:spPr>
+      </p:pic>
+      <p:sp>
+        <p:nvSpPr>
+          <p:cNvPr id="7" name="Прямоугольник 6"/>
+          <p:cNvSpPr/>
+          <p:nvPr/>
+        </p:nvSpPr>
+        <p:spPr>
+          <a:xfrm>
+            <a:off x="7023010" y="413695"/>
+            <a:ext cx="543739" cy="307777"/>
+          </a:xfrm>
+          <a:prstGeom prst="rect">
+            <a:avLst/>
+          </a:prstGeom>
+        </p:spPr>
+        <p:txBody>
+          <a:bodyPr wrap="none">
+            <a:spAutoFit/>
+          </a:bodyPr>
+          <a:lstStyle/>
+          <a:p>
+            <a:r>
+              <a:rPr lang="en-US" dirty="0"/>
+              <a:t>R6R</a:t>
+            </a:r>
+            <a:endParaRPr lang="ru-RU" dirty="0"/>
+          </a:p>
+        </p:txBody>
+      </p:sp>
+    </p:spTree>
+    <p:extLst>
+      <p:ext uri="{BB962C8B-B14F-4D97-AF65-F5344CB8AC3E}">
+        <p14:creationId xmlns:p14="http://schemas.microsoft.com/office/powerpoint/2010/main" val="3902327171"/>
+      </p:ext>
+    </p:extLst>
+  </p:cSld>
+  <p:clrMapOvr>
+    <a:masterClrMapping/>
+  </p:clrMapOvr>
+  <p:timing>
+    <p:tnLst>
+      <p:par>
+        <p:cTn id="1" dur="indefinite" restart="never" nodeType="tmRoot"/>
+      </p:par>
+    </p:tnLst>
+  </p:timing>
+</p:sld>
+</file>
+
+<file path=ppt/slides/slide29.xml><?xml version="1.0" encoding="utf-8"?>
+<p:sld xmlns:a="http://schemas.openxmlformats.org/drawingml/2006/main" xmlns:r="http://schemas.openxmlformats.org/officeDocument/2006/relationships" xmlns:p="http://schemas.openxmlformats.org/presentationml/2006/main">
+  <p:cSld>
+    <p:spTree>
+      <p:nvGrpSpPr>
+        <p:cNvPr id="1" name=""/>
+        <p:cNvGrpSpPr/>
+        <p:nvPr/>
+      </p:nvGrpSpPr>
+      <p:grpSpPr>
+        <a:xfrm>
+          <a:off x="0" y="0"/>
+          <a:ext cx="0" cy="0"/>
+          <a:chOff x="0" y="0"/>
+          <a:chExt cx="0" cy="0"/>
+        </a:xfrm>
+      </p:grpSpPr>
+      <p:pic>
+        <p:nvPicPr>
+          <p:cNvPr id="3" name="Picture 6">
+            <a:extLst>
+              <a:ext uri="{FF2B5EF4-FFF2-40B4-BE49-F238E27FC236}">
+                <a16:creationId xmlns:a16="http://schemas.microsoft.com/office/drawing/2014/main" id="{04976571-F241-DD3A-7C48-3196676103A7}"/>
+              </a:ext>
+            </a:extLst>
+          </p:cNvPr>
+          <p:cNvPicPr>
+            <a:picLocks noChangeAspect="1"/>
+          </p:cNvPicPr>
+          <p:nvPr/>
+        </p:nvPicPr>
+        <p:blipFill>
+          <a:blip r:embed="rId2">
+            <a:extLst>
+              <a:ext uri="{28A0092B-C50C-407E-A947-70E740481C1C}">
+                <a14:useLocalDpi xmlns:a14="http://schemas.microsoft.com/office/drawing/2010/main" val="0"/>
+              </a:ext>
+            </a:extLst>
+          </a:blip>
+          <a:stretch>
+            <a:fillRect/>
+          </a:stretch>
+        </p:blipFill>
+        <p:spPr>
+          <a:xfrm>
+            <a:off x="276294" y="604538"/>
+            <a:ext cx="4241856" cy="2882698"/>
+          </a:xfrm>
+          <a:prstGeom prst="rect">
+            <a:avLst/>
+          </a:prstGeom>
+        </p:spPr>
+      </p:pic>
+      <p:sp>
+        <p:nvSpPr>
+          <p:cNvPr id="5" name="Прямоугольник 4"/>
+          <p:cNvSpPr/>
+          <p:nvPr/>
+        </p:nvSpPr>
+        <p:spPr>
+          <a:xfrm>
+            <a:off x="1488408" y="221890"/>
+            <a:ext cx="1470274" cy="307777"/>
+          </a:xfrm>
+          <a:prstGeom prst="rect">
+            <a:avLst/>
+          </a:prstGeom>
+        </p:spPr>
+        <p:txBody>
+          <a:bodyPr wrap="none">
+            <a:spAutoFit/>
+          </a:bodyPr>
+          <a:lstStyle/>
+          <a:p>
+            <a:r>
+              <a:rPr lang="en-US" dirty="0" err="1"/>
+              <a:t>DocWebService</a:t>
+            </a:r>
+            <a:endParaRPr lang="ru-RU" dirty="0"/>
+          </a:p>
+        </p:txBody>
+      </p:sp>
+      <p:pic>
+        <p:nvPicPr>
+          <p:cNvPr id="1026" name="Picture 2" descr="https://sun9-49.userapi.com/impg/uX3PH988O2DEuzcRyZHY0bocdQs6HLt1Ri3WCw/A1qv1wtxFJA.jpg?size=1433x743&amp;quality=96&amp;sign=eca8e045910f4bbf2ff20b2e14a0f49d&amp;type=album"/>
+          <p:cNvPicPr>
+            <a:picLocks noChangeAspect="1" noChangeArrowheads="1"/>
+          </p:cNvPicPr>
+          <p:nvPr/>
+        </p:nvPicPr>
+        <p:blipFill>
+          <a:blip r:embed="rId3">
+            <a:extLst>
+              <a:ext uri="{28A0092B-C50C-407E-A947-70E740481C1C}">
+                <a14:useLocalDpi xmlns:a14="http://schemas.microsoft.com/office/drawing/2010/main" val="0"/>
+              </a:ext>
+            </a:extLst>
+          </a:blip>
+          <a:srcRect/>
+          <a:stretch>
+            <a:fillRect/>
+          </a:stretch>
+        </p:blipFill>
+        <p:spPr bwMode="auto">
+          <a:xfrm>
+            <a:off x="3863635" y="2045887"/>
+            <a:ext cx="4859345" cy="2519535"/>
+          </a:xfrm>
+          <a:prstGeom prst="rect">
+            <a:avLst/>
+          </a:prstGeom>
+          <a:noFill/>
+          <a:extLst>
+            <a:ext uri="{909E8E84-426E-40DD-AFC4-6F175D3DCCD1}">
+              <a14:hiddenFill xmlns:a14="http://schemas.microsoft.com/office/drawing/2010/main">
+                <a:solidFill>
+                  <a:srgbClr val="FFFFFF"/>
+                </a:solidFill>
+              </a14:hiddenFill>
+            </a:ext>
+          </a:extLst>
+        </p:spPr>
+      </p:pic>
+      <p:sp>
+        <p:nvSpPr>
+          <p:cNvPr id="8" name="Прямоугольник 7"/>
+          <p:cNvSpPr/>
+          <p:nvPr/>
+        </p:nvSpPr>
+        <p:spPr>
+          <a:xfrm>
+            <a:off x="5153617" y="1768888"/>
+            <a:ext cx="3569363" cy="276999"/>
+          </a:xfrm>
+          <a:prstGeom prst="rect">
+            <a:avLst/>
+          </a:prstGeom>
+        </p:spPr>
+        <p:txBody>
+          <a:bodyPr wrap="square">
+            <a:spAutoFit/>
+          </a:bodyPr>
+          <a:lstStyle/>
+          <a:p>
+            <a:pPr algn="ctr"/>
+            <a:r>
+              <a:rPr lang="ru-RU" sz="1200" dirty="0" smtClean="0"/>
+              <a:t>Наш текущий интерфейс заполнения шаблона</a:t>
+            </a:r>
+            <a:endParaRPr lang="ru-RU" sz="1200" dirty="0"/>
+          </a:p>
+        </p:txBody>
+      </p:sp>
+    </p:spTree>
+    <p:extLst>
+      <p:ext uri="{BB962C8B-B14F-4D97-AF65-F5344CB8AC3E}">
+        <p14:creationId xmlns:p14="http://schemas.microsoft.com/office/powerpoint/2010/main" val="1042938825"/>
+      </p:ext>
+    </p:extLst>
+  </p:cSld>
+  <p:clrMapOvr>
+    <a:masterClrMapping/>
+  </p:clrMapOvr>
+  <p:timing>
+    <p:tnLst>
+      <p:par>
+        <p:cTn id="1" dur="indefinite" restart="never" nodeType="tmRoot"/>
+      </p:par>
+    </p:tnLst>
+  </p:timing>
 </p:sld>
 </file>
 
@@ -12463,6 +13151,2247 @@
         </p:txBody>
       </p:sp>
     </p:spTree>
+  </p:cSld>
+  <p:clrMapOvr>
+    <a:masterClrMapping/>
+  </p:clrMapOvr>
+  <p:timing>
+    <p:tnLst>
+      <p:par>
+        <p:cTn id="1" dur="indefinite" restart="never" nodeType="tmRoot"/>
+      </p:par>
+    </p:tnLst>
+  </p:timing>
+</p:sld>
+</file>
+
+<file path=ppt/slides/slide30.xml><?xml version="1.0" encoding="utf-8"?>
+<p:sld xmlns:a="http://schemas.openxmlformats.org/drawingml/2006/main" xmlns:r="http://schemas.openxmlformats.org/officeDocument/2006/relationships" xmlns:p="http://schemas.openxmlformats.org/presentationml/2006/main">
+  <p:cSld>
+    <p:spTree>
+      <p:nvGrpSpPr>
+        <p:cNvPr id="1" name=""/>
+        <p:cNvGrpSpPr/>
+        <p:nvPr/>
+      </p:nvGrpSpPr>
+      <p:grpSpPr>
+        <a:xfrm>
+          <a:off x="0" y="0"/>
+          <a:ext cx="0" cy="0"/>
+          <a:chOff x="0" y="0"/>
+          <a:chExt cx="0" cy="0"/>
+        </a:xfrm>
+      </p:grpSpPr>
+      <p:sp>
+        <p:nvSpPr>
+          <p:cNvPr id="8" name="TextBox 7"/>
+          <p:cNvSpPr txBox="1"/>
+          <p:nvPr/>
+        </p:nvSpPr>
+        <p:spPr>
+          <a:xfrm>
+            <a:off x="684155" y="271714"/>
+            <a:ext cx="7986199" cy="3508653"/>
+          </a:xfrm>
+          <a:prstGeom prst="rect">
+            <a:avLst/>
+          </a:prstGeom>
+          <a:noFill/>
+        </p:spPr>
+        <p:txBody>
+          <a:bodyPr wrap="square" rtlCol="0">
+            <a:spAutoFit/>
+          </a:bodyPr>
+          <a:lstStyle/>
+          <a:p>
+            <a:r>
+              <a:rPr lang="ru-RU" sz="1600" b="1" dirty="0" smtClean="0"/>
+              <a:t>Как улучшить наш интерфейс?</a:t>
+            </a:r>
+          </a:p>
+          <a:p>
+            <a:endParaRPr lang="ru-RU" b="1" dirty="0" smtClean="0"/>
+          </a:p>
+          <a:p>
+            <a:r>
+              <a:rPr lang="ru-RU" sz="1800" dirty="0"/>
+              <a:t>Выводы</a:t>
+            </a:r>
+            <a:r>
+              <a:rPr lang="en-US" sz="1800" dirty="0"/>
+              <a:t>: </a:t>
+            </a:r>
+            <a:endParaRPr lang="ru-RU" sz="1800" dirty="0" smtClean="0"/>
+          </a:p>
+          <a:p>
+            <a:pPr marL="285750" indent="-285750">
+              <a:buFont typeface="Arial" panose="020B0604020202020204" pitchFamily="34" charset="0"/>
+              <a:buChar char="•"/>
+            </a:pPr>
+            <a:r>
+              <a:rPr lang="ru-RU" sz="1600" dirty="0"/>
+              <a:t>Разбить поля ввода на </a:t>
+            </a:r>
+            <a:r>
+              <a:rPr lang="ru-RU" sz="1600" dirty="0" smtClean="0"/>
+              <a:t>блоки (например, блок данных относящихся к одному физ. лицу)</a:t>
+            </a:r>
+          </a:p>
+          <a:p>
+            <a:pPr marL="285750" indent="-285750">
+              <a:buFont typeface="Arial" panose="020B0604020202020204" pitchFamily="34" charset="0"/>
+              <a:buChar char="•"/>
+            </a:pPr>
+            <a:r>
+              <a:rPr lang="ru-RU" sz="1600" dirty="0" smtClean="0"/>
+              <a:t>Сделать названия полей понятными и читаемыми</a:t>
+            </a:r>
+          </a:p>
+          <a:p>
+            <a:pPr marL="285750" indent="-285750">
+              <a:buFont typeface="Arial" panose="020B0604020202020204" pitchFamily="34" charset="0"/>
+              <a:buChar char="•"/>
+            </a:pPr>
+            <a:r>
+              <a:rPr lang="ru-RU" sz="1600" dirty="0" smtClean="0"/>
+              <a:t>Сделать </a:t>
+            </a:r>
+            <a:r>
+              <a:rPr lang="ru-RU" sz="1600" dirty="0"/>
+              <a:t>кнопки интуитивно понятными </a:t>
+            </a:r>
+            <a:r>
+              <a:rPr lang="ru-RU" sz="1600" dirty="0" smtClean="0"/>
+              <a:t>пользователю</a:t>
+            </a:r>
+            <a:endParaRPr lang="ru-RU" sz="1600" dirty="0"/>
+          </a:p>
+          <a:p>
+            <a:pPr marL="285750" indent="-285750">
+              <a:buFont typeface="Arial" panose="020B0604020202020204" pitchFamily="34" charset="0"/>
+              <a:buChar char="•"/>
+            </a:pPr>
+            <a:r>
+              <a:rPr lang="ru-RU" sz="1600" dirty="0" smtClean="0"/>
+              <a:t>В </a:t>
+            </a:r>
+            <a:r>
+              <a:rPr lang="ru-RU" sz="1600" dirty="0"/>
+              <a:t>форме заполнения данных реализовать переключение между блоками </a:t>
+            </a:r>
+            <a:endParaRPr lang="ru-RU" sz="1600" dirty="0" smtClean="0"/>
+          </a:p>
+          <a:p>
+            <a:pPr marL="285750" indent="-285750">
+              <a:buFont typeface="Arial" panose="020B0604020202020204" pitchFamily="34" charset="0"/>
+              <a:buChar char="•"/>
+            </a:pPr>
+            <a:r>
+              <a:rPr lang="ru-RU" sz="1600" dirty="0" smtClean="0"/>
+              <a:t>В </a:t>
+            </a:r>
+            <a:r>
+              <a:rPr lang="ru-RU" sz="1600" dirty="0"/>
+              <a:t>полях ввода отображать примерные данные</a:t>
+            </a:r>
+          </a:p>
+          <a:p>
+            <a:pPr marL="285750" indent="-285750">
+              <a:buFont typeface="Arial" panose="020B0604020202020204" pitchFamily="34" charset="0"/>
+              <a:buChar char="•"/>
+            </a:pPr>
+            <a:r>
+              <a:rPr lang="ru-RU" sz="1600" dirty="0"/>
+              <a:t>Реализовать понятные сообщения об ошибках при заполнении формы</a:t>
+            </a:r>
+          </a:p>
+          <a:p>
+            <a:pPr marL="285750" indent="-285750">
+              <a:buFont typeface="Arial" panose="020B0604020202020204" pitchFamily="34" charset="0"/>
+              <a:buChar char="•"/>
+            </a:pPr>
+            <a:r>
+              <a:rPr lang="ru-RU" sz="1600" dirty="0"/>
+              <a:t>Следует избегать большого количества текста на одной форме</a:t>
+            </a:r>
+          </a:p>
+          <a:p>
+            <a:pPr marL="285750" indent="-285750">
+              <a:buFont typeface="Arial" panose="020B0604020202020204" pitchFamily="34" charset="0"/>
+              <a:buChar char="•"/>
+            </a:pPr>
+            <a:r>
+              <a:rPr lang="ru-RU" sz="1600" dirty="0" smtClean="0"/>
+              <a:t>Отображение </a:t>
+            </a:r>
+            <a:r>
+              <a:rPr lang="ru-RU" sz="1600" dirty="0"/>
+              <a:t>состояния </a:t>
+            </a:r>
+            <a:r>
+              <a:rPr lang="ru-RU" sz="1600" dirty="0" smtClean="0"/>
+              <a:t>системы</a:t>
+            </a:r>
+          </a:p>
+          <a:p>
+            <a:pPr marL="285750" indent="-285750">
+              <a:buFont typeface="Arial" panose="020B0604020202020204" pitchFamily="34" charset="0"/>
+              <a:buChar char="•"/>
+            </a:pPr>
+            <a:r>
+              <a:rPr lang="ru-RU" sz="1600" dirty="0" smtClean="0"/>
+              <a:t>Можно добавить темную тему</a:t>
+            </a:r>
+          </a:p>
+          <a:p>
+            <a:endParaRPr lang="en-US" dirty="0" smtClean="0"/>
+          </a:p>
+        </p:txBody>
+      </p:sp>
+    </p:spTree>
+    <p:extLst>
+      <p:ext uri="{BB962C8B-B14F-4D97-AF65-F5344CB8AC3E}">
+        <p14:creationId xmlns:p14="http://schemas.microsoft.com/office/powerpoint/2010/main" val="3506301815"/>
+      </p:ext>
+    </p:extLst>
+  </p:cSld>
+  <p:clrMapOvr>
+    <a:masterClrMapping/>
+  </p:clrMapOvr>
+  <p:timing>
+    <p:tnLst>
+      <p:par>
+        <p:cTn id="1" dur="indefinite" restart="never" nodeType="tmRoot"/>
+      </p:par>
+    </p:tnLst>
+  </p:timing>
+</p:sld>
+</file>
+
+<file path=ppt/slides/slide31.xml><?xml version="1.0" encoding="utf-8"?>
+<p:sld xmlns:a="http://schemas.openxmlformats.org/drawingml/2006/main" xmlns:r="http://schemas.openxmlformats.org/officeDocument/2006/relationships" xmlns:p="http://schemas.openxmlformats.org/presentationml/2006/main">
+  <p:cSld>
+    <p:spTree>
+      <p:nvGrpSpPr>
+        <p:cNvPr id="1" name=""/>
+        <p:cNvGrpSpPr/>
+        <p:nvPr/>
+      </p:nvGrpSpPr>
+      <p:grpSpPr>
+        <a:xfrm>
+          <a:off x="0" y="0"/>
+          <a:ext cx="0" cy="0"/>
+          <a:chOff x="0" y="0"/>
+          <a:chExt cx="0" cy="0"/>
+        </a:xfrm>
+      </p:grpSpPr>
+      <p:sp>
+        <p:nvSpPr>
+          <p:cNvPr id="3" name="Текст 2"/>
+          <p:cNvSpPr>
+            <a:spLocks noGrp="1"/>
+          </p:cNvSpPr>
+          <p:nvPr>
+            <p:ph type="body" idx="1"/>
+          </p:nvPr>
+        </p:nvSpPr>
+        <p:spPr/>
+        <p:txBody>
+          <a:bodyPr/>
+          <a:lstStyle/>
+          <a:p>
+            <a:endParaRPr lang="ru-RU" dirty="0"/>
+          </a:p>
+        </p:txBody>
+      </p:sp>
+      <p:pic>
+        <p:nvPicPr>
+          <p:cNvPr id="4" name="Рисунок 3"/>
+          <p:cNvPicPr>
+            <a:picLocks noChangeAspect="1"/>
+          </p:cNvPicPr>
+          <p:nvPr/>
+        </p:nvPicPr>
+        <p:blipFill>
+          <a:blip r:embed="rId2"/>
+          <a:stretch>
+            <a:fillRect/>
+          </a:stretch>
+        </p:blipFill>
+        <p:spPr>
+          <a:xfrm>
+            <a:off x="1980366" y="0"/>
+            <a:ext cx="4897556" cy="3055791"/>
+          </a:xfrm>
+          <a:prstGeom prst="rect">
+            <a:avLst/>
+          </a:prstGeom>
+        </p:spPr>
+      </p:pic>
+      <p:pic>
+        <p:nvPicPr>
+          <p:cNvPr id="5" name="Рисунок 4"/>
+          <p:cNvPicPr>
+            <a:picLocks noChangeAspect="1"/>
+          </p:cNvPicPr>
+          <p:nvPr/>
+        </p:nvPicPr>
+        <p:blipFill rotWithShape="1">
+          <a:blip r:embed="rId3"/>
+          <a:srcRect t="6918" r="822"/>
+          <a:stretch/>
+        </p:blipFill>
+        <p:spPr>
+          <a:xfrm>
+            <a:off x="2098343" y="2860675"/>
+            <a:ext cx="4661602" cy="2781642"/>
+          </a:xfrm>
+          <a:prstGeom prst="rect">
+            <a:avLst/>
+          </a:prstGeom>
+        </p:spPr>
+      </p:pic>
+    </p:spTree>
+    <p:extLst>
+      <p:ext uri="{BB962C8B-B14F-4D97-AF65-F5344CB8AC3E}">
+        <p14:creationId xmlns:p14="http://schemas.microsoft.com/office/powerpoint/2010/main" val="4052845454"/>
+      </p:ext>
+    </p:extLst>
+  </p:cSld>
+  <p:clrMapOvr>
+    <a:masterClrMapping/>
+  </p:clrMapOvr>
+  <p:timing>
+    <p:tnLst>
+      <p:par>
+        <p:cTn id="1" dur="indefinite" restart="never" nodeType="tmRoot"/>
+      </p:par>
+    </p:tnLst>
+  </p:timing>
+</p:sld>
+</file>
+
+<file path=ppt/slides/slide32.xml><?xml version="1.0" encoding="utf-8"?>
+<p:sld xmlns:a="http://schemas.openxmlformats.org/drawingml/2006/main" xmlns:r="http://schemas.openxmlformats.org/officeDocument/2006/relationships" xmlns:p="http://schemas.openxmlformats.org/presentationml/2006/main">
+  <p:cSld>
+    <p:spTree>
+      <p:nvGrpSpPr>
+        <p:cNvPr id="1" name=""/>
+        <p:cNvGrpSpPr/>
+        <p:nvPr/>
+      </p:nvGrpSpPr>
+      <p:grpSpPr>
+        <a:xfrm>
+          <a:off x="0" y="0"/>
+          <a:ext cx="0" cy="0"/>
+          <a:chOff x="0" y="0"/>
+          <a:chExt cx="0" cy="0"/>
+        </a:xfrm>
+      </p:grpSpPr>
+      <p:sp>
+        <p:nvSpPr>
+          <p:cNvPr id="2" name="Заголовок 1"/>
+          <p:cNvSpPr>
+            <a:spLocks noGrp="1"/>
+          </p:cNvSpPr>
+          <p:nvPr>
+            <p:ph type="title"/>
+          </p:nvPr>
+        </p:nvSpPr>
+        <p:spPr>
+          <a:xfrm>
+            <a:off x="311700" y="266432"/>
+            <a:ext cx="8520600" cy="572700"/>
+          </a:xfrm>
+        </p:spPr>
+        <p:txBody>
+          <a:bodyPr>
+            <a:normAutofit fontScale="90000"/>
+          </a:bodyPr>
+          <a:lstStyle/>
+          <a:p>
+            <a:r>
+              <a:rPr lang="ru-RU" dirty="0" smtClean="0"/>
+              <a:t>Спринт 2 Ретроспектива</a:t>
+            </a:r>
+            <a:r>
+              <a:rPr lang="ru-RU" dirty="0"/>
+              <a:t/>
+            </a:r>
+            <a:br>
+              <a:rPr lang="ru-RU" dirty="0"/>
+            </a:br>
+            <a:endParaRPr lang="ru-RU" dirty="0"/>
+          </a:p>
+        </p:txBody>
+      </p:sp>
+      <p:sp>
+        <p:nvSpPr>
+          <p:cNvPr id="3" name="Текст 2"/>
+          <p:cNvSpPr>
+            <a:spLocks noGrp="1"/>
+          </p:cNvSpPr>
+          <p:nvPr>
+            <p:ph type="body" idx="1"/>
+          </p:nvPr>
+        </p:nvSpPr>
+        <p:spPr>
+          <a:xfrm>
+            <a:off x="311700" y="1017725"/>
+            <a:ext cx="8520600" cy="3551150"/>
+          </a:xfrm>
+        </p:spPr>
+        <p:txBody>
+          <a:bodyPr>
+            <a:normAutofit fontScale="62500" lnSpcReduction="20000"/>
+          </a:bodyPr>
+          <a:lstStyle/>
+          <a:p>
+            <a:pPr marL="0" lvl="0" indent="0">
+              <a:buNone/>
+            </a:pPr>
+            <a:r>
+              <a:rPr lang="ru-RU" dirty="0"/>
+              <a:t>Что было </a:t>
+            </a:r>
+            <a:r>
+              <a:rPr lang="ru-RU" dirty="0" smtClean="0"/>
+              <a:t>положительного?</a:t>
+            </a:r>
+          </a:p>
+          <a:p>
+            <a:pPr marL="0" lvl="0" indent="0">
+              <a:buNone/>
+            </a:pPr>
+            <a:endParaRPr lang="ru-RU" dirty="0" smtClean="0"/>
+          </a:p>
+          <a:p>
+            <a:pPr marL="285750" indent="-285750">
+              <a:buFont typeface="Wingdings" panose="05000000000000000000" pitchFamily="2" charset="2"/>
+              <a:buChar char="§"/>
+            </a:pPr>
+            <a:r>
+              <a:rPr lang="ru-RU" dirty="0" smtClean="0"/>
+              <a:t>Хорошая </a:t>
+            </a:r>
+            <a:r>
+              <a:rPr lang="ru-RU" dirty="0"/>
+              <a:t>коммуникация в </a:t>
+            </a:r>
+            <a:r>
+              <a:rPr lang="ru-RU" dirty="0" smtClean="0"/>
+              <a:t>команде</a:t>
+            </a:r>
+          </a:p>
+          <a:p>
+            <a:pPr marL="285750" indent="-285750">
+              <a:buFont typeface="Wingdings" panose="05000000000000000000" pitchFamily="2" charset="2"/>
+              <a:buChar char="§"/>
+            </a:pPr>
+            <a:r>
+              <a:rPr lang="ru-RU" dirty="0" smtClean="0"/>
+              <a:t>Появилось разделение 15-минуток и встреч</a:t>
+            </a:r>
+          </a:p>
+          <a:p>
+            <a:pPr marL="285750" indent="-285750">
+              <a:buFont typeface="Wingdings" panose="05000000000000000000" pitchFamily="2" charset="2"/>
+              <a:buChar char="§"/>
+            </a:pPr>
+            <a:r>
+              <a:rPr lang="ru-RU" dirty="0" smtClean="0"/>
+              <a:t>Декомпозиция задач</a:t>
+            </a:r>
+          </a:p>
+          <a:p>
+            <a:pPr marL="285750" indent="-285750">
+              <a:buFont typeface="Wingdings" panose="05000000000000000000" pitchFamily="2" charset="2"/>
+              <a:buChar char="§"/>
+            </a:pPr>
+            <a:r>
+              <a:rPr lang="ru-RU" dirty="0" smtClean="0"/>
+              <a:t>Появилось общее понимание разрабатываемой системы, так как все требования описаны в ТЗ</a:t>
+            </a:r>
+          </a:p>
+          <a:p>
+            <a:pPr lvl="0" indent="-308610">
+              <a:buSzPct val="100000"/>
+              <a:buChar char="-"/>
+            </a:pPr>
+            <a:endParaRPr lang="ru-RU" dirty="0"/>
+          </a:p>
+          <a:p>
+            <a:pPr marL="0" lvl="0" indent="0">
+              <a:spcBef>
+                <a:spcPts val="1200"/>
+              </a:spcBef>
+              <a:buNone/>
+            </a:pPr>
+            <a:r>
+              <a:rPr lang="ru-RU" dirty="0"/>
+              <a:t>Что было </a:t>
+            </a:r>
+            <a:r>
+              <a:rPr lang="ru-RU" dirty="0" smtClean="0"/>
+              <a:t>отрицательного?</a:t>
+            </a:r>
+          </a:p>
+          <a:p>
+            <a:pPr marL="285750" indent="-285750">
+              <a:spcBef>
+                <a:spcPts val="1200"/>
+              </a:spcBef>
+              <a:buFont typeface="Wingdings" panose="05000000000000000000" pitchFamily="2" charset="2"/>
+              <a:buChar char="§"/>
+            </a:pPr>
+            <a:r>
+              <a:rPr lang="ru-RU" dirty="0" smtClean="0"/>
+              <a:t>Нехватка времени на выполнение задач из за высокой загруженности</a:t>
+            </a:r>
+          </a:p>
+          <a:p>
+            <a:pPr marL="285750" indent="-285750">
+              <a:spcBef>
+                <a:spcPts val="1200"/>
+              </a:spcBef>
+              <a:buFont typeface="Wingdings" panose="05000000000000000000" pitchFamily="2" charset="2"/>
+              <a:buChar char="§"/>
+            </a:pPr>
+            <a:r>
+              <a:rPr lang="ru-RU" dirty="0" smtClean="0"/>
+              <a:t>Команда не до конца была погружена в разработку проекта</a:t>
+            </a:r>
+          </a:p>
+          <a:p>
+            <a:pPr marL="285750" indent="-285750">
+              <a:spcBef>
+                <a:spcPts val="1200"/>
+              </a:spcBef>
+              <a:buFont typeface="Wingdings" panose="05000000000000000000" pitchFamily="2" charset="2"/>
+              <a:buChar char="§"/>
+            </a:pPr>
+            <a:r>
+              <a:rPr lang="ru-RU" dirty="0" smtClean="0"/>
+              <a:t>Не все задачи в спринте были выполнены</a:t>
+            </a:r>
+          </a:p>
+          <a:p>
+            <a:pPr marL="0" lvl="0" indent="0">
+              <a:spcBef>
+                <a:spcPts val="1200"/>
+              </a:spcBef>
+              <a:buNone/>
+            </a:pPr>
+            <a:r>
+              <a:rPr lang="ru-RU" dirty="0" smtClean="0"/>
+              <a:t>Как </a:t>
+            </a:r>
+            <a:r>
+              <a:rPr lang="ru-RU" dirty="0"/>
+              <a:t>исправить</a:t>
+            </a:r>
+            <a:r>
+              <a:rPr lang="ru-RU" dirty="0" smtClean="0"/>
+              <a:t>?</a:t>
+            </a:r>
+          </a:p>
+          <a:p>
+            <a:pPr marL="0" lvl="0" indent="0">
+              <a:spcBef>
+                <a:spcPts val="1200"/>
+              </a:spcBef>
+              <a:buNone/>
+            </a:pPr>
+            <a:endParaRPr lang="ru-RU" dirty="0"/>
+          </a:p>
+          <a:p>
+            <a:pPr>
+              <a:buFont typeface="Wingdings" panose="05000000000000000000" pitchFamily="2" charset="2"/>
+              <a:buChar char="§"/>
+            </a:pPr>
+            <a:r>
+              <a:rPr lang="ru-RU" dirty="0" smtClean="0"/>
+              <a:t>Удвоить продуктивность работы команды в два раза</a:t>
+            </a:r>
+          </a:p>
+          <a:p>
+            <a:pPr>
+              <a:buFont typeface="Wingdings" panose="05000000000000000000" pitchFamily="2" charset="2"/>
+              <a:buChar char="§"/>
+            </a:pPr>
+            <a:r>
+              <a:rPr lang="ru-RU" dirty="0" smtClean="0"/>
+              <a:t>грамотно оценивать и планировать время выполнения задач </a:t>
+            </a:r>
+          </a:p>
+          <a:p>
+            <a:pPr marL="114300" indent="0">
+              <a:buNone/>
+            </a:pPr>
+            <a:endParaRPr lang="ru-RU" dirty="0" smtClean="0"/>
+          </a:p>
+          <a:p>
+            <a:pPr marL="114300" indent="0">
+              <a:buNone/>
+            </a:pPr>
+            <a:endParaRPr lang="ru-RU" dirty="0"/>
+          </a:p>
+        </p:txBody>
+      </p:sp>
+    </p:spTree>
+    <p:extLst>
+      <p:ext uri="{BB962C8B-B14F-4D97-AF65-F5344CB8AC3E}">
+        <p14:creationId xmlns:p14="http://schemas.microsoft.com/office/powerpoint/2010/main" val="2413535173"/>
+      </p:ext>
+    </p:extLst>
+  </p:cSld>
+  <p:clrMapOvr>
+    <a:masterClrMapping/>
+  </p:clrMapOvr>
+  <p:timing>
+    <p:tnLst>
+      <p:par>
+        <p:cTn id="1" dur="indefinite" restart="never" nodeType="tmRoot"/>
+      </p:par>
+    </p:tnLst>
+  </p:timing>
+</p:sld>
+</file>
+
+<file path=ppt/slides/slide33.xml><?xml version="1.0" encoding="utf-8"?>
+<p:sld xmlns:a="http://schemas.openxmlformats.org/drawingml/2006/main" xmlns:r="http://schemas.openxmlformats.org/officeDocument/2006/relationships" xmlns:p="http://schemas.openxmlformats.org/presentationml/2006/main">
+  <p:cSld>
+    <p:spTree>
+      <p:nvGrpSpPr>
+        <p:cNvPr id="1" name=""/>
+        <p:cNvGrpSpPr/>
+        <p:nvPr/>
+      </p:nvGrpSpPr>
+      <p:grpSpPr>
+        <a:xfrm>
+          <a:off x="0" y="0"/>
+          <a:ext cx="0" cy="0"/>
+          <a:chOff x="0" y="0"/>
+          <a:chExt cx="0" cy="0"/>
+        </a:xfrm>
+      </p:grpSpPr>
+      <p:sp>
+        <p:nvSpPr>
+          <p:cNvPr id="2" name="Заголовок 1"/>
+          <p:cNvSpPr>
+            <a:spLocks noGrp="1"/>
+          </p:cNvSpPr>
+          <p:nvPr>
+            <p:ph type="title"/>
+          </p:nvPr>
+        </p:nvSpPr>
+        <p:spPr/>
+        <p:txBody>
+          <a:bodyPr>
+            <a:normAutofit fontScale="90000"/>
+          </a:bodyPr>
+          <a:lstStyle/>
+          <a:p>
+            <a:r>
+              <a:rPr lang="ru-RU" dirty="0" smtClean="0"/>
+              <a:t>Спринт </a:t>
+            </a:r>
+            <a:r>
+              <a:rPr lang="ru-RU" dirty="0" smtClean="0"/>
+              <a:t>3 (</a:t>
+            </a:r>
+            <a:r>
+              <a:rPr lang="en-US" dirty="0" smtClean="0"/>
+              <a:t>16.06-22.06)</a:t>
+            </a:r>
+            <a:endParaRPr lang="ru-RU" dirty="0"/>
+          </a:p>
+        </p:txBody>
+      </p:sp>
+      <p:sp>
+        <p:nvSpPr>
+          <p:cNvPr id="3" name="Текст 2"/>
+          <p:cNvSpPr>
+            <a:spLocks noGrp="1"/>
+          </p:cNvSpPr>
+          <p:nvPr>
+            <p:ph type="body" idx="1"/>
+          </p:nvPr>
+        </p:nvSpPr>
+        <p:spPr>
+          <a:xfrm>
+            <a:off x="311700" y="1017725"/>
+            <a:ext cx="8520600" cy="3416400"/>
+          </a:xfrm>
+        </p:spPr>
+        <p:txBody>
+          <a:bodyPr>
+            <a:normAutofit/>
+          </a:bodyPr>
+          <a:lstStyle/>
+          <a:p>
+            <a:r>
+              <a:rPr lang="ru-RU" sz="1400" dirty="0"/>
+              <a:t>Создать </a:t>
+            </a:r>
+            <a:r>
+              <a:rPr lang="ru-RU" sz="1400" dirty="0" smtClean="0"/>
+              <a:t>БД</a:t>
+            </a:r>
+          </a:p>
+          <a:p>
+            <a:r>
+              <a:rPr lang="ru-RU" sz="1400" dirty="0" smtClean="0"/>
+              <a:t>Связать </a:t>
+            </a:r>
+            <a:r>
+              <a:rPr lang="ru-RU" sz="1400" dirty="0"/>
+              <a:t>БД с </a:t>
+            </a:r>
+            <a:r>
+              <a:rPr lang="ru-RU" sz="1400" dirty="0" err="1"/>
+              <a:t>бэком</a:t>
+            </a:r>
+            <a:r>
+              <a:rPr lang="ru-RU" sz="1400" dirty="0"/>
+              <a:t> и фронтом</a:t>
+            </a:r>
+          </a:p>
+          <a:p>
+            <a:r>
+              <a:rPr lang="ru-RU" sz="1400" dirty="0"/>
+              <a:t>Доработать прототип интерфейса согласно анализу интерфейсов </a:t>
+            </a:r>
+          </a:p>
+          <a:p>
+            <a:r>
+              <a:rPr lang="ru-RU" sz="1400" dirty="0"/>
+              <a:t>Разработка функциональных модулей программы: </a:t>
+            </a:r>
+            <a:r>
+              <a:rPr lang="ru-RU" sz="1400" dirty="0" smtClean="0"/>
+              <a:t>преобразование </a:t>
+            </a:r>
+            <a:r>
+              <a:rPr lang="ru-RU" sz="1400" dirty="0"/>
+              <a:t>формата, выбор шаблона по категориям из </a:t>
+            </a:r>
+            <a:r>
+              <a:rPr lang="ru-RU" sz="1400" dirty="0" smtClean="0"/>
+              <a:t>БД, формирование полей ввода данных и заполнение данных в шаблон</a:t>
+            </a:r>
+          </a:p>
+          <a:p>
+            <a:r>
+              <a:rPr lang="ru-RU" sz="1400" dirty="0" smtClean="0"/>
+              <a:t>Повысить продуктивность спринта</a:t>
+            </a:r>
+          </a:p>
+          <a:p>
+            <a:endParaRPr lang="ru-RU" sz="1400" dirty="0"/>
+          </a:p>
+          <a:p>
+            <a:pPr marL="114300" indent="0">
+              <a:buNone/>
+            </a:pPr>
+            <a:r>
+              <a:rPr lang="ru-RU" sz="1400" dirty="0" smtClean="0"/>
+              <a:t>Роли</a:t>
+            </a:r>
+            <a:r>
+              <a:rPr lang="en-US" sz="1400" dirty="0" smtClean="0"/>
+              <a:t>:</a:t>
+            </a:r>
+            <a:endParaRPr lang="ru-RU" sz="1400" dirty="0" smtClean="0"/>
+          </a:p>
+        </p:txBody>
+      </p:sp>
+      <p:pic>
+        <p:nvPicPr>
+          <p:cNvPr id="4" name="Рисунок 3"/>
+          <p:cNvPicPr>
+            <a:picLocks noChangeAspect="1"/>
+          </p:cNvPicPr>
+          <p:nvPr/>
+        </p:nvPicPr>
+        <p:blipFill rotWithShape="1">
+          <a:blip r:embed="rId2"/>
+          <a:srcRect t="22441" r="1170"/>
+          <a:stretch/>
+        </p:blipFill>
+        <p:spPr>
+          <a:xfrm>
+            <a:off x="413563" y="3154349"/>
+            <a:ext cx="3888722" cy="1279776"/>
+          </a:xfrm>
+          <a:prstGeom prst="rect">
+            <a:avLst/>
+          </a:prstGeom>
+        </p:spPr>
+      </p:pic>
+    </p:spTree>
+    <p:extLst>
+      <p:ext uri="{BB962C8B-B14F-4D97-AF65-F5344CB8AC3E}">
+        <p14:creationId xmlns:p14="http://schemas.microsoft.com/office/powerpoint/2010/main" val="1882276733"/>
+      </p:ext>
+    </p:extLst>
+  </p:cSld>
+  <p:clrMapOvr>
+    <a:masterClrMapping/>
+  </p:clrMapOvr>
+  <p:timing>
+    <p:tnLst>
+      <p:par>
+        <p:cTn id="1" dur="indefinite" restart="never" nodeType="tmRoot"/>
+      </p:par>
+    </p:tnLst>
+  </p:timing>
+</p:sld>
+</file>
+
+<file path=ppt/slides/slide34.xml><?xml version="1.0" encoding="utf-8"?>
+<p:sld xmlns:a="http://schemas.openxmlformats.org/drawingml/2006/main" xmlns:r="http://schemas.openxmlformats.org/officeDocument/2006/relationships" xmlns:p="http://schemas.openxmlformats.org/presentationml/2006/main">
+  <p:cSld>
+    <p:spTree>
+      <p:nvGrpSpPr>
+        <p:cNvPr id="1" name=""/>
+        <p:cNvGrpSpPr/>
+        <p:nvPr/>
+      </p:nvGrpSpPr>
+      <p:grpSpPr>
+        <a:xfrm>
+          <a:off x="0" y="0"/>
+          <a:ext cx="0" cy="0"/>
+          <a:chOff x="0" y="0"/>
+          <a:chExt cx="0" cy="0"/>
+        </a:xfrm>
+      </p:grpSpPr>
+      <p:sp>
+        <p:nvSpPr>
+          <p:cNvPr id="2" name="Заголовок 1"/>
+          <p:cNvSpPr>
+            <a:spLocks noGrp="1"/>
+          </p:cNvSpPr>
+          <p:nvPr>
+            <p:ph type="title"/>
+          </p:nvPr>
+        </p:nvSpPr>
+        <p:spPr>
+          <a:xfrm>
+            <a:off x="382820" y="282465"/>
+            <a:ext cx="8520600" cy="572700"/>
+          </a:xfrm>
+        </p:spPr>
+        <p:txBody>
+          <a:bodyPr>
+            <a:normAutofit fontScale="90000"/>
+          </a:bodyPr>
+          <a:lstStyle/>
+          <a:p>
+            <a:r>
+              <a:rPr lang="ru-RU" dirty="0" smtClean="0"/>
+              <a:t>Задачи спринт 3</a:t>
+            </a:r>
+            <a:endParaRPr lang="ru-RU" dirty="0"/>
+          </a:p>
+        </p:txBody>
+      </p:sp>
+      <p:sp>
+        <p:nvSpPr>
+          <p:cNvPr id="4" name="Google Shape;93;p20"/>
+          <p:cNvSpPr txBox="1">
+            <a:spLocks noGrp="1"/>
+          </p:cNvSpPr>
+          <p:nvPr>
+            <p:ph type="body" idx="1"/>
+          </p:nvPr>
+        </p:nvSpPr>
+        <p:spPr>
+          <a:xfrm>
+            <a:off x="169460" y="731375"/>
+            <a:ext cx="8520600" cy="4001607"/>
+          </a:xfrm>
+          <a:prstGeom prst="rect">
+            <a:avLst/>
+          </a:prstGeom>
+        </p:spPr>
+        <p:txBody>
+          <a:bodyPr spcFirstLastPara="1" wrap="square" lIns="91425" tIns="91425" rIns="91425" bIns="91425" anchor="t" anchorCtr="0">
+            <a:normAutofit fontScale="25000" lnSpcReduction="20000"/>
+          </a:bodyPr>
+          <a:lstStyle/>
+          <a:p>
+            <a:pPr marL="155453" lvl="0" indent="0" algn="l" rtl="0">
+              <a:spcBef>
+                <a:spcPts val="0"/>
+              </a:spcBef>
+              <a:spcAft>
+                <a:spcPts val="0"/>
+              </a:spcAft>
+              <a:buClr>
+                <a:srgbClr val="FF0000"/>
+              </a:buClr>
+              <a:buSzPct val="100000"/>
+              <a:buNone/>
+            </a:pPr>
+            <a:endParaRPr sz="4607" dirty="0">
+              <a:solidFill>
+                <a:srgbClr val="FF0000"/>
+              </a:solidFill>
+            </a:endParaRPr>
+          </a:p>
+          <a:p>
+            <a:pPr marL="457200" lvl="0" indent="-301747" algn="l" rtl="0">
+              <a:spcBef>
+                <a:spcPts val="0"/>
+              </a:spcBef>
+              <a:spcAft>
+                <a:spcPts val="0"/>
+              </a:spcAft>
+              <a:buClr>
+                <a:srgbClr val="FF0000"/>
+              </a:buClr>
+              <a:buSzPct val="100000"/>
+              <a:buChar char="-"/>
+            </a:pPr>
+            <a:r>
+              <a:rPr lang="ru-RU" sz="4607" dirty="0" smtClean="0">
+                <a:solidFill>
+                  <a:srgbClr val="FF0000"/>
+                </a:solidFill>
+              </a:rPr>
+              <a:t>Подготовить прототип интерфейса исходя из анализа интерфейсов аналогов</a:t>
+            </a:r>
+          </a:p>
+          <a:p>
+            <a:pPr marL="457200" lvl="0" indent="-301747" algn="l" rtl="0">
+              <a:spcBef>
+                <a:spcPts val="0"/>
+              </a:spcBef>
+              <a:spcAft>
+                <a:spcPts val="0"/>
+              </a:spcAft>
+              <a:buClr>
+                <a:srgbClr val="FF0000"/>
+              </a:buClr>
+              <a:buSzPct val="100000"/>
+              <a:buChar char="-"/>
+            </a:pPr>
+            <a:r>
+              <a:rPr lang="en" sz="4607" dirty="0" smtClean="0">
+                <a:solidFill>
+                  <a:srgbClr val="FF0000"/>
+                </a:solidFill>
+              </a:rPr>
+              <a:t>Архитектектура </a:t>
+            </a:r>
+            <a:r>
+              <a:rPr lang="en" sz="4607" dirty="0">
+                <a:solidFill>
+                  <a:srgbClr val="FF0000"/>
+                </a:solidFill>
+              </a:rPr>
+              <a:t>системы:</a:t>
+            </a:r>
+            <a:endParaRPr sz="4607" dirty="0">
+              <a:solidFill>
+                <a:srgbClr val="FF0000"/>
+              </a:solidFill>
+            </a:endParaRPr>
+          </a:p>
+          <a:p>
+            <a:pPr marL="914400" lvl="1" indent="-295397" algn="l" rtl="0">
+              <a:spcBef>
+                <a:spcPts val="0"/>
+              </a:spcBef>
+              <a:spcAft>
+                <a:spcPts val="0"/>
+              </a:spcAft>
+              <a:buClr>
+                <a:srgbClr val="0000FF"/>
+              </a:buClr>
+              <a:buSzPct val="100000"/>
+              <a:buChar char="-"/>
+            </a:pPr>
+            <a:r>
+              <a:rPr lang="ru-RU" sz="4207" dirty="0" smtClean="0">
+                <a:solidFill>
+                  <a:srgbClr val="0000FF"/>
+                </a:solidFill>
+              </a:rPr>
+              <a:t>Создани</a:t>
+            </a:r>
+            <a:r>
+              <a:rPr lang="ru-RU" sz="4207" dirty="0" smtClean="0">
+                <a:solidFill>
+                  <a:srgbClr val="0000FF"/>
+                </a:solidFill>
+              </a:rPr>
+              <a:t>е БД</a:t>
+            </a:r>
+          </a:p>
+          <a:p>
+            <a:pPr lvl="2" indent="-295397">
+              <a:buClr>
+                <a:srgbClr val="0000FF"/>
+              </a:buClr>
+              <a:buSzPct val="100000"/>
+              <a:buChar char="-"/>
+            </a:pPr>
+            <a:r>
+              <a:rPr lang="ru-RU" sz="4207" dirty="0" smtClean="0">
+                <a:solidFill>
+                  <a:srgbClr val="92D050"/>
+                </a:solidFill>
+              </a:rPr>
+              <a:t>Разработка функции загрузки пользовательских шаблонов в БД</a:t>
+            </a:r>
+          </a:p>
+          <a:p>
+            <a:pPr lvl="2" indent="-295397">
+              <a:buClr>
+                <a:srgbClr val="0000FF"/>
+              </a:buClr>
+              <a:buSzPct val="100000"/>
+              <a:buChar char="-"/>
+            </a:pPr>
+            <a:r>
+              <a:rPr lang="ru-RU" sz="4207" dirty="0" smtClean="0">
+                <a:solidFill>
+                  <a:srgbClr val="92D050"/>
+                </a:solidFill>
+              </a:rPr>
+              <a:t>Разработка функции выбора шаблона из БД</a:t>
+            </a:r>
+          </a:p>
+          <a:p>
+            <a:pPr lvl="3" indent="-295397">
+              <a:buClr>
+                <a:srgbClr val="0000FF"/>
+              </a:buClr>
+              <a:buSzPct val="100000"/>
+              <a:buChar char="-"/>
+            </a:pPr>
+            <a:r>
+              <a:rPr lang="ru-RU" sz="4207" dirty="0" smtClean="0">
+                <a:solidFill>
+                  <a:schemeClr val="tx2">
+                    <a:lumMod val="10000"/>
+                  </a:schemeClr>
+                </a:solidFill>
+              </a:rPr>
+              <a:t>Тестирование функции выбора шаблона</a:t>
+            </a:r>
+          </a:p>
+          <a:p>
+            <a:pPr marL="914400" lvl="1" indent="-295397" algn="l" rtl="0">
+              <a:spcBef>
+                <a:spcPts val="0"/>
+              </a:spcBef>
+              <a:spcAft>
+                <a:spcPts val="0"/>
+              </a:spcAft>
+              <a:buClr>
+                <a:srgbClr val="0000FF"/>
+              </a:buClr>
+              <a:buSzPct val="100000"/>
+              <a:buChar char="-"/>
+            </a:pPr>
+            <a:r>
+              <a:rPr lang="ru-RU" sz="4207" dirty="0" smtClean="0">
+                <a:solidFill>
+                  <a:srgbClr val="0000FF"/>
+                </a:solidFill>
+              </a:rPr>
+              <a:t>Связать </a:t>
+            </a:r>
+            <a:r>
+              <a:rPr lang="ru-RU" sz="4207" dirty="0" err="1" smtClean="0">
+                <a:solidFill>
+                  <a:srgbClr val="0000FF"/>
+                </a:solidFill>
+              </a:rPr>
+              <a:t>бэкенд</a:t>
+            </a:r>
+            <a:r>
+              <a:rPr lang="ru-RU" sz="4207" dirty="0" smtClean="0">
+                <a:solidFill>
+                  <a:srgbClr val="0000FF"/>
+                </a:solidFill>
+              </a:rPr>
+              <a:t> и </a:t>
+            </a:r>
+            <a:r>
+              <a:rPr lang="ru-RU" sz="4207" dirty="0" err="1" smtClean="0">
+                <a:solidFill>
+                  <a:srgbClr val="0000FF"/>
+                </a:solidFill>
+              </a:rPr>
+              <a:t>фронтенд</a:t>
+            </a:r>
+            <a:r>
+              <a:rPr lang="ru-RU" sz="4207" dirty="0" smtClean="0">
+                <a:solidFill>
+                  <a:srgbClr val="0000FF"/>
+                </a:solidFill>
+              </a:rPr>
+              <a:t> </a:t>
+            </a:r>
+          </a:p>
+          <a:p>
+            <a:pPr lvl="2" indent="-295397">
+              <a:buClr>
+                <a:srgbClr val="0000FF"/>
+              </a:buClr>
+              <a:buSzPct val="100000"/>
+              <a:buChar char="-"/>
+            </a:pPr>
+            <a:r>
+              <a:rPr lang="ru-RU" sz="4207" dirty="0" smtClean="0">
+                <a:solidFill>
+                  <a:srgbClr val="92D050"/>
+                </a:solidFill>
+              </a:rPr>
+              <a:t>Определится с типами полей</a:t>
+            </a:r>
+          </a:p>
+          <a:p>
+            <a:pPr lvl="2" indent="-295397">
+              <a:buClr>
+                <a:srgbClr val="0000FF"/>
+              </a:buClr>
+              <a:buSzPct val="100000"/>
+              <a:buChar char="-"/>
+            </a:pPr>
+            <a:r>
+              <a:rPr lang="ru-RU" sz="4207" dirty="0" smtClean="0">
+                <a:solidFill>
+                  <a:srgbClr val="92D050"/>
+                </a:solidFill>
+              </a:rPr>
+              <a:t>Разработка программного интерфейса</a:t>
+            </a:r>
+          </a:p>
+          <a:p>
+            <a:pPr lvl="2" indent="-295397">
+              <a:buClr>
+                <a:srgbClr val="0000FF"/>
+              </a:buClr>
+              <a:buSzPct val="100000"/>
+              <a:buChar char="-"/>
+            </a:pPr>
+            <a:r>
+              <a:rPr lang="ru-RU" sz="4207" dirty="0" smtClean="0">
+                <a:solidFill>
+                  <a:srgbClr val="92D050"/>
+                </a:solidFill>
+              </a:rPr>
+              <a:t>Разработка графического интерфейса</a:t>
+            </a:r>
+          </a:p>
+          <a:p>
+            <a:pPr lvl="3" indent="-295397">
+              <a:buClr>
+                <a:srgbClr val="0000FF"/>
+              </a:buClr>
+              <a:buSzPct val="100000"/>
+              <a:buChar char="-"/>
+            </a:pPr>
+            <a:r>
+              <a:rPr lang="ru-RU" sz="4207" dirty="0" smtClean="0">
+                <a:solidFill>
+                  <a:schemeClr val="tx2">
+                    <a:lumMod val="10000"/>
+                  </a:schemeClr>
+                </a:solidFill>
+              </a:rPr>
+              <a:t>Разработка экрана заполнения шаблона</a:t>
+            </a:r>
+          </a:p>
+          <a:p>
+            <a:pPr lvl="3" indent="-295397">
+              <a:buClr>
+                <a:srgbClr val="0000FF"/>
+              </a:buClr>
+              <a:buSzPct val="100000"/>
+              <a:buFont typeface="Arial"/>
+              <a:buChar char="-"/>
+            </a:pPr>
+            <a:r>
+              <a:rPr lang="ru-RU" sz="4207" dirty="0" smtClean="0">
+                <a:solidFill>
+                  <a:schemeClr val="tx2">
+                    <a:lumMod val="10000"/>
+                  </a:schemeClr>
+                </a:solidFill>
+              </a:rPr>
+              <a:t>Разработка </a:t>
+            </a:r>
+            <a:r>
+              <a:rPr lang="ru-RU" sz="4207" dirty="0">
+                <a:solidFill>
+                  <a:schemeClr val="tx2">
+                    <a:lumMod val="10000"/>
+                  </a:schemeClr>
+                </a:solidFill>
+              </a:rPr>
+              <a:t>формы отображения </a:t>
+            </a:r>
+            <a:r>
+              <a:rPr lang="ru-RU" sz="4207" dirty="0" smtClean="0">
+                <a:solidFill>
+                  <a:schemeClr val="tx2">
+                    <a:lumMod val="10000"/>
+                  </a:schemeClr>
+                </a:solidFill>
+              </a:rPr>
+              <a:t>полей</a:t>
+            </a:r>
+          </a:p>
+          <a:p>
+            <a:pPr lvl="3" indent="-295397">
+              <a:buClr>
+                <a:srgbClr val="0000FF"/>
+              </a:buClr>
+              <a:buSzPct val="100000"/>
+              <a:buFont typeface="Arial"/>
+              <a:buChar char="-"/>
+            </a:pPr>
+            <a:r>
+              <a:rPr lang="ru-RU" sz="4207" dirty="0" smtClean="0">
+                <a:solidFill>
+                  <a:schemeClr val="tx2">
+                    <a:lumMod val="10000"/>
+                  </a:schemeClr>
+                </a:solidFill>
+              </a:rPr>
+              <a:t>Разработка темной темы</a:t>
+            </a:r>
+          </a:p>
+          <a:p>
+            <a:pPr lvl="3" indent="-295397">
+              <a:buClr>
+                <a:srgbClr val="0000FF"/>
+              </a:buClr>
+              <a:buSzPct val="100000"/>
+              <a:buFont typeface="Arial"/>
+              <a:buChar char="-"/>
+            </a:pPr>
+            <a:r>
+              <a:rPr lang="ru-RU" sz="4207" dirty="0" smtClean="0">
+                <a:solidFill>
+                  <a:schemeClr val="tx1"/>
+                </a:solidFill>
+              </a:rPr>
+              <a:t>Разработка диалоговых окон</a:t>
+            </a:r>
+          </a:p>
+          <a:p>
+            <a:pPr lvl="3" indent="-295397">
+              <a:buClr>
+                <a:srgbClr val="0000FF"/>
+              </a:buClr>
+              <a:buSzPct val="100000"/>
+              <a:buFont typeface="Arial"/>
+              <a:buChar char="-"/>
+            </a:pPr>
+            <a:r>
+              <a:rPr lang="ru-RU" sz="4207" dirty="0" smtClean="0">
+                <a:solidFill>
+                  <a:schemeClr val="tx1"/>
+                </a:solidFill>
+              </a:rPr>
+              <a:t>Модернизация отображения тегов в </a:t>
+            </a:r>
+            <a:r>
+              <a:rPr lang="ru-RU" sz="4207" dirty="0" smtClean="0">
+                <a:solidFill>
+                  <a:schemeClr val="tx1"/>
+                </a:solidFill>
+              </a:rPr>
+              <a:t>форме заполнения данных</a:t>
+            </a:r>
+            <a:endParaRPr lang="ru-RU" sz="4207" dirty="0" smtClean="0">
+              <a:solidFill>
+                <a:schemeClr val="tx1"/>
+              </a:solidFill>
+            </a:endParaRPr>
+          </a:p>
+          <a:p>
+            <a:pPr lvl="1" indent="-295397">
+              <a:buClr>
+                <a:srgbClr val="0000FF"/>
+              </a:buClr>
+              <a:buSzPct val="100000"/>
+              <a:buChar char="-"/>
+            </a:pPr>
+            <a:r>
+              <a:rPr lang="ru-RU" sz="4207" dirty="0" smtClean="0">
+                <a:solidFill>
+                  <a:srgbClr val="0000FF"/>
+                </a:solidFill>
+              </a:rPr>
+              <a:t>Разработка функции преобразования формата</a:t>
+            </a:r>
+          </a:p>
+          <a:p>
+            <a:pPr lvl="2" indent="-295397">
+              <a:buClr>
+                <a:srgbClr val="0000FF"/>
+              </a:buClr>
+              <a:buSzPct val="100000"/>
+              <a:buChar char="-"/>
+            </a:pPr>
+            <a:r>
+              <a:rPr lang="ru-RU" sz="4207" dirty="0" smtClean="0">
+                <a:solidFill>
+                  <a:srgbClr val="92D050"/>
+                </a:solidFill>
+              </a:rPr>
+              <a:t>Тестирование функции преобразования формата</a:t>
+            </a:r>
+          </a:p>
+          <a:p>
+            <a:pPr lvl="1" indent="-295397">
+              <a:buClr>
+                <a:srgbClr val="0000FF"/>
+              </a:buClr>
+              <a:buSzPct val="100000"/>
+              <a:buChar char="-"/>
+            </a:pPr>
+            <a:r>
+              <a:rPr lang="ru-RU" sz="4207" dirty="0" smtClean="0">
+                <a:solidFill>
+                  <a:srgbClr val="0000FF"/>
+                </a:solidFill>
+              </a:rPr>
+              <a:t>Модернизация </a:t>
+            </a:r>
+            <a:r>
+              <a:rPr lang="ru-RU" sz="4207" dirty="0">
+                <a:solidFill>
+                  <a:srgbClr val="0000FF"/>
+                </a:solidFill>
+              </a:rPr>
+              <a:t>функции извлечения полей из загружаемого в систему файла для формирования </a:t>
+            </a:r>
+            <a:r>
+              <a:rPr lang="ru-RU" sz="4207" dirty="0" smtClean="0">
+                <a:solidFill>
+                  <a:srgbClr val="0000FF"/>
+                </a:solidFill>
+              </a:rPr>
+              <a:t>шаблона </a:t>
+            </a:r>
+          </a:p>
+          <a:p>
+            <a:pPr lvl="2" indent="-295397">
+              <a:buClr>
+                <a:srgbClr val="0000FF"/>
+              </a:buClr>
+              <a:buSzPct val="100000"/>
+              <a:buChar char="-"/>
+            </a:pPr>
+            <a:r>
+              <a:rPr lang="ru-RU" sz="4207" dirty="0" smtClean="0">
+                <a:solidFill>
+                  <a:srgbClr val="92D050"/>
+                </a:solidFill>
+              </a:rPr>
+              <a:t>Сделать группировку для тегов с одной категорией в окне заполнения данных</a:t>
+            </a:r>
+          </a:p>
+          <a:p>
+            <a:pPr lvl="2" indent="-295397">
+              <a:buClr>
+                <a:srgbClr val="0000FF"/>
+              </a:buClr>
+              <a:buSzPct val="100000"/>
+              <a:buChar char="-"/>
+            </a:pPr>
+            <a:r>
+              <a:rPr lang="ru-RU" sz="4207" dirty="0" smtClean="0">
+                <a:solidFill>
+                  <a:srgbClr val="92D050"/>
+                </a:solidFill>
+              </a:rPr>
+              <a:t>Тестирование функции ввода данных</a:t>
+            </a:r>
+            <a:endParaRPr lang="ru-RU" sz="4607" dirty="0">
+              <a:solidFill>
+                <a:srgbClr val="FF0000"/>
+              </a:solidFill>
+            </a:endParaRPr>
+          </a:p>
+          <a:p>
+            <a:pPr marL="457200" lvl="0" indent="-301747" algn="l" rtl="0">
+              <a:spcBef>
+                <a:spcPts val="0"/>
+              </a:spcBef>
+              <a:spcAft>
+                <a:spcPts val="0"/>
+              </a:spcAft>
+              <a:buClr>
+                <a:srgbClr val="FF0000"/>
+              </a:buClr>
+              <a:buSzPct val="100000"/>
+              <a:buChar char="-"/>
+            </a:pPr>
+            <a:r>
+              <a:rPr lang="ru-RU" sz="4607" dirty="0" smtClean="0">
+                <a:solidFill>
+                  <a:srgbClr val="FF0000"/>
+                </a:solidFill>
+              </a:rPr>
+              <a:t>Форматирование шаблонов согласно принятому словарю тегов</a:t>
+            </a:r>
+          </a:p>
+          <a:p>
+            <a:pPr marL="457200" lvl="0" indent="-301747" algn="l" rtl="0">
+              <a:spcBef>
+                <a:spcPts val="0"/>
+              </a:spcBef>
+              <a:spcAft>
+                <a:spcPts val="0"/>
+              </a:spcAft>
+              <a:buClr>
+                <a:srgbClr val="FF0000"/>
+              </a:buClr>
+              <a:buSzPct val="100000"/>
+              <a:buChar char="-"/>
+            </a:pPr>
+            <a:r>
+              <a:rPr lang="en" sz="4607" dirty="0" smtClean="0">
+                <a:solidFill>
+                  <a:srgbClr val="FF0000"/>
+                </a:solidFill>
+              </a:rPr>
+              <a:t>Ретроспектива спринта</a:t>
+            </a:r>
+            <a:r>
+              <a:rPr lang="ru-RU" sz="4607" dirty="0" smtClean="0">
+                <a:solidFill>
+                  <a:srgbClr val="FF0000"/>
+                </a:solidFill>
+              </a:rPr>
+              <a:t> 3</a:t>
+            </a:r>
+            <a:endParaRPr sz="4607" dirty="0" smtClean="0">
+              <a:solidFill>
+                <a:srgbClr val="FF0000"/>
+              </a:solidFill>
+            </a:endParaRPr>
+          </a:p>
+          <a:p>
+            <a:pPr marL="0" lvl="0" indent="0" algn="l" rtl="0">
+              <a:spcBef>
+                <a:spcPts val="1200"/>
+              </a:spcBef>
+              <a:spcAft>
+                <a:spcPts val="0"/>
+              </a:spcAft>
+              <a:buNone/>
+            </a:pPr>
+            <a:endParaRPr sz="3807" dirty="0">
+              <a:solidFill>
+                <a:srgbClr val="0000FF"/>
+              </a:solidFill>
+            </a:endParaRPr>
+          </a:p>
+          <a:p>
+            <a:pPr marL="0" lvl="0" indent="0" algn="l" rtl="0">
+              <a:spcBef>
+                <a:spcPts val="1200"/>
+              </a:spcBef>
+              <a:spcAft>
+                <a:spcPts val="0"/>
+              </a:spcAft>
+              <a:buNone/>
+            </a:pPr>
+            <a:endParaRPr dirty="0"/>
+          </a:p>
+          <a:p>
+            <a:pPr marL="0" lvl="0" indent="0" algn="l" rtl="0">
+              <a:spcBef>
+                <a:spcPts val="1200"/>
+              </a:spcBef>
+              <a:spcAft>
+                <a:spcPts val="0"/>
+              </a:spcAft>
+              <a:buNone/>
+            </a:pPr>
+            <a:endParaRPr dirty="0"/>
+          </a:p>
+          <a:p>
+            <a:pPr marL="1828800" lvl="0" indent="0" algn="l" rtl="0">
+              <a:spcBef>
+                <a:spcPts val="1200"/>
+              </a:spcBef>
+              <a:spcAft>
+                <a:spcPts val="0"/>
+              </a:spcAft>
+              <a:buNone/>
+            </a:pPr>
+            <a:endParaRPr dirty="0"/>
+          </a:p>
+          <a:p>
+            <a:pPr marL="0" lvl="0" indent="0" algn="l" rtl="0">
+              <a:spcBef>
+                <a:spcPts val="1200"/>
+              </a:spcBef>
+              <a:spcAft>
+                <a:spcPts val="0"/>
+              </a:spcAft>
+              <a:buNone/>
+            </a:pPr>
+            <a:r>
+              <a:rPr lang="en" dirty="0"/>
+              <a:t>		</a:t>
+            </a:r>
+            <a:endParaRPr dirty="0"/>
+          </a:p>
+          <a:p>
+            <a:pPr marL="914400" lvl="1" indent="-250825" algn="l" rtl="0">
+              <a:spcBef>
+                <a:spcPts val="1200"/>
+              </a:spcBef>
+              <a:spcAft>
+                <a:spcPts val="0"/>
+              </a:spcAft>
+              <a:buSzPct val="100000"/>
+              <a:buChar char="-"/>
+            </a:pPr>
+            <a:endParaRPr dirty="0"/>
+          </a:p>
+        </p:txBody>
+      </p:sp>
+    </p:spTree>
+    <p:extLst>
+      <p:ext uri="{BB962C8B-B14F-4D97-AF65-F5344CB8AC3E}">
+        <p14:creationId xmlns:p14="http://schemas.microsoft.com/office/powerpoint/2010/main" val="3385398838"/>
+      </p:ext>
+    </p:extLst>
+  </p:cSld>
+  <p:clrMapOvr>
+    <a:masterClrMapping/>
+  </p:clrMapOvr>
+  <p:timing>
+    <p:tnLst>
+      <p:par>
+        <p:cTn id="1" dur="indefinite" restart="never" nodeType="tmRoot"/>
+      </p:par>
+    </p:tnLst>
+  </p:timing>
+</p:sld>
+</file>
+
+<file path=ppt/slides/slide35.xml><?xml version="1.0" encoding="utf-8"?>
+<p:sld xmlns:a="http://schemas.openxmlformats.org/drawingml/2006/main" xmlns:r="http://schemas.openxmlformats.org/officeDocument/2006/relationships" xmlns:p="http://schemas.openxmlformats.org/presentationml/2006/main">
+  <p:cSld>
+    <p:spTree>
+      <p:nvGrpSpPr>
+        <p:cNvPr id="1" name=""/>
+        <p:cNvGrpSpPr/>
+        <p:nvPr/>
+      </p:nvGrpSpPr>
+      <p:grpSpPr>
+        <a:xfrm>
+          <a:off x="0" y="0"/>
+          <a:ext cx="0" cy="0"/>
+          <a:chOff x="0" y="0"/>
+          <a:chExt cx="0" cy="0"/>
+        </a:xfrm>
+      </p:grpSpPr>
+      <p:sp>
+        <p:nvSpPr>
+          <p:cNvPr id="2" name="Заголовок 1"/>
+          <p:cNvSpPr>
+            <a:spLocks noGrp="1"/>
+          </p:cNvSpPr>
+          <p:nvPr>
+            <p:ph type="title"/>
+          </p:nvPr>
+        </p:nvSpPr>
+        <p:spPr/>
+        <p:txBody>
+          <a:bodyPr>
+            <a:normAutofit fontScale="90000"/>
+          </a:bodyPr>
+          <a:lstStyle/>
+          <a:p>
+            <a:r>
+              <a:rPr lang="ru-RU" dirty="0" smtClean="0"/>
+              <a:t>Выполнение задач Спринт 3</a:t>
+            </a:r>
+            <a:r>
+              <a:rPr lang="en-US" dirty="0" smtClean="0"/>
+              <a:t>:</a:t>
+            </a:r>
+            <a:endParaRPr lang="ru-RU" dirty="0"/>
+          </a:p>
+        </p:txBody>
+      </p:sp>
+      <p:pic>
+        <p:nvPicPr>
+          <p:cNvPr id="4" name="Рисунок 3"/>
+          <p:cNvPicPr>
+            <a:picLocks noChangeAspect="1"/>
+          </p:cNvPicPr>
+          <p:nvPr/>
+        </p:nvPicPr>
+        <p:blipFill>
+          <a:blip r:embed="rId2"/>
+          <a:stretch>
+            <a:fillRect/>
+          </a:stretch>
+        </p:blipFill>
+        <p:spPr>
+          <a:xfrm>
+            <a:off x="532438" y="1017725"/>
+            <a:ext cx="8321172" cy="3288057"/>
+          </a:xfrm>
+          <a:prstGeom prst="rect">
+            <a:avLst/>
+          </a:prstGeom>
+        </p:spPr>
+      </p:pic>
+      <p:sp>
+        <p:nvSpPr>
+          <p:cNvPr id="3" name="Текст 2"/>
+          <p:cNvSpPr>
+            <a:spLocks noGrp="1"/>
+          </p:cNvSpPr>
+          <p:nvPr>
+            <p:ph type="body" idx="1"/>
+          </p:nvPr>
+        </p:nvSpPr>
+        <p:spPr/>
+        <p:txBody>
+          <a:bodyPr/>
+          <a:lstStyle/>
+          <a:p>
+            <a:endParaRPr lang="ru-RU" dirty="0"/>
+          </a:p>
+        </p:txBody>
+      </p:sp>
+    </p:spTree>
+    <p:extLst>
+      <p:ext uri="{BB962C8B-B14F-4D97-AF65-F5344CB8AC3E}">
+        <p14:creationId xmlns:p14="http://schemas.microsoft.com/office/powerpoint/2010/main" val="1157328039"/>
+      </p:ext>
+    </p:extLst>
+  </p:cSld>
+  <p:clrMapOvr>
+    <a:masterClrMapping/>
+  </p:clrMapOvr>
+  <p:timing>
+    <p:tnLst>
+      <p:par>
+        <p:cTn id="1" dur="indefinite" restart="never" nodeType="tmRoot"/>
+      </p:par>
+    </p:tnLst>
+  </p:timing>
+</p:sld>
+</file>
+
+<file path=ppt/slides/slide36.xml><?xml version="1.0" encoding="utf-8"?>
+<p:sld xmlns:a="http://schemas.openxmlformats.org/drawingml/2006/main" xmlns:r="http://schemas.openxmlformats.org/officeDocument/2006/relationships" xmlns:p="http://schemas.openxmlformats.org/presentationml/2006/main">
+  <p:cSld>
+    <p:spTree>
+      <p:nvGrpSpPr>
+        <p:cNvPr id="1" name=""/>
+        <p:cNvGrpSpPr/>
+        <p:nvPr/>
+      </p:nvGrpSpPr>
+      <p:grpSpPr>
+        <a:xfrm>
+          <a:off x="0" y="0"/>
+          <a:ext cx="0" cy="0"/>
+          <a:chOff x="0" y="0"/>
+          <a:chExt cx="0" cy="0"/>
+        </a:xfrm>
+      </p:grpSpPr>
+      <p:sp>
+        <p:nvSpPr>
+          <p:cNvPr id="2" name="Заголовок 1"/>
+          <p:cNvSpPr>
+            <a:spLocks noGrp="1"/>
+          </p:cNvSpPr>
+          <p:nvPr>
+            <p:ph type="title"/>
+          </p:nvPr>
+        </p:nvSpPr>
+        <p:spPr>
+          <a:xfrm>
+            <a:off x="272230" y="122682"/>
+            <a:ext cx="8520600" cy="572700"/>
+          </a:xfrm>
+        </p:spPr>
+        <p:txBody>
+          <a:bodyPr>
+            <a:normAutofit fontScale="90000"/>
+          </a:bodyPr>
+          <a:lstStyle/>
+          <a:p>
+            <a:r>
+              <a:rPr lang="ru-RU" dirty="0" smtClean="0"/>
+              <a:t>Текущий интерфейс</a:t>
+            </a:r>
+            <a:r>
+              <a:rPr lang="en-US" dirty="0" smtClean="0"/>
+              <a:t>:</a:t>
+            </a:r>
+            <a:endParaRPr lang="ru-RU" dirty="0"/>
+          </a:p>
+        </p:txBody>
+      </p:sp>
+      <p:pic>
+        <p:nvPicPr>
+          <p:cNvPr id="5" name="Рисунок 4"/>
+          <p:cNvPicPr>
+            <a:picLocks noChangeAspect="1"/>
+          </p:cNvPicPr>
+          <p:nvPr/>
+        </p:nvPicPr>
+        <p:blipFill>
+          <a:blip r:embed="rId2"/>
+          <a:stretch>
+            <a:fillRect/>
+          </a:stretch>
+        </p:blipFill>
+        <p:spPr>
+          <a:xfrm>
+            <a:off x="338014" y="695382"/>
+            <a:ext cx="5831862" cy="2843806"/>
+          </a:xfrm>
+          <a:prstGeom prst="rect">
+            <a:avLst/>
+          </a:prstGeom>
+        </p:spPr>
+      </p:pic>
+      <p:pic>
+        <p:nvPicPr>
+          <p:cNvPr id="6" name="Рисунок 5"/>
+          <p:cNvPicPr>
+            <a:picLocks noChangeAspect="1"/>
+          </p:cNvPicPr>
+          <p:nvPr/>
+        </p:nvPicPr>
+        <p:blipFill>
+          <a:blip r:embed="rId3"/>
+          <a:stretch>
+            <a:fillRect/>
+          </a:stretch>
+        </p:blipFill>
+        <p:spPr>
+          <a:xfrm>
+            <a:off x="2839437" y="1788160"/>
+            <a:ext cx="6170140" cy="3098161"/>
+          </a:xfrm>
+          <a:prstGeom prst="rect">
+            <a:avLst/>
+          </a:prstGeom>
+        </p:spPr>
+      </p:pic>
+    </p:spTree>
+    <p:extLst>
+      <p:ext uri="{BB962C8B-B14F-4D97-AF65-F5344CB8AC3E}">
+        <p14:creationId xmlns:p14="http://schemas.microsoft.com/office/powerpoint/2010/main" val="738646876"/>
+      </p:ext>
+    </p:extLst>
+  </p:cSld>
+  <p:clrMapOvr>
+    <a:masterClrMapping/>
+  </p:clrMapOvr>
+  <p:timing>
+    <p:tnLst>
+      <p:par>
+        <p:cTn id="1" dur="indefinite" restart="never" nodeType="tmRoot"/>
+      </p:par>
+    </p:tnLst>
+  </p:timing>
+</p:sld>
+</file>
+
+<file path=ppt/slides/slide37.xml><?xml version="1.0" encoding="utf-8"?>
+<p:sld xmlns:a="http://schemas.openxmlformats.org/drawingml/2006/main" xmlns:r="http://schemas.openxmlformats.org/officeDocument/2006/relationships" xmlns:p="http://schemas.openxmlformats.org/presentationml/2006/main">
+  <p:cSld>
+    <p:spTree>
+      <p:nvGrpSpPr>
+        <p:cNvPr id="1" name=""/>
+        <p:cNvGrpSpPr/>
+        <p:nvPr/>
+      </p:nvGrpSpPr>
+      <p:grpSpPr>
+        <a:xfrm>
+          <a:off x="0" y="0"/>
+          <a:ext cx="0" cy="0"/>
+          <a:chOff x="0" y="0"/>
+          <a:chExt cx="0" cy="0"/>
+        </a:xfrm>
+      </p:grpSpPr>
+      <p:sp>
+        <p:nvSpPr>
+          <p:cNvPr id="2" name="Заголовок 1"/>
+          <p:cNvSpPr>
+            <a:spLocks noGrp="1"/>
+          </p:cNvSpPr>
+          <p:nvPr>
+            <p:ph type="title"/>
+          </p:nvPr>
+        </p:nvSpPr>
+        <p:spPr>
+          <a:xfrm>
+            <a:off x="311700" y="213532"/>
+            <a:ext cx="8520600" cy="572700"/>
+          </a:xfrm>
+        </p:spPr>
+        <p:txBody>
+          <a:bodyPr>
+            <a:normAutofit fontScale="90000"/>
+          </a:bodyPr>
+          <a:lstStyle/>
+          <a:p>
+            <a:r>
+              <a:rPr lang="ru-RU" dirty="0" smtClean="0"/>
+              <a:t>Тестирование</a:t>
+            </a:r>
+            <a:r>
+              <a:rPr lang="en-US" dirty="0" smtClean="0"/>
+              <a:t>:</a:t>
+            </a:r>
+            <a:endParaRPr lang="ru-RU" dirty="0"/>
+          </a:p>
+        </p:txBody>
+      </p:sp>
+      <p:pic>
+        <p:nvPicPr>
+          <p:cNvPr id="4" name="Рисунок 3"/>
+          <p:cNvPicPr>
+            <a:picLocks noChangeAspect="1"/>
+          </p:cNvPicPr>
+          <p:nvPr/>
+        </p:nvPicPr>
+        <p:blipFill rotWithShape="1">
+          <a:blip r:embed="rId2"/>
+          <a:srcRect l="1" t="14179" r="-476"/>
+          <a:stretch/>
+        </p:blipFill>
+        <p:spPr>
+          <a:xfrm>
+            <a:off x="0" y="786232"/>
+            <a:ext cx="8738886" cy="4063254"/>
+          </a:xfrm>
+          <a:prstGeom prst="rect">
+            <a:avLst/>
+          </a:prstGeom>
+        </p:spPr>
+      </p:pic>
+    </p:spTree>
+    <p:extLst>
+      <p:ext uri="{BB962C8B-B14F-4D97-AF65-F5344CB8AC3E}">
+        <p14:creationId xmlns:p14="http://schemas.microsoft.com/office/powerpoint/2010/main" val="551462606"/>
+      </p:ext>
+    </p:extLst>
+  </p:cSld>
+  <p:clrMapOvr>
+    <a:masterClrMapping/>
+  </p:clrMapOvr>
+</p:sld>
+</file>
+
+<file path=ppt/slides/slide38.xml><?xml version="1.0" encoding="utf-8"?>
+<p:sld xmlns:a="http://schemas.openxmlformats.org/drawingml/2006/main" xmlns:r="http://schemas.openxmlformats.org/officeDocument/2006/relationships" xmlns:p="http://schemas.openxmlformats.org/presentationml/2006/main">
+  <p:cSld>
+    <p:spTree>
+      <p:nvGrpSpPr>
+        <p:cNvPr id="1" name=""/>
+        <p:cNvGrpSpPr/>
+        <p:nvPr/>
+      </p:nvGrpSpPr>
+      <p:grpSpPr>
+        <a:xfrm>
+          <a:off x="0" y="0"/>
+          <a:ext cx="0" cy="0"/>
+          <a:chOff x="0" y="0"/>
+          <a:chExt cx="0" cy="0"/>
+        </a:xfrm>
+      </p:grpSpPr>
+      <p:sp>
+        <p:nvSpPr>
+          <p:cNvPr id="2" name="Заголовок 1"/>
+          <p:cNvSpPr>
+            <a:spLocks noGrp="1"/>
+          </p:cNvSpPr>
+          <p:nvPr>
+            <p:ph type="title"/>
+          </p:nvPr>
+        </p:nvSpPr>
+        <p:spPr/>
+        <p:txBody>
+          <a:bodyPr>
+            <a:normAutofit fontScale="90000"/>
+          </a:bodyPr>
+          <a:lstStyle/>
+          <a:p>
+            <a:endParaRPr lang="ru-RU"/>
+          </a:p>
+        </p:txBody>
+      </p:sp>
+      <p:sp>
+        <p:nvSpPr>
+          <p:cNvPr id="3" name="Текст 2"/>
+          <p:cNvSpPr>
+            <a:spLocks noGrp="1"/>
+          </p:cNvSpPr>
+          <p:nvPr>
+            <p:ph type="body" idx="1"/>
+          </p:nvPr>
+        </p:nvSpPr>
+        <p:spPr/>
+        <p:txBody>
+          <a:bodyPr/>
+          <a:lstStyle/>
+          <a:p>
+            <a:endParaRPr lang="ru-RU"/>
+          </a:p>
+        </p:txBody>
+      </p:sp>
+      <p:pic>
+        <p:nvPicPr>
+          <p:cNvPr id="4" name="Рисунок 3"/>
+          <p:cNvPicPr>
+            <a:picLocks noChangeAspect="1"/>
+          </p:cNvPicPr>
+          <p:nvPr/>
+        </p:nvPicPr>
+        <p:blipFill>
+          <a:blip r:embed="rId2"/>
+          <a:stretch>
+            <a:fillRect/>
+          </a:stretch>
+        </p:blipFill>
+        <p:spPr>
+          <a:xfrm>
+            <a:off x="1298702" y="185196"/>
+            <a:ext cx="6106758" cy="4701384"/>
+          </a:xfrm>
+          <a:prstGeom prst="rect">
+            <a:avLst/>
+          </a:prstGeom>
+        </p:spPr>
+      </p:pic>
+    </p:spTree>
+    <p:extLst>
+      <p:ext uri="{BB962C8B-B14F-4D97-AF65-F5344CB8AC3E}">
+        <p14:creationId xmlns:p14="http://schemas.microsoft.com/office/powerpoint/2010/main" val="3632067081"/>
+      </p:ext>
+    </p:extLst>
+  </p:cSld>
+  <p:clrMapOvr>
+    <a:masterClrMapping/>
+  </p:clrMapOvr>
+</p:sld>
+</file>
+
+<file path=ppt/slides/slide39.xml><?xml version="1.0" encoding="utf-8"?>
+<p:sld xmlns:a="http://schemas.openxmlformats.org/drawingml/2006/main" xmlns:r="http://schemas.openxmlformats.org/officeDocument/2006/relationships" xmlns:p="http://schemas.openxmlformats.org/presentationml/2006/main">
+  <p:cSld>
+    <p:spTree>
+      <p:nvGrpSpPr>
+        <p:cNvPr id="1" name=""/>
+        <p:cNvGrpSpPr/>
+        <p:nvPr/>
+      </p:nvGrpSpPr>
+      <p:grpSpPr>
+        <a:xfrm>
+          <a:off x="0" y="0"/>
+          <a:ext cx="0" cy="0"/>
+          <a:chOff x="0" y="0"/>
+          <a:chExt cx="0" cy="0"/>
+        </a:xfrm>
+      </p:grpSpPr>
+      <p:sp>
+        <p:nvSpPr>
+          <p:cNvPr id="2" name="Заголовок 1"/>
+          <p:cNvSpPr>
+            <a:spLocks noGrp="1"/>
+          </p:cNvSpPr>
+          <p:nvPr>
+            <p:ph type="title"/>
+          </p:nvPr>
+        </p:nvSpPr>
+        <p:spPr>
+          <a:xfrm>
+            <a:off x="311700" y="116104"/>
+            <a:ext cx="8520600" cy="572700"/>
+          </a:xfrm>
+        </p:spPr>
+        <p:txBody>
+          <a:bodyPr>
+            <a:normAutofit fontScale="90000"/>
+          </a:bodyPr>
+          <a:lstStyle/>
+          <a:p>
+            <a:r>
+              <a:rPr lang="ru-RU" sz="2000" b="1" dirty="0"/>
+              <a:t>Подходы</a:t>
+            </a:r>
+            <a:br>
+              <a:rPr lang="ru-RU" sz="2000" b="1" dirty="0"/>
+            </a:br>
+            <a:endParaRPr lang="ru-RU" dirty="0"/>
+          </a:p>
+        </p:txBody>
+      </p:sp>
+      <p:sp>
+        <p:nvSpPr>
+          <p:cNvPr id="3" name="Текст 2"/>
+          <p:cNvSpPr>
+            <a:spLocks noGrp="1"/>
+          </p:cNvSpPr>
+          <p:nvPr>
+            <p:ph type="body" idx="1"/>
+          </p:nvPr>
+        </p:nvSpPr>
+        <p:spPr>
+          <a:xfrm>
+            <a:off x="311700" y="605215"/>
+            <a:ext cx="8520600" cy="4101807"/>
+          </a:xfrm>
+        </p:spPr>
+        <p:txBody>
+          <a:bodyPr>
+            <a:normAutofit fontScale="32500" lnSpcReduction="20000"/>
+          </a:bodyPr>
+          <a:lstStyle/>
+          <a:p>
+            <a:pPr marL="114300" indent="0">
+              <a:buNone/>
+            </a:pPr>
+            <a:r>
+              <a:rPr lang="ru-RU" sz="3200" b="1" dirty="0" smtClean="0"/>
+              <a:t>Дымовое </a:t>
+            </a:r>
+            <a:r>
+              <a:rPr lang="ru-RU" sz="3200" b="1" dirty="0"/>
+              <a:t>тестирование</a:t>
+            </a:r>
+            <a:endParaRPr lang="ru-RU" sz="3200" dirty="0"/>
+          </a:p>
+          <a:p>
+            <a:pPr marL="114300" indent="0">
+              <a:buNone/>
+            </a:pPr>
+            <a:r>
+              <a:rPr lang="ru-RU" sz="3200" dirty="0"/>
+              <a:t>Цель: быстро убедиться в том, что приложение запускается и выполняет основные функции.</a:t>
+            </a:r>
+          </a:p>
+          <a:p>
+            <a:r>
+              <a:rPr lang="ru-RU" sz="3200" dirty="0"/>
+              <a:t>Описание процесса:</a:t>
+            </a:r>
+          </a:p>
+          <a:p>
+            <a:r>
+              <a:rPr lang="ru-RU" sz="3200" dirty="0"/>
+              <a:t>Запуск системы</a:t>
+            </a:r>
+          </a:p>
+          <a:p>
+            <a:r>
+              <a:rPr lang="ru-RU" sz="3200" dirty="0"/>
+              <a:t>Выбор шаблона</a:t>
+            </a:r>
+          </a:p>
+          <a:p>
+            <a:r>
+              <a:rPr lang="ru-RU" sz="3200" dirty="0"/>
+              <a:t>Заполнение шаблона</a:t>
+            </a:r>
+          </a:p>
+          <a:p>
+            <a:r>
+              <a:rPr lang="ru-RU" sz="3200" dirty="0"/>
+              <a:t>Сохранение </a:t>
+            </a:r>
+            <a:r>
+              <a:rPr lang="ru-RU" sz="3200" dirty="0" smtClean="0"/>
+              <a:t>шаблона</a:t>
+            </a:r>
+            <a:endParaRPr lang="en-US" sz="3200" dirty="0" smtClean="0"/>
+          </a:p>
+          <a:p>
+            <a:endParaRPr lang="ru-RU" sz="3200" dirty="0"/>
+          </a:p>
+          <a:p>
+            <a:pPr marL="114300" indent="0">
+              <a:buNone/>
+            </a:pPr>
+            <a:r>
+              <a:rPr lang="ru-RU" sz="3200" b="1" dirty="0"/>
+              <a:t>Регрессионное тестирование</a:t>
+            </a:r>
+            <a:endParaRPr lang="ru-RU" sz="3200" dirty="0"/>
+          </a:p>
+          <a:p>
+            <a:pPr marL="114300" indent="0">
+              <a:buNone/>
+            </a:pPr>
+            <a:r>
+              <a:rPr lang="ru-RU" sz="3200" dirty="0"/>
+              <a:t>Цель: подтвердить, что существующая ранее исправная функциональность работает как и раньше.</a:t>
+            </a:r>
+          </a:p>
+          <a:p>
+            <a:r>
+              <a:rPr lang="ru-RU" sz="3200" dirty="0"/>
+              <a:t>Описание процесса:</a:t>
+            </a:r>
+          </a:p>
+          <a:p>
+            <a:r>
+              <a:rPr lang="ru-RU" sz="3200" dirty="0"/>
+              <a:t>Проверка предыдущих чек-листов, что прошли </a:t>
+            </a:r>
+            <a:r>
+              <a:rPr lang="ru-RU" sz="3200" dirty="0" smtClean="0"/>
+              <a:t>тест</a:t>
+            </a:r>
+            <a:endParaRPr lang="en-US" sz="3200" dirty="0" smtClean="0"/>
+          </a:p>
+          <a:p>
+            <a:pPr marL="114300" indent="0">
+              <a:buNone/>
+            </a:pPr>
+            <a:endParaRPr lang="ru-RU" sz="3200" dirty="0"/>
+          </a:p>
+          <a:p>
+            <a:pPr marL="114300" indent="0">
+              <a:buNone/>
+            </a:pPr>
+            <a:r>
+              <a:rPr lang="ru-RU" sz="3200" b="1" dirty="0"/>
+              <a:t>Функциональное тестирование</a:t>
+            </a:r>
+            <a:r>
+              <a:rPr lang="ru-RU" sz="3200" dirty="0"/>
+              <a:t>.</a:t>
+            </a:r>
+          </a:p>
+          <a:p>
+            <a:pPr marL="114300" indent="0">
+              <a:buNone/>
+            </a:pPr>
+            <a:r>
+              <a:rPr lang="ru-RU" sz="3200" dirty="0"/>
+              <a:t>Цель: выявление функциональных ошибок, несоответствий ТЗ и ожиданиям пользователя путем реализации стандартных, а также нетривиальных тестовых сценариев.</a:t>
+            </a:r>
+          </a:p>
+          <a:p>
+            <a:r>
+              <a:rPr lang="ru-RU" sz="3200" dirty="0"/>
+              <a:t>Описание процесса:</a:t>
+            </a:r>
+          </a:p>
+          <a:p>
+            <a:r>
+              <a:rPr lang="ru-RU" sz="3200" dirty="0"/>
+              <a:t>Создание документа по шаблону</a:t>
+            </a:r>
+          </a:p>
+          <a:p>
+            <a:r>
+              <a:rPr lang="ru-RU" sz="3200" dirty="0"/>
+              <a:t>Хранение шаблона в базе данных</a:t>
+            </a:r>
+          </a:p>
+          <a:p>
+            <a:r>
+              <a:rPr lang="ru-RU" sz="3200" dirty="0"/>
+              <a:t>Хранение готовых документов</a:t>
+            </a:r>
+          </a:p>
+          <a:p>
+            <a:r>
+              <a:rPr lang="ru-RU" sz="3200" dirty="0"/>
+              <a:t>Преобразование формата (</a:t>
+            </a:r>
+            <a:r>
+              <a:rPr lang="en-US" sz="3200" dirty="0"/>
+              <a:t>xml</a:t>
+            </a:r>
+            <a:r>
+              <a:rPr lang="ru-RU" sz="3200" dirty="0"/>
+              <a:t> &lt;--&gt; </a:t>
+            </a:r>
+            <a:r>
+              <a:rPr lang="en-US" sz="3200" dirty="0"/>
+              <a:t>doc</a:t>
+            </a:r>
+            <a:r>
+              <a:rPr lang="ru-RU" sz="3200" dirty="0"/>
+              <a:t>)</a:t>
+            </a:r>
+          </a:p>
+          <a:p>
+            <a:r>
+              <a:rPr lang="ru-RU" sz="3200" dirty="0"/>
+              <a:t>Загрузка пользовательских шаблонов в базу данных</a:t>
+            </a:r>
+          </a:p>
+          <a:p>
+            <a:r>
+              <a:rPr lang="ru-RU" sz="3200" dirty="0"/>
+              <a:t>Выбор шаблона по категориям</a:t>
+            </a:r>
+          </a:p>
+          <a:p>
+            <a:r>
+              <a:rPr lang="ru-RU" sz="3200" dirty="0"/>
+              <a:t>Добавление пользовательских категорий</a:t>
+            </a:r>
+          </a:p>
+          <a:p>
+            <a:r>
+              <a:rPr lang="ru-RU" sz="3200" dirty="0"/>
+              <a:t>Удаление пользовательских категорий</a:t>
+            </a:r>
+          </a:p>
+          <a:p>
+            <a:r>
+              <a:rPr lang="ru-RU" sz="3200" dirty="0"/>
+              <a:t>Извлечение полей из загружаемого в систему файла для формирования шаблона</a:t>
+            </a:r>
+          </a:p>
+          <a:p>
+            <a:r>
+              <a:rPr lang="ru-RU" sz="3200" dirty="0"/>
+              <a:t>Поддержка </a:t>
+            </a:r>
+            <a:r>
+              <a:rPr lang="en-US" sz="3200" dirty="0"/>
+              <a:t>GUI</a:t>
+            </a:r>
+            <a:r>
+              <a:rPr lang="en-US" sz="3200" b="1" dirty="0"/>
+              <a:t> </a:t>
+            </a:r>
+            <a:endParaRPr lang="ru-RU" sz="3200" dirty="0"/>
+          </a:p>
+          <a:p>
+            <a:endParaRPr lang="ru-RU" dirty="0"/>
+          </a:p>
+        </p:txBody>
+      </p:sp>
+    </p:spTree>
+    <p:extLst>
+      <p:ext uri="{BB962C8B-B14F-4D97-AF65-F5344CB8AC3E}">
+        <p14:creationId xmlns:p14="http://schemas.microsoft.com/office/powerpoint/2010/main" val="2061774030"/>
+      </p:ext>
+    </p:extLst>
   </p:cSld>
   <p:clrMapOvr>
     <a:masterClrMapping/>
@@ -12522,10 +15451,10 @@
               <a:buNone/>
             </a:pPr>
             <a:r>
-              <a:rPr lang="en" b="1"/>
+              <a:rPr lang="en" b="1" dirty="0"/>
               <a:t>Назначение разработки, актуальность, универсальность системы:</a:t>
             </a:r>
-            <a:endParaRPr b="1"/>
+            <a:endParaRPr b="1" dirty="0"/>
           </a:p>
           <a:p>
             <a:pPr marL="0" lvl="0" indent="0" algn="l" rtl="0">
@@ -12546,14 +15475,14 @@
               <a:buNone/>
             </a:pPr>
             <a:r>
-              <a:rPr lang="en" sz="1425">
+              <a:rPr lang="en" sz="1425" dirty="0">
                 <a:solidFill>
                   <a:schemeClr val="dk1"/>
                 </a:solidFill>
               </a:rPr>
               <a:t>Довольно часто возникает необходимость создания официальных документов. Видов документов существует очень много, например, заявления, договоры, акты, отчёты и прочее. Большинство этих документов имеют чётко определённую, или даже стандартизованную, структуру, поэтому зачастую нет нужды формировать их с нуля. Достаточно один раз создать шаблон документа, а затем лишь наполнять его необходимыми данными.</a:t>
             </a:r>
-            <a:endParaRPr sz="1425">
+            <a:endParaRPr sz="1425" dirty="0">
               <a:solidFill>
                 <a:schemeClr val="dk1"/>
               </a:solidFill>
@@ -12578,14 +15507,30 @@
               <a:buNone/>
             </a:pPr>
             <a:r>
-              <a:rPr lang="en" sz="1425">
+              <a:rPr lang="ru-RU" sz="1425" dirty="0">
                 <a:solidFill>
                   <a:schemeClr val="dk1"/>
                 </a:solidFill>
               </a:rPr>
-              <a:t>Информационная система «Документли» – система автоматизации документооборота, позволит пользователям по выбранному шаблону получать готовые документы, заполняя при этом только содержательные данные. При этом пользователю не нужно обладать навыками работы с Microsoft Office.</a:t>
-            </a:r>
-            <a:endParaRPr sz="1425">
+              <a:t>С</a:t>
+            </a:r>
+            <a:r>
+              <a:rPr lang="en" sz="1425" dirty="0" smtClean="0">
+                <a:solidFill>
+                  <a:schemeClr val="dk1"/>
+                </a:solidFill>
+              </a:rPr>
+              <a:t>истема </a:t>
+            </a:r>
+            <a:r>
+              <a:rPr lang="en" sz="1425" dirty="0">
+                <a:solidFill>
+                  <a:schemeClr val="dk1"/>
+                </a:solidFill>
+              </a:rPr>
+              <a:t>автоматизации документооборота, позволит пользователям по выбранному шаблону получать готовые документы, заполняя при этом только содержательные данные. При этом пользователю не нужно обладать навыками работы с Microsoft Office.</a:t>
+            </a:r>
+            <a:endParaRPr sz="1425" dirty="0">
               <a:solidFill>
                 <a:schemeClr val="dk1"/>
               </a:solidFill>
@@ -12610,7 +15555,7 @@
               <a:buNone/>
             </a:pPr>
             <a:r>
-              <a:rPr lang="en" sz="1425" b="1">
+              <a:rPr lang="en" sz="1425" b="1" dirty="0">
                 <a:solidFill>
                   <a:schemeClr val="dk1"/>
                 </a:solidFill>
@@ -12618,14 +15563,14 @@
               <a:t>Данная система отличается от аналогичных систем следующими особенностями</a:t>
             </a:r>
             <a:r>
-              <a:rPr lang="en" sz="1425">
+              <a:rPr lang="en" sz="1425" dirty="0">
                 <a:solidFill>
                   <a:schemeClr val="dk1"/>
                 </a:solidFill>
               </a:rPr>
               <a:t>:</a:t>
             </a:r>
-            <a:endParaRPr sz="1425">
+            <a:endParaRPr sz="1425" dirty="0">
               <a:solidFill>
                 <a:schemeClr val="dk1"/>
               </a:solidFill>
@@ -12649,14 +15594,14 @@
               <a:buChar char="●"/>
             </a:pPr>
             <a:r>
-              <a:rPr lang="en" sz="1425">
+              <a:rPr lang="en" sz="1425" dirty="0">
                 <a:solidFill>
                   <a:schemeClr val="dk1"/>
                 </a:solidFill>
               </a:rPr>
               <a:t>Встроенная коллекция шаблонов, освобождающая от необходимости подготавливать их самостоятельно</a:t>
             </a:r>
-            <a:endParaRPr sz="1425">
+            <a:endParaRPr sz="1425" dirty="0">
               <a:solidFill>
                 <a:schemeClr val="dk1"/>
               </a:solidFill>
@@ -12680,14 +15625,14 @@
               <a:buChar char="●"/>
             </a:pPr>
             <a:r>
-              <a:rPr lang="en" sz="1425">
+              <a:rPr lang="en" sz="1425" dirty="0">
                 <a:solidFill>
                   <a:schemeClr val="dk1"/>
                 </a:solidFill>
               </a:rPr>
               <a:t>Поддержка большого количества форматов выходных данных</a:t>
             </a:r>
-            <a:endParaRPr sz="1425">
+            <a:endParaRPr sz="1425" dirty="0">
               <a:solidFill>
                 <a:schemeClr val="dk1"/>
               </a:solidFill>
@@ -12711,14 +15656,14 @@
               <a:buChar char="●"/>
             </a:pPr>
             <a:r>
-              <a:rPr lang="en" sz="1425">
+              <a:rPr lang="en" sz="1425" dirty="0">
                 <a:solidFill>
                   <a:schemeClr val="dk1"/>
                 </a:solidFill>
               </a:rPr>
               <a:t>Встроенный учёт шаблонов</a:t>
             </a:r>
-            <a:endParaRPr sz="1425">
+            <a:endParaRPr sz="1425" dirty="0">
               <a:solidFill>
                 <a:schemeClr val="dk1"/>
               </a:solidFill>
@@ -12742,14 +15687,14 @@
               <a:buChar char="●"/>
             </a:pPr>
             <a:r>
-              <a:rPr lang="en" sz="1425">
+              <a:rPr lang="en" sz="1425" dirty="0">
                 <a:solidFill>
                   <a:schemeClr val="dk1"/>
                 </a:solidFill>
               </a:rPr>
               <a:t>Бесплатная лицензия</a:t>
             </a:r>
-            <a:endParaRPr sz="1425">
+            <a:endParaRPr sz="1425" dirty="0">
               <a:solidFill>
                 <a:schemeClr val="dk1"/>
               </a:solidFill>
@@ -12773,14 +15718,14 @@
               <a:buChar char="●"/>
             </a:pPr>
             <a:r>
-              <a:rPr lang="en" sz="1425">
+              <a:rPr lang="en" sz="1425" dirty="0">
                 <a:solidFill>
                   <a:schemeClr val="dk1"/>
                 </a:solidFill>
               </a:rPr>
               <a:t>Кроссплатформенность </a:t>
             </a:r>
-            <a:endParaRPr sz="1425">
+            <a:endParaRPr sz="1425" dirty="0">
               <a:solidFill>
                 <a:schemeClr val="dk1"/>
               </a:solidFill>
@@ -12804,14 +15749,14 @@
               <a:buChar char="●"/>
             </a:pPr>
             <a:r>
-              <a:rPr lang="en" sz="1425">
+              <a:rPr lang="en" sz="1425" dirty="0">
                 <a:solidFill>
                   <a:schemeClr val="dk1"/>
                 </a:solidFill>
               </a:rPr>
               <a:t>Поддержка полного цикла с создания шаблона до готового документа</a:t>
             </a:r>
-            <a:endParaRPr sz="1425">
+            <a:endParaRPr sz="1425" dirty="0">
               <a:solidFill>
                 <a:schemeClr val="dk1"/>
               </a:solidFill>
@@ -12835,14 +15780,14 @@
               <a:buChar char="●"/>
             </a:pPr>
             <a:r>
-              <a:rPr lang="en" sz="1425">
+              <a:rPr lang="en" sz="1425" dirty="0">
                 <a:solidFill>
                   <a:schemeClr val="dk1"/>
                 </a:solidFill>
               </a:rPr>
               <a:t>Встроенный редактор шаблонов </a:t>
             </a:r>
-            <a:endParaRPr sz="1425">
+            <a:endParaRPr sz="1425" dirty="0">
               <a:solidFill>
                 <a:schemeClr val="dk1"/>
               </a:solidFill>
@@ -12866,14 +15811,46 @@
               <a:buChar char="●"/>
             </a:pPr>
             <a:r>
-              <a:rPr lang="en" sz="1425">
+              <a:rPr lang="en" sz="1425" dirty="0" smtClean="0">
                 <a:solidFill>
                   <a:schemeClr val="dk1"/>
                 </a:solidFill>
               </a:rPr>
-              <a:t>Создание, хранение и редактирование шаблонов</a:t>
-            </a:r>
-            <a:endParaRPr sz="1425">
+              <a:t>Создание</a:t>
+            </a:r>
+            <a:r>
+              <a:rPr lang="ru-RU" sz="1425" dirty="0" smtClean="0">
+                <a:solidFill>
+                  <a:schemeClr val="dk1"/>
+                </a:solidFill>
+              </a:rPr>
+              <a:t> и</a:t>
+            </a:r>
+            <a:r>
+              <a:rPr lang="en" sz="1425" dirty="0" smtClean="0">
+                <a:solidFill>
+                  <a:schemeClr val="dk1"/>
+                </a:solidFill>
+              </a:rPr>
+              <a:t> </a:t>
+            </a:r>
+            <a:r>
+              <a:rPr lang="en" sz="1425" dirty="0">
+                <a:solidFill>
+                  <a:schemeClr val="dk1"/>
+                </a:solidFill>
+              </a:rPr>
+              <a:t>хранение </a:t>
+            </a:r>
+            <a:r>
+              <a:rPr lang="en" sz="1425" dirty="0" smtClean="0">
+                <a:solidFill>
+                  <a:schemeClr val="dk1"/>
+                </a:solidFill>
+              </a:rPr>
+              <a:t>шаблонов</a:t>
+            </a:r>
+            <a:endParaRPr sz="1425" dirty="0">
               <a:solidFill>
                 <a:schemeClr val="dk1"/>
               </a:solidFill>
@@ -12889,11 +15866,96 @@
               </a:spcAft>
               <a:buNone/>
             </a:pPr>
-            <a:endParaRPr b="1"/>
+            <a:endParaRPr b="1" dirty="0"/>
           </a:p>
         </p:txBody>
       </p:sp>
     </p:spTree>
+  </p:cSld>
+  <p:clrMapOvr>
+    <a:masterClrMapping/>
+  </p:clrMapOvr>
+  <p:timing>
+    <p:tnLst>
+      <p:par>
+        <p:cTn id="1" dur="indefinite" restart="never" nodeType="tmRoot"/>
+      </p:par>
+    </p:tnLst>
+  </p:timing>
+</p:sld>
+</file>
+
+<file path=ppt/slides/slide40.xml><?xml version="1.0" encoding="utf-8"?>
+<p:sld xmlns:a="http://schemas.openxmlformats.org/drawingml/2006/main" xmlns:r="http://schemas.openxmlformats.org/officeDocument/2006/relationships" xmlns:p="http://schemas.openxmlformats.org/presentationml/2006/main">
+  <p:cSld>
+    <p:spTree>
+      <p:nvGrpSpPr>
+        <p:cNvPr id="1" name=""/>
+        <p:cNvGrpSpPr/>
+        <p:nvPr/>
+      </p:nvGrpSpPr>
+      <p:grpSpPr>
+        <a:xfrm>
+          <a:off x="0" y="0"/>
+          <a:ext cx="0" cy="0"/>
+          <a:chOff x="0" y="0"/>
+          <a:chExt cx="0" cy="0"/>
+        </a:xfrm>
+      </p:grpSpPr>
+      <p:pic>
+        <p:nvPicPr>
+          <p:cNvPr id="4" name="Рисунок 3"/>
+          <p:cNvPicPr>
+            <a:picLocks noChangeAspect="1"/>
+          </p:cNvPicPr>
+          <p:nvPr/>
+        </p:nvPicPr>
+        <p:blipFill>
+          <a:blip r:embed="rId2"/>
+          <a:stretch>
+            <a:fillRect/>
+          </a:stretch>
+        </p:blipFill>
+        <p:spPr>
+          <a:xfrm>
+            <a:off x="453813" y="0"/>
+            <a:ext cx="5111528" cy="1562721"/>
+          </a:xfrm>
+          <a:prstGeom prst="rect">
+            <a:avLst/>
+          </a:prstGeom>
+        </p:spPr>
+      </p:pic>
+      <p:pic>
+        <p:nvPicPr>
+          <p:cNvPr id="5" name="Рисунок 4"/>
+          <p:cNvPicPr>
+            <a:picLocks noChangeAspect="1"/>
+          </p:cNvPicPr>
+          <p:nvPr/>
+        </p:nvPicPr>
+        <p:blipFill>
+          <a:blip r:embed="rId3"/>
+          <a:stretch>
+            <a:fillRect/>
+          </a:stretch>
+        </p:blipFill>
+        <p:spPr>
+          <a:xfrm>
+            <a:off x="513018" y="1434095"/>
+            <a:ext cx="4348101" cy="3469229"/>
+          </a:xfrm>
+          <a:prstGeom prst="rect">
+            <a:avLst/>
+          </a:prstGeom>
+        </p:spPr>
+      </p:pic>
+    </p:spTree>
+    <p:extLst>
+      <p:ext uri="{BB962C8B-B14F-4D97-AF65-F5344CB8AC3E}">
+        <p14:creationId xmlns:p14="http://schemas.microsoft.com/office/powerpoint/2010/main" val="3642713757"/>
+      </p:ext>
+    </p:extLst>
   </p:cSld>
   <p:clrMapOvr>
     <a:masterClrMapping/>
@@ -12953,10 +16015,10 @@
               <a:buNone/>
             </a:pPr>
             <a:r>
-              <a:rPr lang="en" sz="1600" b="1"/>
+              <a:rPr lang="en" sz="1600" b="1" dirty="0"/>
               <a:t>Требования к программе</a:t>
             </a:r>
-            <a:endParaRPr sz="1600" b="1"/>
+            <a:endParaRPr sz="1600" b="1" dirty="0"/>
           </a:p>
           <a:p>
             <a:pPr marL="0" lvl="0" indent="457200" algn="l" rtl="0">
@@ -12972,10 +16034,10 @@
               <a:buNone/>
             </a:pPr>
             <a:r>
-              <a:rPr lang="en" sz="1200" b="1"/>
+              <a:rPr lang="en" sz="1200" b="1" dirty="0"/>
               <a:t>Требования к составу выполняемых функций:</a:t>
             </a:r>
-            <a:endParaRPr sz="1200" b="1"/>
+            <a:endParaRPr sz="1200" b="1" dirty="0"/>
           </a:p>
           <a:p>
             <a:pPr marL="914400" lvl="0" indent="-304800" algn="l" rtl="0">
@@ -12995,14 +16057,14 @@
               <a:buAutoNum type="arabicPeriod"/>
             </a:pPr>
             <a:r>
-              <a:rPr lang="en" sz="1200">
+              <a:rPr lang="en" sz="1200" dirty="0">
                 <a:solidFill>
                   <a:schemeClr val="dk1"/>
                 </a:solidFill>
               </a:rPr>
               <a:t>Создание документа по шаблону.   </a:t>
             </a:r>
-            <a:endParaRPr sz="1200">
+            <a:endParaRPr sz="1200" dirty="0">
               <a:solidFill>
                 <a:schemeClr val="dk1"/>
               </a:solidFill>
@@ -13026,14 +16088,14 @@
               <a:buAutoNum type="arabicPeriod"/>
             </a:pPr>
             <a:r>
-              <a:rPr lang="en" sz="1200">
+              <a:rPr lang="en" sz="1200" dirty="0">
                 <a:solidFill>
                   <a:schemeClr val="dk1"/>
                 </a:solidFill>
               </a:rPr>
               <a:t>Создание шаблона средствами системы.    </a:t>
             </a:r>
-            <a:endParaRPr sz="1200">
+            <a:endParaRPr sz="1200" dirty="0">
               <a:solidFill>
                 <a:schemeClr val="dk1"/>
               </a:solidFill>
@@ -13057,14 +16119,14 @@
               <a:buAutoNum type="arabicPeriod"/>
             </a:pPr>
             <a:r>
-              <a:rPr lang="en" sz="1200">
+              <a:rPr lang="en" sz="1200" dirty="0">
                 <a:solidFill>
                   <a:schemeClr val="dk1"/>
                 </a:solidFill>
               </a:rPr>
               <a:t>Хранение шаблонов в базе данных</a:t>
             </a:r>
-            <a:endParaRPr sz="1200">
+            <a:endParaRPr sz="1200" dirty="0">
               <a:solidFill>
                 <a:schemeClr val="dk1"/>
               </a:solidFill>
@@ -13088,14 +16150,22 @@
               <a:buAutoNum type="arabicPeriod"/>
             </a:pPr>
             <a:r>
-              <a:rPr lang="en" sz="1200">
+              <a:rPr lang="en" sz="1200" dirty="0" smtClean="0">
                 <a:solidFill>
                   <a:schemeClr val="dk1"/>
                 </a:solidFill>
               </a:rPr>
-              <a:t>Редактирование шаблонов </a:t>
-            </a:r>
-            <a:endParaRPr sz="1200">
+              <a:t>Преобразование </a:t>
+            </a:r>
+            <a:r>
+              <a:rPr lang="en" sz="1200" dirty="0">
+                <a:solidFill>
+                  <a:schemeClr val="dk1"/>
+                </a:solidFill>
+              </a:rPr>
+              <a:t>формата.</a:t>
+            </a:r>
+            <a:endParaRPr sz="1200" dirty="0">
               <a:solidFill>
                 <a:schemeClr val="dk1"/>
               </a:solidFill>
@@ -13119,14 +16189,14 @@
               <a:buAutoNum type="arabicPeriod"/>
             </a:pPr>
             <a:r>
-              <a:rPr lang="en" sz="1200">
+              <a:rPr lang="en" sz="1200" dirty="0">
                 <a:solidFill>
                   <a:schemeClr val="dk1"/>
                 </a:solidFill>
               </a:rPr>
-              <a:t>Преобразование формата.</a:t>
-            </a:r>
-            <a:endParaRPr sz="1200">
+              <a:t>Хранение ранее введенных данных для дальнейшего использования в базе данных</a:t>
+            </a:r>
+            <a:endParaRPr sz="1200" dirty="0">
               <a:solidFill>
                 <a:schemeClr val="dk1"/>
               </a:solidFill>
@@ -13150,14 +16220,14 @@
               <a:buAutoNum type="arabicPeriod"/>
             </a:pPr>
             <a:r>
-              <a:rPr lang="en" sz="1200">
+              <a:rPr lang="en" sz="1200" dirty="0">
                 <a:solidFill>
                   <a:schemeClr val="dk1"/>
                 </a:solidFill>
               </a:rPr>
-              <a:t>Хранение ранее введенных данных для дальнейшего использования в базе данных</a:t>
-            </a:r>
-            <a:endParaRPr sz="1200">
+              <a:t>Хранение готовых документов.</a:t>
+            </a:r>
+            <a:endParaRPr sz="1200" dirty="0">
               <a:solidFill>
                 <a:schemeClr val="dk1"/>
               </a:solidFill>
@@ -13181,14 +16251,14 @@
               <a:buAutoNum type="arabicPeriod"/>
             </a:pPr>
             <a:r>
-              <a:rPr lang="en" sz="1200">
+              <a:rPr lang="en" sz="1200" dirty="0">
                 <a:solidFill>
                   <a:schemeClr val="dk1"/>
                 </a:solidFill>
               </a:rPr>
-              <a:t>Хранение готовых документов.</a:t>
-            </a:r>
-            <a:endParaRPr sz="1200">
+              <a:t>Вывод заполненных шаблонов в различных форматах</a:t>
+            </a:r>
+            <a:endParaRPr sz="1200" dirty="0">
               <a:solidFill>
                 <a:schemeClr val="dk1"/>
               </a:solidFill>
@@ -13212,14 +16282,14 @@
               <a:buAutoNum type="arabicPeriod"/>
             </a:pPr>
             <a:r>
-              <a:rPr lang="en" sz="1200">
+              <a:rPr lang="en" sz="1200" dirty="0">
                 <a:solidFill>
                   <a:schemeClr val="dk1"/>
                 </a:solidFill>
               </a:rPr>
-              <a:t>Вывод заполненных шаблонов в различных форматах</a:t>
-            </a:r>
-            <a:endParaRPr sz="1200">
+              <a:t>Загрузка пользовательских шаблонов в базу данных</a:t>
+            </a:r>
+            <a:endParaRPr sz="1200" dirty="0">
               <a:solidFill>
                 <a:schemeClr val="dk1"/>
               </a:solidFill>
@@ -13243,14 +16313,14 @@
               <a:buAutoNum type="arabicPeriod"/>
             </a:pPr>
             <a:r>
-              <a:rPr lang="en" sz="1200">
+              <a:rPr lang="en" sz="1200" dirty="0">
                 <a:solidFill>
                   <a:schemeClr val="dk1"/>
                 </a:solidFill>
               </a:rPr>
-              <a:t>Загрузка пользовательских шаблонов в базу данных</a:t>
-            </a:r>
-            <a:endParaRPr sz="1200">
+              <a:t>Предпросмотр документа при заполнении</a:t>
+            </a:r>
+            <a:endParaRPr sz="1200" dirty="0">
               <a:solidFill>
                 <a:schemeClr val="dk1"/>
               </a:solidFill>
@@ -13274,14 +16344,14 @@
               <a:buAutoNum type="arabicPeriod"/>
             </a:pPr>
             <a:r>
-              <a:rPr lang="en" sz="1200">
+              <a:rPr lang="en" sz="1200" dirty="0">
                 <a:solidFill>
                   <a:schemeClr val="dk1"/>
                 </a:solidFill>
               </a:rPr>
-              <a:t>Предпросмотр документа при заполнении</a:t>
-            </a:r>
-            <a:endParaRPr sz="1200">
+              <a:t>Выбор шаблона по категориям</a:t>
+            </a:r>
+            <a:endParaRPr sz="1200" dirty="0">
               <a:solidFill>
                 <a:schemeClr val="dk1"/>
               </a:solidFill>
@@ -13305,14 +16375,14 @@
               <a:buAutoNum type="arabicPeriod"/>
             </a:pPr>
             <a:r>
-              <a:rPr lang="en" sz="1200">
+              <a:rPr lang="en" sz="1200" dirty="0">
                 <a:solidFill>
                   <a:schemeClr val="dk1"/>
                 </a:solidFill>
               </a:rPr>
-              <a:t>Выбор шаблона по категориям</a:t>
-            </a:r>
-            <a:endParaRPr sz="1200">
+              <a:t>Добавление/Удаление пользовательских категорий</a:t>
+            </a:r>
+            <a:endParaRPr sz="1200" dirty="0">
               <a:solidFill>
                 <a:schemeClr val="dk1"/>
               </a:solidFill>
@@ -13336,14 +16406,14 @@
               <a:buAutoNum type="arabicPeriod"/>
             </a:pPr>
             <a:r>
-              <a:rPr lang="en" sz="1200">
+              <a:rPr lang="en" sz="1200" dirty="0">
                 <a:solidFill>
                   <a:schemeClr val="dk1"/>
                 </a:solidFill>
               </a:rPr>
-              <a:t>Добавление/Удаление пользовательских категорий</a:t>
-            </a:r>
-            <a:endParaRPr sz="1200">
+              <a:t>Удаление шаблона</a:t>
+            </a:r>
+            <a:endParaRPr sz="1200" dirty="0">
               <a:solidFill>
                 <a:schemeClr val="dk1"/>
               </a:solidFill>
@@ -13367,14 +16437,14 @@
               <a:buAutoNum type="arabicPeriod"/>
             </a:pPr>
             <a:r>
-              <a:rPr lang="en" sz="1200">
+              <a:rPr lang="en" sz="1200" dirty="0">
                 <a:solidFill>
                   <a:schemeClr val="dk1"/>
                 </a:solidFill>
               </a:rPr>
-              <a:t>Удаление шаблона</a:t>
-            </a:r>
-            <a:endParaRPr sz="1200">
+              <a:t>Удаление ранее введенных данных</a:t>
+            </a:r>
+            <a:endParaRPr sz="1200" dirty="0">
               <a:solidFill>
                 <a:schemeClr val="dk1"/>
               </a:solidFill>
@@ -13398,14 +16468,14 @@
               <a:buAutoNum type="arabicPeriod"/>
             </a:pPr>
             <a:r>
-              <a:rPr lang="en" sz="1200">
+              <a:rPr lang="en" sz="1200" dirty="0">
                 <a:solidFill>
                   <a:schemeClr val="dk1"/>
                 </a:solidFill>
               </a:rPr>
-              <a:t>Удаление ранее введенных данных</a:t>
-            </a:r>
-            <a:endParaRPr sz="1200">
+              <a:t>Пакетный режим создания документов по шаблону</a:t>
+            </a:r>
+            <a:endParaRPr sz="1200" dirty="0">
               <a:solidFill>
                 <a:schemeClr val="dk1"/>
               </a:solidFill>
@@ -13429,14 +16499,14 @@
               <a:buAutoNum type="arabicPeriod"/>
             </a:pPr>
             <a:r>
-              <a:rPr lang="en" sz="1200">
+              <a:rPr lang="en" sz="1200" dirty="0">
                 <a:solidFill>
                   <a:schemeClr val="dk1"/>
                 </a:solidFill>
               </a:rPr>
-              <a:t>Пакетный режим создания документов по шаблону</a:t>
-            </a:r>
-            <a:endParaRPr sz="1200">
+              <a:t>Извлечение полей из загружаемого в систему файла для формирования шаблона</a:t>
+            </a:r>
+            <a:endParaRPr sz="1200" dirty="0">
               <a:solidFill>
                 <a:schemeClr val="dk1"/>
               </a:solidFill>
@@ -13460,45 +16530,14 @@
               <a:buAutoNum type="arabicPeriod"/>
             </a:pPr>
             <a:r>
-              <a:rPr lang="en" sz="1200">
-                <a:solidFill>
-                  <a:schemeClr val="dk1"/>
-                </a:solidFill>
-              </a:rPr>
-              <a:t>Извлечение полей из загружаемого в систему файла для формирования шаблона</a:t>
-            </a:r>
-            <a:endParaRPr sz="1200">
-              <a:solidFill>
-                <a:schemeClr val="dk1"/>
-              </a:solidFill>
-            </a:endParaRPr>
-          </a:p>
-          <a:p>
-            <a:pPr marL="914400" lvl="0" indent="-304800" algn="l" rtl="0">
-              <a:lnSpc>
-                <a:spcPct val="115000"/>
-              </a:lnSpc>
-              <a:spcBef>
-                <a:spcPts val="0"/>
-              </a:spcBef>
-              <a:spcAft>
-                <a:spcPts val="0"/>
-              </a:spcAft>
-              <a:buClr>
-                <a:schemeClr val="dk1"/>
-              </a:buClr>
-              <a:buSzPts val="1200"/>
-              <a:buAutoNum type="arabicPeriod"/>
-            </a:pPr>
-            <a:r>
-              <a:rPr lang="en" sz="1200">
+              <a:rPr lang="en" sz="1200" dirty="0">
                 <a:solidFill>
                   <a:schemeClr val="dk1"/>
                 </a:solidFill>
               </a:rPr>
               <a:t>Поддержка графического пользовательского интерфейса</a:t>
             </a:r>
-            <a:endParaRPr sz="1200" b="1"/>
+            <a:endParaRPr sz="1200" b="1" dirty="0"/>
           </a:p>
           <a:p>
             <a:pPr marL="0" lvl="0" indent="0" algn="l" rtl="0">
@@ -13518,7 +16557,7 @@
               <a:buFont typeface="Arial"/>
               <a:buNone/>
             </a:pPr>
-            <a:endParaRPr sz="3310" b="1"/>
+            <a:endParaRPr sz="3310" b="1" dirty="0"/>
           </a:p>
         </p:txBody>
       </p:sp>
@@ -13527,6 +16566,13 @@
   <p:clrMapOvr>
     <a:masterClrMapping/>
   </p:clrMapOvr>
+  <p:timing>
+    <p:tnLst>
+      <p:par>
+        <p:cTn id="1" dur="indefinite" restart="never" nodeType="tmRoot"/>
+      </p:par>
+    </p:tnLst>
+  </p:timing>
 </p:sld>
 </file>
 
@@ -13581,7 +16627,7 @@
               </a:spcAft>
               <a:buNone/>
             </a:pPr>
-            <a:endParaRPr sz="3106" b="1"/>
+            <a:endParaRPr sz="3106" b="1" dirty="0"/>
           </a:p>
           <a:p>
             <a:pPr marL="0" lvl="0" indent="0" algn="ctr" rtl="0">
@@ -13593,7 +16639,7 @@
               </a:spcAft>
               <a:buNone/>
             </a:pPr>
-            <a:endParaRPr sz="1600" b="1"/>
+            <a:endParaRPr sz="1600" b="1" dirty="0"/>
           </a:p>
           <a:p>
             <a:pPr marL="0" lvl="0" indent="0" algn="l" rtl="0">
@@ -13609,7 +16655,7 @@
               <a:buNone/>
             </a:pPr>
             <a:r>
-              <a:rPr lang="en" sz="5404" b="1">
+              <a:rPr lang="en" sz="5404" b="1" dirty="0">
                 <a:solidFill>
                   <a:schemeClr val="dk1"/>
                 </a:solidFill>
@@ -13619,7 +16665,7 @@
               </a:rPr>
               <a:t>Требования к организации входных данных</a:t>
             </a:r>
-            <a:endParaRPr sz="5404" b="1">
+            <a:endParaRPr sz="5404" b="1" dirty="0">
               <a:solidFill>
                 <a:schemeClr val="dk1"/>
               </a:solidFill>
@@ -13642,14 +16688,14 @@
               <a:buNone/>
             </a:pPr>
             <a:r>
-              <a:rPr lang="en" sz="5404">
+              <a:rPr lang="en" sz="5404" dirty="0">
                 <a:solidFill>
                   <a:schemeClr val="dk1"/>
                 </a:solidFill>
               </a:rPr>
               <a:t>Входными данными в системе могут быть файлы для шаблонов документов и данные необходимые для заполнения шаблона.</a:t>
             </a:r>
-            <a:endParaRPr sz="5404">
+            <a:endParaRPr sz="5404" dirty="0">
               <a:solidFill>
                 <a:schemeClr val="dk1"/>
               </a:solidFill>
@@ -13669,14 +16715,14 @@
               <a:buNone/>
             </a:pPr>
             <a:r>
-              <a:rPr lang="en" sz="5404">
+              <a:rPr lang="en" sz="5404" dirty="0">
                 <a:solidFill>
                   <a:schemeClr val="dk1"/>
                 </a:solidFill>
               </a:rPr>
               <a:t>Под файлом будем понимать загружаемый пользователем </a:t>
             </a:r>
-            <a:endParaRPr sz="5404">
+            <a:endParaRPr sz="5404" dirty="0">
               <a:solidFill>
                 <a:schemeClr val="dk1"/>
               </a:solidFill>
@@ -13696,14 +16742,14 @@
               <a:buNone/>
             </a:pPr>
             <a:r>
-              <a:rPr lang="en" sz="5404">
+              <a:rPr lang="en" sz="5404" dirty="0">
                 <a:solidFill>
                   <a:schemeClr val="dk1"/>
                 </a:solidFill>
               </a:rPr>
               <a:t>Требования к данным, вводимым при создании документа, определяются спецификой шаблона.</a:t>
             </a:r>
-            <a:endParaRPr sz="5404">
+            <a:endParaRPr sz="5404" dirty="0">
               <a:solidFill>
                 <a:schemeClr val="dk1"/>
               </a:solidFill>
@@ -13723,14 +16769,14 @@
               <a:buNone/>
             </a:pPr>
             <a:r>
-              <a:rPr lang="en" sz="5404">
+              <a:rPr lang="en" sz="5404" dirty="0">
                 <a:solidFill>
                   <a:schemeClr val="dk1"/>
                 </a:solidFill>
               </a:rPr>
               <a:t>Файлы для шаблонов принимаются системой в следующих форматах: doc, docx, rtf, html, txt.</a:t>
             </a:r>
-            <a:endParaRPr sz="5404">
+            <a:endParaRPr sz="5404" dirty="0">
               <a:solidFill>
                 <a:schemeClr val="dk1"/>
               </a:solidFill>
@@ -13750,14 +16796,14 @@
               <a:buNone/>
             </a:pPr>
             <a:r>
-              <a:rPr lang="en" sz="5404">
+              <a:rPr lang="en" sz="5404" dirty="0">
                 <a:solidFill>
                   <a:schemeClr val="dk1"/>
                 </a:solidFill>
               </a:rPr>
               <a:t>В загружаемом файле поля для ввода данных должны быть обозначены угловыми скобками.</a:t>
             </a:r>
-            <a:endParaRPr sz="5404">
+            <a:endParaRPr sz="5404" dirty="0">
               <a:solidFill>
                 <a:schemeClr val="dk1"/>
               </a:solidFill>
@@ -13777,14 +16823,14 @@
               <a:buNone/>
             </a:pPr>
             <a:r>
-              <a:rPr lang="en" sz="5404" b="1">
+              <a:rPr lang="en" sz="5404" b="1" dirty="0">
                 <a:solidFill>
                   <a:schemeClr val="dk1"/>
                 </a:solidFill>
               </a:rPr>
               <a:t>Требования к организации выходных данных</a:t>
             </a:r>
-            <a:endParaRPr sz="5404" b="1">
+            <a:endParaRPr sz="5404" b="1" dirty="0">
               <a:solidFill>
                 <a:schemeClr val="dk1"/>
               </a:solidFill>
@@ -13804,14 +16850,14 @@
               <a:buNone/>
             </a:pPr>
             <a:r>
-              <a:rPr lang="en" sz="5404">
+              <a:rPr lang="en" sz="5404" dirty="0">
                 <a:solidFill>
                   <a:schemeClr val="dk1"/>
                 </a:solidFill>
               </a:rPr>
               <a:t>Поддерживаемые форматы выходных данных: doc, docx, odt, ooxml, rtf, pdf, html, txt, md.</a:t>
             </a:r>
-            <a:endParaRPr sz="5404">
+            <a:endParaRPr sz="5404" dirty="0">
               <a:solidFill>
                 <a:schemeClr val="dk1"/>
               </a:solidFill>
@@ -13831,14 +16877,14 @@
               <a:buNone/>
             </a:pPr>
             <a:r>
-              <a:rPr lang="en" sz="5404">
+              <a:rPr lang="en" sz="5404" dirty="0">
                 <a:solidFill>
                   <a:schemeClr val="dk1"/>
                 </a:solidFill>
               </a:rPr>
               <a:t>Готовые документы хранятся на устройстве пользователя в выбранной им директории. Директория выбирается пользователем в системе. По умолчанию для хранения документов используется системная папка (XDG_DOCUMENTS_DIR на Linux).</a:t>
             </a:r>
-            <a:endParaRPr sz="5404">
+            <a:endParaRPr sz="5404" dirty="0">
               <a:solidFill>
                 <a:schemeClr val="dk1"/>
               </a:solidFill>
@@ -13857,7 +16903,7 @@
               </a:spcAft>
               <a:buNone/>
             </a:pPr>
-            <a:endParaRPr sz="5404">
+            <a:endParaRPr sz="5404" dirty="0">
               <a:solidFill>
                 <a:schemeClr val="dk1"/>
               </a:solidFill>
@@ -13877,14 +16923,14 @@
               <a:buNone/>
             </a:pPr>
             <a:r>
-              <a:rPr lang="en" sz="5404" b="1">
+              <a:rPr lang="en" sz="5404" b="1" dirty="0">
                 <a:solidFill>
                   <a:schemeClr val="dk1"/>
                 </a:solidFill>
               </a:rPr>
               <a:t>Требования к организации хранения данных</a:t>
             </a:r>
-            <a:endParaRPr sz="5404" b="1">
+            <a:endParaRPr sz="5404" b="1" dirty="0">
               <a:solidFill>
                 <a:schemeClr val="dk1"/>
               </a:solidFill>
@@ -13904,14 +16950,14 @@
               <a:buNone/>
             </a:pPr>
             <a:r>
-              <a:rPr lang="en" sz="5404">
+              <a:rPr lang="en" sz="5404" dirty="0">
                 <a:solidFill>
                   <a:schemeClr val="dk1"/>
                 </a:solidFill>
               </a:rPr>
               <a:t>В системе могут храниться шаблоны документов и ранее введенные пользовательские данные.</a:t>
             </a:r>
-            <a:endParaRPr sz="5404">
+            <a:endParaRPr sz="5404" dirty="0">
               <a:solidFill>
                 <a:schemeClr val="dk1"/>
               </a:solidFill>
@@ -13931,14 +16977,14 @@
               <a:buNone/>
             </a:pPr>
             <a:r>
-              <a:rPr lang="en" sz="5404">
+              <a:rPr lang="en" sz="5404" dirty="0">
                 <a:solidFill>
                   <a:schemeClr val="dk1"/>
                 </a:solidFill>
               </a:rPr>
               <a:t>Шаблоны хранятся в базе данных в формате XML.</a:t>
             </a:r>
-            <a:endParaRPr sz="5404">
+            <a:endParaRPr sz="5404" dirty="0">
               <a:solidFill>
                 <a:schemeClr val="dk1"/>
               </a:solidFill>
@@ -13958,14 +17004,14 @@
               <a:buNone/>
             </a:pPr>
             <a:r>
-              <a:rPr lang="en" sz="5404">
+              <a:rPr lang="en" sz="5404" dirty="0">
                 <a:solidFill>
                   <a:schemeClr val="dk1"/>
                 </a:solidFill>
               </a:rPr>
               <a:t>Пользовательские данные хранятся в сериализованной таблице в формате XML.</a:t>
             </a:r>
-            <a:endParaRPr sz="5404">
+            <a:endParaRPr sz="5404" dirty="0">
               <a:solidFill>
                 <a:schemeClr val="dk1"/>
               </a:solidFill>
@@ -13984,7 +17030,7 @@
               </a:spcAft>
               <a:buNone/>
             </a:pPr>
-            <a:endParaRPr sz="1250">
+            <a:endParaRPr sz="1250" dirty="0">
               <a:solidFill>
                 <a:schemeClr val="dk1"/>
               </a:solidFill>
@@ -14003,7 +17049,7 @@
               </a:spcAft>
               <a:buNone/>
             </a:pPr>
-            <a:endParaRPr sz="1250">
+            <a:endParaRPr sz="1250" dirty="0">
               <a:solidFill>
                 <a:schemeClr val="dk1"/>
               </a:solidFill>
@@ -14019,7 +17065,7 @@
               </a:spcAft>
               <a:buNone/>
             </a:pPr>
-            <a:endParaRPr sz="1600" b="1"/>
+            <a:endParaRPr sz="1600" b="1" dirty="0"/>
           </a:p>
           <a:p>
             <a:pPr marL="0" lvl="0" indent="0" algn="ctr" rtl="0">
@@ -14031,7 +17077,7 @@
               </a:spcAft>
               <a:buNone/>
             </a:pPr>
-            <a:endParaRPr sz="1600" b="1"/>
+            <a:endParaRPr sz="1600" b="1" dirty="0"/>
           </a:p>
           <a:p>
             <a:pPr marL="0" lvl="0" indent="0" algn="ctr" rtl="0">
@@ -14048,7 +17094,7 @@
               <a:buFont typeface="Arial"/>
               <a:buNone/>
             </a:pPr>
-            <a:endParaRPr sz="1600" b="1"/>
+            <a:endParaRPr sz="1600" b="1" dirty="0"/>
           </a:p>
         </p:txBody>
       </p:sp>
@@ -14099,6 +17145,13 @@
   <p:clrMapOvr>
     <a:masterClrMapping/>
   </p:clrMapOvr>
+  <p:timing>
+    <p:tnLst>
+      <p:par>
+        <p:cTn id="1" dur="indefinite" restart="never" nodeType="tmRoot"/>
+      </p:par>
+    </p:tnLst>
+  </p:timing>
 </p:sld>
 </file>
 
@@ -14131,7 +17184,7 @@
         </p:nvSpPr>
         <p:spPr>
           <a:xfrm>
-            <a:off x="311700" y="264150"/>
+            <a:off x="331435" y="158895"/>
             <a:ext cx="8520600" cy="4615200"/>
           </a:xfrm>
           <a:prstGeom prst="rect">
@@ -14162,14 +17215,14 @@
               <a:buNone/>
             </a:pPr>
             <a:r>
-              <a:rPr lang="en" sz="4800" b="1">
+              <a:rPr lang="en" sz="4800" b="1" dirty="0">
                 <a:solidFill>
                   <a:schemeClr val="dk1"/>
                 </a:solidFill>
               </a:rPr>
               <a:t>Условия эксплуатации</a:t>
             </a:r>
-            <a:endParaRPr sz="4800" b="1">
+            <a:endParaRPr sz="4800" b="1" dirty="0">
               <a:solidFill>
                 <a:schemeClr val="dk1"/>
               </a:solidFill>
@@ -14189,14 +17242,14 @@
               <a:buNone/>
             </a:pPr>
             <a:r>
-              <a:rPr lang="en" sz="4800">
+              <a:rPr lang="en" sz="4800" dirty="0">
                 <a:solidFill>
                   <a:schemeClr val="dk1"/>
                 </a:solidFill>
               </a:rPr>
               <a:t>Система должна использоваться на ПК в Операционных системах Windows и Linux</a:t>
             </a:r>
-            <a:endParaRPr sz="4800">
+            <a:endParaRPr sz="4800" dirty="0">
               <a:solidFill>
                 <a:schemeClr val="dk1"/>
               </a:solidFill>
@@ -14216,14 +17269,14 @@
               <a:buNone/>
             </a:pPr>
             <a:r>
-              <a:rPr lang="en" sz="4800" b="1">
+              <a:rPr lang="en" sz="4800" b="1" dirty="0">
                 <a:solidFill>
                   <a:schemeClr val="dk1"/>
                 </a:solidFill>
               </a:rPr>
               <a:t>Требования к графическому пользовательскому интерфейсу</a:t>
             </a:r>
-            <a:endParaRPr sz="4800" b="1">
+            <a:endParaRPr sz="4800" b="1" dirty="0">
               <a:solidFill>
                 <a:schemeClr val="dk1"/>
               </a:solidFill>
@@ -14243,14 +17296,14 @@
               <a:buNone/>
             </a:pPr>
             <a:r>
-              <a:rPr lang="en" sz="4800">
+              <a:rPr lang="en" sz="4800" dirty="0">
                 <a:solidFill>
                   <a:schemeClr val="dk1"/>
                 </a:solidFill>
               </a:rPr>
               <a:t>Программа должна обеспечивать взаимодействие с пользователем посредством графического пользовательского интерфейса (GUI). Для создания GUI требуется использовать фреймворк Avalonia UI для удовлетворения требования к кроссплатформенности.</a:t>
             </a:r>
-            <a:endParaRPr sz="4800">
+            <a:endParaRPr sz="4800" dirty="0">
               <a:solidFill>
                 <a:schemeClr val="dk1"/>
               </a:solidFill>
@@ -14270,14 +17323,14 @@
               <a:buNone/>
             </a:pPr>
             <a:r>
-              <a:rPr lang="en" sz="4800" b="1">
+              <a:rPr lang="en" sz="4800" b="1" dirty="0">
                 <a:solidFill>
                   <a:schemeClr val="dk1"/>
                 </a:solidFill>
               </a:rPr>
               <a:t>Функциональные требования к графическому интерфейсу</a:t>
             </a:r>
-            <a:endParaRPr sz="4800" b="1">
+            <a:endParaRPr sz="4800" b="1" dirty="0">
               <a:solidFill>
                 <a:schemeClr val="dk1"/>
               </a:solidFill>
@@ -14301,14 +17354,14 @@
               <a:buAutoNum type="arabicPeriod"/>
             </a:pPr>
             <a:r>
-              <a:rPr lang="en" sz="4800">
+              <a:rPr lang="en" sz="4800" dirty="0">
                 <a:solidFill>
                   <a:schemeClr val="dk1"/>
                 </a:solidFill>
               </a:rPr>
               <a:t>Отображение базы данных шаблонов в виде древовидной структуры</a:t>
             </a:r>
-            <a:endParaRPr sz="4800">
+            <a:endParaRPr sz="4800" dirty="0">
               <a:solidFill>
                 <a:schemeClr val="dk1"/>
               </a:solidFill>
@@ -14332,14 +17385,14 @@
               <a:buAutoNum type="arabicPeriod"/>
             </a:pPr>
             <a:r>
-              <a:rPr lang="en" sz="4800">
+              <a:rPr lang="en" sz="4800" dirty="0">
                 <a:solidFill>
                   <a:schemeClr val="dk1"/>
                 </a:solidFill>
               </a:rPr>
               <a:t>Предпросмотр документа при заполнении</a:t>
             </a:r>
-            <a:endParaRPr sz="4800">
+            <a:endParaRPr sz="4800" dirty="0">
               <a:solidFill>
                 <a:schemeClr val="dk1"/>
               </a:solidFill>
@@ -14363,14 +17416,14 @@
               <a:buAutoNum type="arabicPeriod"/>
             </a:pPr>
             <a:r>
-              <a:rPr lang="en" sz="4800">
+              <a:rPr lang="en" sz="4800" dirty="0">
                 <a:solidFill>
                   <a:schemeClr val="dk1"/>
                 </a:solidFill>
               </a:rPr>
               <a:t>Использование исключительно панелей инструментов для навигации</a:t>
             </a:r>
-            <a:endParaRPr sz="4800">
+            <a:endParaRPr sz="4800" dirty="0">
               <a:solidFill>
                 <a:schemeClr val="dk1"/>
               </a:solidFill>
@@ -14394,14 +17447,14 @@
               <a:buAutoNum type="arabicPeriod"/>
             </a:pPr>
             <a:r>
-              <a:rPr lang="en" sz="4800">
+              <a:rPr lang="en" sz="4800" dirty="0">
                 <a:solidFill>
                   <a:schemeClr val="dk1"/>
                 </a:solidFill>
               </a:rPr>
               <a:t>Интерфейс заполнения шаблона в виде экранной формы</a:t>
             </a:r>
-            <a:endParaRPr sz="4800">
+            <a:endParaRPr sz="4800" dirty="0">
               <a:solidFill>
                 <a:schemeClr val="dk1"/>
               </a:solidFill>
@@ -14425,14 +17478,14 @@
               <a:buAutoNum type="arabicPeriod"/>
             </a:pPr>
             <a:r>
-              <a:rPr lang="en" sz="4800">
+              <a:rPr lang="en" sz="4800" dirty="0">
                 <a:solidFill>
                   <a:schemeClr val="dk1"/>
                 </a:solidFill>
               </a:rPr>
               <a:t>В пакетном режиме предусмотрена возможность перехода от одного экземпляра к другому</a:t>
             </a:r>
-            <a:endParaRPr sz="4800">
+            <a:endParaRPr sz="4800" dirty="0">
               <a:solidFill>
                 <a:schemeClr val="dk1"/>
               </a:solidFill>
@@ -14452,14 +17505,14 @@
               <a:buNone/>
             </a:pPr>
             <a:r>
-              <a:rPr lang="en" sz="4800" b="1">
+              <a:rPr lang="en" sz="4800" b="1" dirty="0">
                 <a:solidFill>
                   <a:schemeClr val="dk1"/>
                 </a:solidFill>
               </a:rPr>
               <a:t>Требования к исходным кодам и языкам программирования</a:t>
             </a:r>
-            <a:endParaRPr sz="4800" b="1">
+            <a:endParaRPr sz="4800" b="1" dirty="0">
               <a:solidFill>
                 <a:schemeClr val="dk1"/>
               </a:solidFill>
@@ -14483,14 +17536,14 @@
               <a:buChar char="●"/>
             </a:pPr>
             <a:r>
-              <a:rPr lang="en" sz="4800">
+              <a:rPr lang="en" sz="4800" dirty="0">
                 <a:solidFill>
                   <a:schemeClr val="dk1"/>
                 </a:solidFill>
               </a:rPr>
               <a:t>Программный код системы должен быть написан на C#.</a:t>
             </a:r>
-            <a:endParaRPr sz="4800">
+            <a:endParaRPr sz="4800" dirty="0">
               <a:solidFill>
                 <a:schemeClr val="dk1"/>
               </a:solidFill>
@@ -14514,14 +17567,14 @@
               <a:buChar char="●"/>
             </a:pPr>
             <a:r>
-              <a:rPr lang="en" sz="4800">
+              <a:rPr lang="en" sz="4800" dirty="0">
                 <a:solidFill>
                   <a:schemeClr val="dk1"/>
                 </a:solidFill>
               </a:rPr>
               <a:t>Наличие комментариев в программном коде</a:t>
             </a:r>
-            <a:endParaRPr sz="4800">
+            <a:endParaRPr sz="4800" dirty="0">
               <a:solidFill>
                 <a:schemeClr val="dk1"/>
               </a:solidFill>
@@ -14545,14 +17598,14 @@
               <a:buChar char="●"/>
             </a:pPr>
             <a:r>
-              <a:rPr lang="en" sz="4800">
+              <a:rPr lang="en" sz="4800" dirty="0">
                 <a:solidFill>
                   <a:schemeClr val="dk1"/>
                 </a:solidFill>
               </a:rPr>
               <a:t>Понятные наименования объектов в программном коде</a:t>
             </a:r>
-            <a:endParaRPr sz="4800">
+            <a:endParaRPr sz="4800" dirty="0">
               <a:solidFill>
                 <a:schemeClr val="dk1"/>
               </a:solidFill>
@@ -14576,14 +17629,14 @@
               <a:buChar char="●"/>
             </a:pPr>
             <a:r>
-              <a:rPr lang="en" sz="4800">
+              <a:rPr lang="en" sz="4800" dirty="0">
                 <a:solidFill>
                   <a:schemeClr val="dk1"/>
                 </a:solidFill>
               </a:rPr>
               <a:t>Трехуровневая модель приложения</a:t>
             </a:r>
-            <a:endParaRPr sz="4800">
+            <a:endParaRPr sz="4800" dirty="0">
               <a:solidFill>
                 <a:schemeClr val="dk1"/>
               </a:solidFill>
@@ -14607,14 +17660,14 @@
               <a:buChar char="●"/>
             </a:pPr>
             <a:r>
-              <a:rPr lang="en" sz="4800">
+              <a:rPr lang="en" sz="4800" dirty="0">
                 <a:solidFill>
                   <a:schemeClr val="dk1"/>
                 </a:solidFill>
               </a:rPr>
               <a:t>Объектно-ориентированный подход к написанию кода</a:t>
             </a:r>
-            <a:endParaRPr sz="4800">
+            <a:endParaRPr sz="4800" dirty="0">
               <a:solidFill>
                 <a:schemeClr val="dk1"/>
               </a:solidFill>
@@ -14633,7 +17686,7 @@
               </a:spcAft>
               <a:buNone/>
             </a:pPr>
-            <a:endParaRPr sz="5765">
+            <a:endParaRPr sz="5765" dirty="0">
               <a:solidFill>
                 <a:schemeClr val="dk1"/>
               </a:solidFill>
@@ -14652,7 +17705,7 @@
               </a:spcAft>
               <a:buNone/>
             </a:pPr>
-            <a:endParaRPr sz="5765">
+            <a:endParaRPr sz="5765" dirty="0">
               <a:solidFill>
                 <a:schemeClr val="dk1"/>
               </a:solidFill>
@@ -14671,7 +17724,7 @@
               </a:spcAft>
               <a:buNone/>
             </a:pPr>
-            <a:endParaRPr sz="1100">
+            <a:endParaRPr sz="1100" dirty="0">
               <a:solidFill>
                 <a:schemeClr val="dk1"/>
               </a:solidFill>
@@ -14691,14 +17744,14 @@
               <a:buNone/>
             </a:pPr>
             <a:r>
-              <a:rPr lang="en" sz="1100">
+              <a:rPr lang="en" sz="1100" dirty="0">
                 <a:solidFill>
                   <a:schemeClr val="dk1"/>
                 </a:solidFill>
               </a:rPr>
               <a:t>.</a:t>
             </a:r>
-            <a:endParaRPr sz="1100">
+            <a:endParaRPr sz="1100" dirty="0">
               <a:solidFill>
                 <a:schemeClr val="dk1"/>
               </a:solidFill>
@@ -14722,7 +17775,7 @@
               <a:buFont typeface="Arial"/>
               <a:buNone/>
             </a:pPr>
-            <a:endParaRPr sz="1100">
+            <a:endParaRPr sz="1100" dirty="0">
               <a:solidFill>
                 <a:schemeClr val="dk1"/>
               </a:solidFill>
@@ -14735,6 +17788,13 @@
   <p:clrMapOvr>
     <a:masterClrMapping/>
   </p:clrMapOvr>
+  <p:timing>
+    <p:tnLst>
+      <p:par>
+        <p:cTn id="1" dur="indefinite" restart="never" nodeType="tmRoot"/>
+      </p:par>
+    </p:tnLst>
+  </p:timing>
 </p:sld>
 </file>
 
@@ -14836,14 +17896,14 @@
               <a:buChar char="-"/>
             </a:pPr>
             <a:r>
-              <a:rPr lang="en" sz="4607">
+              <a:rPr lang="en" sz="4607" dirty="0">
                 <a:solidFill>
                   <a:srgbClr val="FF0000"/>
                 </a:solidFill>
               </a:rPr>
               <a:t>Анализ рынка и потребностей пользователя</a:t>
             </a:r>
-            <a:endParaRPr sz="4607">
+            <a:endParaRPr sz="4607" dirty="0">
               <a:solidFill>
                 <a:srgbClr val="FF0000"/>
               </a:solidFill>
@@ -14864,14 +17924,14 @@
               <a:buChar char="-"/>
             </a:pPr>
             <a:r>
-              <a:rPr lang="en" sz="4607">
+              <a:rPr lang="en" sz="4607" dirty="0">
                 <a:solidFill>
                   <a:srgbClr val="FF0000"/>
                 </a:solidFill>
               </a:rPr>
               <a:t>Разработка ТЗ</a:t>
             </a:r>
-            <a:endParaRPr sz="4607">
+            <a:endParaRPr sz="4607" dirty="0">
               <a:solidFill>
                 <a:srgbClr val="FF0000"/>
               </a:solidFill>
@@ -14892,14 +17952,14 @@
               <a:buChar char="-"/>
             </a:pPr>
             <a:r>
-              <a:rPr lang="en" sz="4607">
+              <a:rPr lang="en" sz="4607" dirty="0">
                 <a:solidFill>
                   <a:srgbClr val="FF0000"/>
                 </a:solidFill>
               </a:rPr>
               <a:t>Анализ рисков</a:t>
             </a:r>
-            <a:endParaRPr sz="4607">
+            <a:endParaRPr sz="4607" dirty="0">
               <a:solidFill>
                 <a:srgbClr val="FF0000"/>
               </a:solidFill>
@@ -14920,14 +17980,14 @@
               <a:buChar char="-"/>
             </a:pPr>
             <a:r>
-              <a:rPr lang="en" sz="4607">
+              <a:rPr lang="en" sz="4607" dirty="0">
                 <a:solidFill>
                   <a:srgbClr val="FF0000"/>
                 </a:solidFill>
               </a:rPr>
               <a:t>Архитектектура системы:</a:t>
             </a:r>
-            <a:endParaRPr sz="4607">
+            <a:endParaRPr sz="4607" dirty="0">
               <a:solidFill>
                 <a:srgbClr val="FF0000"/>
               </a:solidFill>
@@ -14948,14 +18008,14 @@
               <a:buChar char="-"/>
             </a:pPr>
             <a:r>
-              <a:rPr lang="en" sz="4207">
+              <a:rPr lang="en" sz="4207" dirty="0">
                 <a:solidFill>
                   <a:srgbClr val="0000FF"/>
                 </a:solidFill>
               </a:rPr>
               <a:t>Разработка диаграммы прецедентов</a:t>
             </a:r>
-            <a:endParaRPr sz="4207">
+            <a:endParaRPr sz="4207" dirty="0">
               <a:solidFill>
                 <a:srgbClr val="0000FF"/>
               </a:solidFill>
@@ -14976,14 +18036,14 @@
               <a:buChar char="-"/>
             </a:pPr>
             <a:r>
-              <a:rPr lang="en" sz="4207">
+              <a:rPr lang="en" sz="4207" dirty="0">
                 <a:solidFill>
                   <a:srgbClr val="0000FF"/>
                 </a:solidFill>
               </a:rPr>
               <a:t>Подготовка структуры шаблонов документов:</a:t>
             </a:r>
-            <a:endParaRPr sz="4207">
+            <a:endParaRPr sz="4207" dirty="0">
               <a:solidFill>
                 <a:srgbClr val="0000FF"/>
               </a:solidFill>
@@ -15004,14 +18064,14 @@
               <a:buChar char="-"/>
             </a:pPr>
             <a:r>
-              <a:rPr lang="en" sz="4207">
+              <a:rPr lang="en" sz="4207" dirty="0">
                 <a:solidFill>
                   <a:srgbClr val="6AA84F"/>
                 </a:solidFill>
               </a:rPr>
               <a:t>Подготовить образцы документов в формате docx:</a:t>
             </a:r>
-            <a:endParaRPr sz="4207">
+            <a:endParaRPr sz="4207" dirty="0">
               <a:solidFill>
                 <a:srgbClr val="6AA84F"/>
               </a:solidFill>
@@ -15029,10 +18089,10 @@
               <a:buChar char="-"/>
             </a:pPr>
             <a:r>
-              <a:rPr lang="en" sz="4207"/>
+              <a:rPr lang="en" sz="4207" dirty="0"/>
               <a:t>Подготовить шаблоны информационных документов</a:t>
             </a:r>
-            <a:endParaRPr sz="4207"/>
+            <a:endParaRPr sz="4207" dirty="0"/>
           </a:p>
           <a:p>
             <a:pPr marL="1828800" lvl="3" indent="-295397" algn="l" rtl="0">
@@ -15046,10 +18106,10 @@
               <a:buChar char="-"/>
             </a:pPr>
             <a:r>
-              <a:rPr lang="en" sz="4207"/>
+              <a:rPr lang="en" sz="4207" dirty="0"/>
               <a:t>Подготовить шаблоны распорядительных документов</a:t>
             </a:r>
-            <a:endParaRPr sz="4207"/>
+            <a:endParaRPr sz="4207" dirty="0"/>
           </a:p>
           <a:p>
             <a:pPr marL="1828800" lvl="3" indent="-295397" algn="l" rtl="0">
@@ -15063,10 +18123,10 @@
               <a:buChar char="-"/>
             </a:pPr>
             <a:r>
-              <a:rPr lang="en" sz="4207"/>
+              <a:rPr lang="en" sz="4207" dirty="0"/>
               <a:t>Подготовить шаблоны организационных документов</a:t>
             </a:r>
-            <a:endParaRPr sz="4207"/>
+            <a:endParaRPr sz="4207" dirty="0"/>
           </a:p>
           <a:p>
             <a:pPr marL="1828800" lvl="3" indent="-295397" algn="l" rtl="0">
@@ -15080,10 +18140,10 @@
               <a:buChar char="-"/>
             </a:pPr>
             <a:r>
-              <a:rPr lang="en" sz="4207"/>
+              <a:rPr lang="en" sz="4207" dirty="0"/>
               <a:t>Подготовить шаблоны договорных документов</a:t>
             </a:r>
-            <a:endParaRPr sz="4207"/>
+            <a:endParaRPr sz="4207" dirty="0"/>
           </a:p>
           <a:p>
             <a:pPr marL="1371600" lvl="2" indent="-295397" algn="l" rtl="0">
@@ -15100,14 +18160,14 @@
               <a:buChar char="-"/>
             </a:pPr>
             <a:r>
-              <a:rPr lang="en" sz="4207">
+              <a:rPr lang="en" sz="4207" dirty="0">
                 <a:solidFill>
                   <a:srgbClr val="6AA84F"/>
                 </a:solidFill>
               </a:rPr>
               <a:t>Подготовить структуру репозитория шаблонов</a:t>
             </a:r>
-            <a:endParaRPr sz="4207">
+            <a:endParaRPr sz="4207" dirty="0">
               <a:solidFill>
                 <a:srgbClr val="6AA84F"/>
               </a:solidFill>
@@ -15125,10 +18185,10 @@
               <a:buChar char="-"/>
             </a:pPr>
             <a:r>
-              <a:rPr lang="en" sz="4207"/>
+              <a:rPr lang="en" sz="4207" dirty="0"/>
               <a:t>Структура информационных документов в формате xml</a:t>
             </a:r>
-            <a:endParaRPr sz="4207"/>
+            <a:endParaRPr sz="4207" dirty="0"/>
           </a:p>
           <a:p>
             <a:pPr marL="1828800" lvl="3" indent="-295397" algn="l" rtl="0">
@@ -15142,10 +18202,10 @@
               <a:buChar char="-"/>
             </a:pPr>
             <a:r>
-              <a:rPr lang="en" sz="4207"/>
+              <a:rPr lang="en" sz="4207" dirty="0"/>
               <a:t>Структура распорядительных  документов в формате xml</a:t>
             </a:r>
-            <a:endParaRPr sz="4207"/>
+            <a:endParaRPr sz="4207" dirty="0"/>
           </a:p>
           <a:p>
             <a:pPr marL="1828800" lvl="3" indent="-295397" algn="l" rtl="0">
@@ -15159,10 +18219,10 @@
               <a:buChar char="-"/>
             </a:pPr>
             <a:r>
-              <a:rPr lang="en" sz="4207"/>
+              <a:rPr lang="en" sz="4207" dirty="0"/>
               <a:t>Структура организационных документов в формате xml</a:t>
             </a:r>
-            <a:endParaRPr sz="4207"/>
+            <a:endParaRPr sz="4207" dirty="0"/>
           </a:p>
           <a:p>
             <a:pPr marL="1828800" lvl="3" indent="-295397" algn="l" rtl="0">
@@ -15176,10 +18236,10 @@
               <a:buChar char="-"/>
             </a:pPr>
             <a:r>
-              <a:rPr lang="en" sz="4207"/>
+              <a:rPr lang="en" sz="4207" dirty="0"/>
               <a:t>Структура договорных документов в формате xml</a:t>
             </a:r>
-            <a:endParaRPr sz="4207">
+            <a:endParaRPr sz="4207" dirty="0">
               <a:solidFill>
                 <a:srgbClr val="0000FF"/>
               </a:solidFill>
@@ -15200,14 +18260,14 @@
               <a:buChar char="-"/>
             </a:pPr>
             <a:r>
-              <a:rPr lang="en" sz="4207">
+              <a:rPr lang="en" sz="4207" dirty="0">
                 <a:solidFill>
                   <a:srgbClr val="0000FF"/>
                 </a:solidFill>
               </a:rPr>
               <a:t>Разработка функции создания документа по заданному шаблону</a:t>
             </a:r>
-            <a:endParaRPr sz="4207">
+            <a:endParaRPr sz="4207" dirty="0">
               <a:solidFill>
                 <a:srgbClr val="0000FF"/>
               </a:solidFill>
@@ -15228,14 +18288,14 @@
               <a:buChar char="-"/>
             </a:pPr>
             <a:r>
-              <a:rPr lang="en" sz="4607">
+              <a:rPr lang="en" sz="4607" dirty="0">
                 <a:solidFill>
                   <a:srgbClr val="FF0000"/>
                 </a:solidFill>
               </a:rPr>
               <a:t>Прототип интерфейса:</a:t>
             </a:r>
-            <a:endParaRPr sz="4607">
+            <a:endParaRPr sz="4607" dirty="0">
               <a:solidFill>
                 <a:srgbClr val="FF0000"/>
               </a:solidFill>
@@ -15256,14 +18316,14 @@
               <a:buChar char="-"/>
             </a:pPr>
             <a:r>
-              <a:rPr lang="en" sz="4207">
+              <a:rPr lang="en" sz="4207" dirty="0">
                 <a:solidFill>
                   <a:srgbClr val="0000FF"/>
                 </a:solidFill>
               </a:rPr>
               <a:t>Редактор шаблона в прототипе</a:t>
             </a:r>
-            <a:endParaRPr sz="4207">
+            <a:endParaRPr sz="4207" dirty="0">
               <a:solidFill>
                 <a:srgbClr val="0000FF"/>
               </a:solidFill>
@@ -15284,14 +18344,14 @@
               <a:buChar char="-"/>
             </a:pPr>
             <a:r>
-              <a:rPr lang="en" sz="4207">
+              <a:rPr lang="en" sz="4207" dirty="0">
                 <a:solidFill>
                   <a:srgbClr val="0000FF"/>
                 </a:solidFill>
               </a:rPr>
               <a:t>Описание шаблонов в прототие</a:t>
             </a:r>
-            <a:endParaRPr sz="4207">
+            <a:endParaRPr sz="4207" dirty="0">
               <a:solidFill>
                 <a:srgbClr val="0000FF"/>
               </a:solidFill>
@@ -15312,14 +18372,14 @@
               <a:buChar char="-"/>
             </a:pPr>
             <a:r>
-              <a:rPr lang="en" sz="4207">
+              <a:rPr lang="en" sz="4207" dirty="0">
                 <a:solidFill>
                   <a:srgbClr val="0000FF"/>
                 </a:solidFill>
               </a:rPr>
               <a:t>Настройки меню в прототипе</a:t>
             </a:r>
-            <a:endParaRPr sz="4207">
+            <a:endParaRPr sz="4207" dirty="0">
               <a:solidFill>
                 <a:srgbClr val="0000FF"/>
               </a:solidFill>
@@ -15340,14 +18400,14 @@
               <a:buChar char="-"/>
             </a:pPr>
             <a:r>
-              <a:rPr lang="en" sz="4207">
+              <a:rPr lang="en" sz="4207" dirty="0">
                 <a:solidFill>
                   <a:srgbClr val="0000FF"/>
                 </a:solidFill>
               </a:rPr>
               <a:t>Формат иконок</a:t>
             </a:r>
-            <a:endParaRPr sz="4607">
+            <a:endParaRPr sz="4607" dirty="0">
               <a:solidFill>
                 <a:srgbClr val="FF0000"/>
               </a:solidFill>
@@ -15368,14 +18428,14 @@
               <a:buChar char="-"/>
             </a:pPr>
             <a:r>
-              <a:rPr lang="en" sz="4607">
+              <a:rPr lang="en" sz="4607" dirty="0">
                 <a:solidFill>
                   <a:srgbClr val="FF0000"/>
                 </a:solidFill>
               </a:rPr>
               <a:t>Ретроспектива спринта</a:t>
             </a:r>
-            <a:endParaRPr sz="4607">
+            <a:endParaRPr sz="4607" dirty="0">
               <a:solidFill>
                 <a:srgbClr val="FF0000"/>
               </a:solidFill>
@@ -15391,7 +18451,7 @@
               </a:spcAft>
               <a:buNone/>
             </a:pPr>
-            <a:endParaRPr sz="3807">
+            <a:endParaRPr sz="3807" dirty="0">
               <a:solidFill>
                 <a:srgbClr val="0000FF"/>
               </a:solidFill>
@@ -15407,7 +18467,7 @@
               </a:spcAft>
               <a:buNone/>
             </a:pPr>
-            <a:endParaRPr/>
+            <a:endParaRPr dirty="0"/>
           </a:p>
           <a:p>
             <a:pPr marL="0" lvl="0" indent="0" algn="l" rtl="0">
@@ -15419,7 +18479,7 @@
               </a:spcAft>
               <a:buNone/>
             </a:pPr>
-            <a:endParaRPr/>
+            <a:endParaRPr dirty="0"/>
           </a:p>
           <a:p>
             <a:pPr marL="1828800" lvl="0" indent="0" algn="l" rtl="0">
@@ -15431,7 +18491,7 @@
               </a:spcAft>
               <a:buNone/>
             </a:pPr>
-            <a:endParaRPr/>
+            <a:endParaRPr dirty="0"/>
           </a:p>
           <a:p>
             <a:pPr marL="0" lvl="0" indent="0" algn="l" rtl="0">
@@ -15444,10 +18504,10 @@
               <a:buNone/>
             </a:pPr>
             <a:r>
-              <a:rPr lang="en"/>
+              <a:rPr lang="en" dirty="0"/>
               <a:t>		</a:t>
             </a:r>
-            <a:endParaRPr/>
+            <a:endParaRPr dirty="0"/>
           </a:p>
           <a:p>
             <a:pPr marL="914400" lvl="1" indent="-250825" algn="l" rtl="0">
@@ -15460,7 +18520,7 @@
               <a:buSzPct val="100000"/>
               <a:buChar char="-"/>
             </a:pPr>
-            <a:endParaRPr/>
+            <a:endParaRPr dirty="0"/>
           </a:p>
         </p:txBody>
       </p:sp>
@@ -15469,6 +18529,13 @@
   <p:clrMapOvr>
     <a:masterClrMapping/>
   </p:clrMapOvr>
+  <p:timing>
+    <p:tnLst>
+      <p:par>
+        <p:cTn id="1" dur="indefinite" restart="never" nodeType="tmRoot"/>
+      </p:par>
+    </p:tnLst>
+  </p:timing>
 </p:sld>
 </file>
 
@@ -15603,6 +18670,13 @@
   <p:clrMapOvr>
     <a:masterClrMapping/>
   </p:clrMapOvr>
+  <p:timing>
+    <p:tnLst>
+      <p:par>
+        <p:cTn id="1" dur="indefinite" restart="never" nodeType="tmRoot"/>
+      </p:par>
+    </p:tnLst>
+  </p:timing>
 </p:sld>
 </file>
 
